--- a/supplemental/presentation.pptx
+++ b/supplemental/presentation.pptx
@@ -5,23 +5,24 @@
     <p:sldMasterId id="2147483648" r:id="rId1"/>
   </p:sldMasterIdLst>
   <p:notesMasterIdLst>
-    <p:notesMasterId r:id="rId16"/>
+    <p:notesMasterId r:id="rId17"/>
   </p:notesMasterIdLst>
   <p:sldIdLst>
     <p:sldId id="257" r:id="rId2"/>
-    <p:sldId id="258" r:id="rId3"/>
-    <p:sldId id="259" r:id="rId4"/>
-    <p:sldId id="261" r:id="rId5"/>
-    <p:sldId id="260" r:id="rId6"/>
-    <p:sldId id="256" r:id="rId7"/>
-    <p:sldId id="262" r:id="rId8"/>
-    <p:sldId id="263" r:id="rId9"/>
-    <p:sldId id="264" r:id="rId10"/>
-    <p:sldId id="267" r:id="rId11"/>
-    <p:sldId id="265" r:id="rId12"/>
-    <p:sldId id="266" r:id="rId13"/>
-    <p:sldId id="268" r:id="rId14"/>
-    <p:sldId id="269" r:id="rId15"/>
+    <p:sldId id="270" r:id="rId3"/>
+    <p:sldId id="258" r:id="rId4"/>
+    <p:sldId id="259" r:id="rId5"/>
+    <p:sldId id="261" r:id="rId6"/>
+    <p:sldId id="260" r:id="rId7"/>
+    <p:sldId id="256" r:id="rId8"/>
+    <p:sldId id="262" r:id="rId9"/>
+    <p:sldId id="263" r:id="rId10"/>
+    <p:sldId id="264" r:id="rId11"/>
+    <p:sldId id="267" r:id="rId12"/>
+    <p:sldId id="265" r:id="rId13"/>
+    <p:sldId id="266" r:id="rId14"/>
+    <p:sldId id="268" r:id="rId15"/>
+    <p:sldId id="269" r:id="rId16"/>
   </p:sldIdLst>
   <p:sldSz cx="12192000" cy="6858000"/>
   <p:notesSz cx="6858000" cy="9144000"/>
@@ -131,8 +132,124 @@
 </p:presentation>
 </file>
 
+<file path=ppt/revisionInfo.xml><?xml version="1.0" encoding="utf-8"?>
+<p1510:revInfo xmlns:a="http://schemas.openxmlformats.org/drawingml/2006/main" xmlns:r="http://schemas.openxmlformats.org/officeDocument/2006/relationships" xmlns:p1510="http://schemas.microsoft.com/office/powerpoint/2015/10/main">
+  <p1510:revLst>
+    <p1510:client id="{C8AFAE85-08CB-4BFB-8418-4209102222C0}" v="13" dt="2020-11-18T16:10:46.920"/>
+  </p1510:revLst>
+</p1510:revInfo>
+</file>
+
+<file path=ppt/changesInfos/changesInfo1.xml><?xml version="1.0" encoding="utf-8"?>
+<pc:chgInfo xmlns:a="http://schemas.openxmlformats.org/drawingml/2006/main" xmlns:r="http://schemas.openxmlformats.org/officeDocument/2006/relationships" xmlns:ac="http://schemas.microsoft.com/office/drawing/2013/main/command" xmlns:pc="http://schemas.microsoft.com/office/powerpoint/2013/main/command">
+  <pc:docChgLst>
+    <pc:chgData name="Jennifer Schlierman (EMG)" userId="2b99247c-3743-491f-a946-907f53c30d78" providerId="ADAL" clId="{C8AFAE85-08CB-4BFB-8418-4209102222C0}"/>
+    <pc:docChg chg="undo custSel mod addSld modSld">
+      <pc:chgData name="Jennifer Schlierman (EMG)" userId="2b99247c-3743-491f-a946-907f53c30d78" providerId="ADAL" clId="{C8AFAE85-08CB-4BFB-8418-4209102222C0}" dt="2020-11-18T16:10:46.920" v="78" actId="20577"/>
+      <pc:docMkLst>
+        <pc:docMk/>
+      </pc:docMkLst>
+      <pc:sldChg chg="modSp">
+        <pc:chgData name="Jennifer Schlierman (EMG)" userId="2b99247c-3743-491f-a946-907f53c30d78" providerId="ADAL" clId="{C8AFAE85-08CB-4BFB-8418-4209102222C0}" dt="2020-11-18T16:10:46.920" v="78" actId="20577"/>
+        <pc:sldMkLst>
+          <pc:docMk/>
+          <pc:sldMk cId="3711445199" sldId="263"/>
+        </pc:sldMkLst>
+        <pc:graphicFrameChg chg="mod">
+          <ac:chgData name="Jennifer Schlierman (EMG)" userId="2b99247c-3743-491f-a946-907f53c30d78" providerId="ADAL" clId="{C8AFAE85-08CB-4BFB-8418-4209102222C0}" dt="2020-11-18T16:10:46.920" v="78" actId="20577"/>
+          <ac:graphicFrameMkLst>
+            <pc:docMk/>
+            <pc:sldMk cId="3711445199" sldId="263"/>
+            <ac:graphicFrameMk id="5" creationId="{10120FE4-7FA4-4850-8F6D-4D4501B80377}"/>
+          </ac:graphicFrameMkLst>
+        </pc:graphicFrameChg>
+      </pc:sldChg>
+      <pc:sldChg chg="addSp delSp modSp add mod setBg">
+        <pc:chgData name="Jennifer Schlierman (EMG)" userId="2b99247c-3743-491f-a946-907f53c30d78" providerId="ADAL" clId="{C8AFAE85-08CB-4BFB-8418-4209102222C0}" dt="2020-11-18T16:10:25.102" v="66" actId="26606"/>
+        <pc:sldMkLst>
+          <pc:docMk/>
+          <pc:sldMk cId="3764177209" sldId="270"/>
+        </pc:sldMkLst>
+        <pc:spChg chg="mod">
+          <ac:chgData name="Jennifer Schlierman (EMG)" userId="2b99247c-3743-491f-a946-907f53c30d78" providerId="ADAL" clId="{C8AFAE85-08CB-4BFB-8418-4209102222C0}" dt="2020-11-18T16:10:25.102" v="66" actId="26606"/>
+          <ac:spMkLst>
+            <pc:docMk/>
+            <pc:sldMk cId="3764177209" sldId="270"/>
+            <ac:spMk id="2" creationId="{0FB57A14-5405-41DA-89E8-7B0A2228850B}"/>
+          </ac:spMkLst>
+        </pc:spChg>
+        <pc:spChg chg="add del mod">
+          <ac:chgData name="Jennifer Schlierman (EMG)" userId="2b99247c-3743-491f-a946-907f53c30d78" providerId="ADAL" clId="{C8AFAE85-08CB-4BFB-8418-4209102222C0}" dt="2020-11-18T16:10:25.102" v="66" actId="26606"/>
+          <ac:spMkLst>
+            <pc:docMk/>
+            <pc:sldMk cId="3764177209" sldId="270"/>
+            <ac:spMk id="3" creationId="{CEB7D145-5DF6-4FB1-A16E-631B124DD863}"/>
+          </ac:spMkLst>
+        </pc:spChg>
+        <pc:spChg chg="add">
+          <ac:chgData name="Jennifer Schlierman (EMG)" userId="2b99247c-3743-491f-a946-907f53c30d78" providerId="ADAL" clId="{C8AFAE85-08CB-4BFB-8418-4209102222C0}" dt="2020-11-18T16:10:25.102" v="66" actId="26606"/>
+          <ac:spMkLst>
+            <pc:docMk/>
+            <pc:sldMk cId="3764177209" sldId="270"/>
+            <ac:spMk id="9" creationId="{42285737-90EE-47DC-AC80-8AE156B11969}"/>
+          </ac:spMkLst>
+        </pc:spChg>
+        <pc:spChg chg="add del">
+          <ac:chgData name="Jennifer Schlierman (EMG)" userId="2b99247c-3743-491f-a946-907f53c30d78" providerId="ADAL" clId="{C8AFAE85-08CB-4BFB-8418-4209102222C0}" dt="2020-11-18T16:09:36.895" v="11" actId="26606"/>
+          <ac:spMkLst>
+            <pc:docMk/>
+            <pc:sldMk cId="3764177209" sldId="270"/>
+            <ac:spMk id="10" creationId="{35555856-9970-4BC3-9AA9-6A917F53AFBD}"/>
+          </ac:spMkLst>
+        </pc:spChg>
+        <pc:spChg chg="add del">
+          <ac:chgData name="Jennifer Schlierman (EMG)" userId="2b99247c-3743-491f-a946-907f53c30d78" providerId="ADAL" clId="{C8AFAE85-08CB-4BFB-8418-4209102222C0}" dt="2020-11-18T16:09:36.895" v="11" actId="26606"/>
+          <ac:spMkLst>
+            <pc:docMk/>
+            <pc:sldMk cId="3764177209" sldId="270"/>
+            <ac:spMk id="14" creationId="{13722DD7-BA73-4776-93A3-94491FEF7260}"/>
+          </ac:spMkLst>
+        </pc:spChg>
+        <pc:grpChg chg="add">
+          <ac:chgData name="Jennifer Schlierman (EMG)" userId="2b99247c-3743-491f-a946-907f53c30d78" providerId="ADAL" clId="{C8AFAE85-08CB-4BFB-8418-4209102222C0}" dt="2020-11-18T16:10:25.102" v="66" actId="26606"/>
+          <ac:grpSpMkLst>
+            <pc:docMk/>
+            <pc:sldMk cId="3764177209" sldId="270"/>
+            <ac:grpSpMk id="11" creationId="{B57BDC17-F1B3-455F-BBF1-680AA1F25C06}"/>
+          </ac:grpSpMkLst>
+        </pc:grpChg>
+        <pc:graphicFrameChg chg="add">
+          <ac:chgData name="Jennifer Schlierman (EMG)" userId="2b99247c-3743-491f-a946-907f53c30d78" providerId="ADAL" clId="{C8AFAE85-08CB-4BFB-8418-4209102222C0}" dt="2020-11-18T16:10:25.102" v="66" actId="26606"/>
+          <ac:graphicFrameMkLst>
+            <pc:docMk/>
+            <pc:sldMk cId="3764177209" sldId="270"/>
+            <ac:graphicFrameMk id="5" creationId="{4C247DB5-C868-459D-81DE-B21147C2E62E}"/>
+          </ac:graphicFrameMkLst>
+        </pc:graphicFrameChg>
+        <pc:picChg chg="add del">
+          <ac:chgData name="Jennifer Schlierman (EMG)" userId="2b99247c-3743-491f-a946-907f53c30d78" providerId="ADAL" clId="{C8AFAE85-08CB-4BFB-8418-4209102222C0}" dt="2020-11-18T16:09:36.895" v="11" actId="26606"/>
+          <ac:picMkLst>
+            <pc:docMk/>
+            <pc:sldMk cId="3764177209" sldId="270"/>
+            <ac:picMk id="7" creationId="{14E63192-E035-49E2-ADD3-5F7BBC801A60}"/>
+          </ac:picMkLst>
+        </pc:picChg>
+        <pc:picChg chg="add del">
+          <ac:chgData name="Jennifer Schlierman (EMG)" userId="2b99247c-3743-491f-a946-907f53c30d78" providerId="ADAL" clId="{C8AFAE85-08CB-4BFB-8418-4209102222C0}" dt="2020-11-18T16:09:36.895" v="11" actId="26606"/>
+          <ac:picMkLst>
+            <pc:docMk/>
+            <pc:sldMk cId="3764177209" sldId="270"/>
+            <ac:picMk id="12" creationId="{7F487851-BFAF-46D8-A1ED-50CAD6E46F59}"/>
+          </ac:picMkLst>
+        </pc:picChg>
+      </pc:sldChg>
+    </pc:docChg>
+  </pc:docChgLst>
+</pc:chgInfo>
+</file>
+
 <file path=ppt/diagrams/colors1.xml><?xml version="1.0" encoding="utf-8"?>
-<dgm:colorsDef xmlns:dgm="http://schemas.openxmlformats.org/drawingml/2006/diagram" xmlns:a="http://schemas.openxmlformats.org/drawingml/2006/main" uniqueId="urn:microsoft.com/office/officeart/2018/5/colors/Iconchunking_neutralbg_colorful1">
+<dgm:colorsDef xmlns:dgm="http://schemas.openxmlformats.org/drawingml/2006/diagram" xmlns:a="http://schemas.openxmlformats.org/drawingml/2006/main" uniqueId="urn:microsoft.com/office/officeart/2005/8/colors/colorful1">
   <dgm:title val=""/>
   <dgm:desc val=""/>
   <dgm:catLst>
@@ -159,9 +276,7 @@
       <a:schemeClr val="accent6"/>
     </dgm:fillClrLst>
     <dgm:linClrLst meth="repeat">
-      <a:schemeClr val="lt1">
-        <a:alpha val="0"/>
-      </a:schemeClr>
+      <a:schemeClr val="lt1"/>
     </dgm:linClrLst>
     <dgm:effectClrLst/>
     <dgm:txLinClrLst/>
@@ -968,8 +1083,8 @@
   </dgm:styleLbl>
   <dgm:styleLbl name="bgShp">
     <dgm:fillClrLst meth="repeat">
-      <a:schemeClr val="bg1">
-        <a:lumMod val="95000"/>
+      <a:schemeClr val="accent2">
+        <a:tint val="40000"/>
       </a:schemeClr>
     </dgm:fillClrLst>
     <dgm:linClrLst meth="repeat">
@@ -1053,6 +1168,927 @@
 </file>
 
 <file path=ppt/diagrams/colors2.xml><?xml version="1.0" encoding="utf-8"?>
+<dgm:colorsDef xmlns:dgm="http://schemas.openxmlformats.org/drawingml/2006/diagram" xmlns:a="http://schemas.openxmlformats.org/drawingml/2006/main" uniqueId="urn:microsoft.com/office/officeart/2018/5/colors/Iconchunking_neutralbg_colorful1">
+  <dgm:title val=""/>
+  <dgm:desc val=""/>
+  <dgm:catLst>
+    <dgm:cat type="colorful" pri="10100"/>
+  </dgm:catLst>
+  <dgm:styleLbl name="node0">
+    <dgm:fillClrLst meth="repeat">
+      <a:schemeClr val="accent1"/>
+    </dgm:fillClrLst>
+    <dgm:linClrLst meth="repeat">
+      <a:schemeClr val="lt1"/>
+    </dgm:linClrLst>
+    <dgm:effectClrLst/>
+    <dgm:txLinClrLst/>
+    <dgm:txFillClrLst/>
+    <dgm:txEffectClrLst/>
+  </dgm:styleLbl>
+  <dgm:styleLbl name="node1">
+    <dgm:fillClrLst meth="repeat">
+      <a:schemeClr val="accent2"/>
+      <a:schemeClr val="accent3"/>
+      <a:schemeClr val="accent4"/>
+      <a:schemeClr val="accent5"/>
+      <a:schemeClr val="accent6"/>
+    </dgm:fillClrLst>
+    <dgm:linClrLst meth="repeat">
+      <a:schemeClr val="lt1">
+        <a:alpha val="0"/>
+      </a:schemeClr>
+    </dgm:linClrLst>
+    <dgm:effectClrLst/>
+    <dgm:txLinClrLst/>
+    <dgm:txFillClrLst/>
+    <dgm:txEffectClrLst/>
+  </dgm:styleLbl>
+  <dgm:styleLbl name="alignNode1">
+    <dgm:fillClrLst meth="repeat">
+      <a:schemeClr val="accent2"/>
+      <a:schemeClr val="accent3"/>
+      <a:schemeClr val="accent4"/>
+      <a:schemeClr val="accent5"/>
+      <a:schemeClr val="accent6"/>
+    </dgm:fillClrLst>
+    <dgm:linClrLst meth="repeat">
+      <a:schemeClr val="accent2"/>
+      <a:schemeClr val="accent3"/>
+      <a:schemeClr val="accent4"/>
+      <a:schemeClr val="accent5"/>
+      <a:schemeClr val="accent6"/>
+    </dgm:linClrLst>
+    <dgm:effectClrLst/>
+    <dgm:txLinClrLst/>
+    <dgm:txFillClrLst/>
+    <dgm:txEffectClrLst/>
+  </dgm:styleLbl>
+  <dgm:styleLbl name="lnNode1">
+    <dgm:fillClrLst meth="repeat">
+      <a:schemeClr val="accent2"/>
+      <a:schemeClr val="accent3"/>
+      <a:schemeClr val="accent4"/>
+      <a:schemeClr val="accent5"/>
+      <a:schemeClr val="accent6"/>
+    </dgm:fillClrLst>
+    <dgm:linClrLst meth="repeat">
+      <a:schemeClr val="lt1"/>
+    </dgm:linClrLst>
+    <dgm:effectClrLst/>
+    <dgm:txLinClrLst/>
+    <dgm:txFillClrLst/>
+    <dgm:txEffectClrLst/>
+  </dgm:styleLbl>
+  <dgm:styleLbl name="vennNode1">
+    <dgm:fillClrLst meth="repeat">
+      <a:schemeClr val="accent2">
+        <a:alpha val="50000"/>
+      </a:schemeClr>
+      <a:schemeClr val="accent3">
+        <a:alpha val="50000"/>
+      </a:schemeClr>
+      <a:schemeClr val="accent4">
+        <a:alpha val="50000"/>
+      </a:schemeClr>
+      <a:schemeClr val="accent5">
+        <a:alpha val="50000"/>
+      </a:schemeClr>
+      <a:schemeClr val="accent6">
+        <a:alpha val="50000"/>
+      </a:schemeClr>
+    </dgm:fillClrLst>
+    <dgm:linClrLst meth="repeat">
+      <a:schemeClr val="lt1"/>
+    </dgm:linClrLst>
+    <dgm:effectClrLst/>
+    <dgm:txLinClrLst/>
+    <dgm:txFillClrLst/>
+    <dgm:txEffectClrLst/>
+  </dgm:styleLbl>
+  <dgm:styleLbl name="node2">
+    <dgm:fillClrLst>
+      <a:schemeClr val="accent2"/>
+    </dgm:fillClrLst>
+    <dgm:linClrLst meth="repeat">
+      <a:schemeClr val="lt1"/>
+    </dgm:linClrLst>
+    <dgm:effectClrLst/>
+    <dgm:txLinClrLst/>
+    <dgm:txFillClrLst/>
+    <dgm:txEffectClrLst/>
+  </dgm:styleLbl>
+  <dgm:styleLbl name="node3">
+    <dgm:fillClrLst>
+      <a:schemeClr val="accent3"/>
+    </dgm:fillClrLst>
+    <dgm:linClrLst meth="repeat">
+      <a:schemeClr val="lt1"/>
+    </dgm:linClrLst>
+    <dgm:effectClrLst/>
+    <dgm:txLinClrLst/>
+    <dgm:txFillClrLst/>
+    <dgm:txEffectClrLst/>
+  </dgm:styleLbl>
+  <dgm:styleLbl name="node4">
+    <dgm:fillClrLst>
+      <a:schemeClr val="accent4"/>
+    </dgm:fillClrLst>
+    <dgm:linClrLst meth="repeat">
+      <a:schemeClr val="lt1"/>
+    </dgm:linClrLst>
+    <dgm:effectClrLst/>
+    <dgm:txLinClrLst/>
+    <dgm:txFillClrLst/>
+    <dgm:txEffectClrLst/>
+  </dgm:styleLbl>
+  <dgm:styleLbl name="fgImgPlace1">
+    <dgm:fillClrLst meth="repeat">
+      <a:schemeClr val="accent2">
+        <a:tint val="50000"/>
+      </a:schemeClr>
+      <a:schemeClr val="accent3">
+        <a:tint val="50000"/>
+      </a:schemeClr>
+      <a:schemeClr val="accent4">
+        <a:tint val="50000"/>
+      </a:schemeClr>
+      <a:schemeClr val="accent5">
+        <a:tint val="50000"/>
+      </a:schemeClr>
+      <a:schemeClr val="accent6">
+        <a:tint val="50000"/>
+      </a:schemeClr>
+    </dgm:fillClrLst>
+    <dgm:linClrLst meth="repeat">
+      <a:schemeClr val="lt1"/>
+    </dgm:linClrLst>
+    <dgm:effectClrLst/>
+    <dgm:txLinClrLst/>
+    <dgm:txFillClrLst meth="repeat">
+      <a:schemeClr val="lt1"/>
+    </dgm:txFillClrLst>
+    <dgm:txEffectClrLst/>
+  </dgm:styleLbl>
+  <dgm:styleLbl name="alignImgPlace1">
+    <dgm:fillClrLst>
+      <a:schemeClr val="accent1">
+        <a:tint val="50000"/>
+      </a:schemeClr>
+      <a:schemeClr val="accent2">
+        <a:tint val="20000"/>
+      </a:schemeClr>
+    </dgm:fillClrLst>
+    <dgm:linClrLst meth="repeat">
+      <a:schemeClr val="lt1"/>
+    </dgm:linClrLst>
+    <dgm:effectClrLst/>
+    <dgm:txLinClrLst/>
+    <dgm:txFillClrLst meth="repeat">
+      <a:schemeClr val="lt1"/>
+    </dgm:txFillClrLst>
+    <dgm:txEffectClrLst/>
+  </dgm:styleLbl>
+  <dgm:styleLbl name="bgImgPlace1">
+    <dgm:fillClrLst>
+      <a:schemeClr val="accent1">
+        <a:tint val="50000"/>
+      </a:schemeClr>
+      <a:schemeClr val="accent2">
+        <a:tint val="20000"/>
+      </a:schemeClr>
+    </dgm:fillClrLst>
+    <dgm:linClrLst meth="repeat">
+      <a:schemeClr val="lt1"/>
+    </dgm:linClrLst>
+    <dgm:effectClrLst/>
+    <dgm:txLinClrLst/>
+    <dgm:txFillClrLst meth="repeat">
+      <a:schemeClr val="lt1"/>
+    </dgm:txFillClrLst>
+    <dgm:txEffectClrLst/>
+  </dgm:styleLbl>
+  <dgm:styleLbl name="sibTrans2D1">
+    <dgm:fillClrLst meth="repeat">
+      <a:schemeClr val="accent2"/>
+      <a:schemeClr val="accent3"/>
+      <a:schemeClr val="accent4"/>
+      <a:schemeClr val="accent5"/>
+      <a:schemeClr val="accent6"/>
+    </dgm:fillClrLst>
+    <dgm:linClrLst meth="cycle">
+      <a:schemeClr val="lt1"/>
+    </dgm:linClrLst>
+    <dgm:effectClrLst/>
+    <dgm:txLinClrLst/>
+    <dgm:txFillClrLst/>
+    <dgm:txEffectClrLst/>
+  </dgm:styleLbl>
+  <dgm:styleLbl name="fgSibTrans2D1">
+    <dgm:fillClrLst meth="repeat">
+      <a:schemeClr val="accent2"/>
+      <a:schemeClr val="accent3"/>
+      <a:schemeClr val="accent4"/>
+      <a:schemeClr val="accent5"/>
+      <a:schemeClr val="accent6"/>
+    </dgm:fillClrLst>
+    <dgm:linClrLst meth="cycle">
+      <a:schemeClr val="lt1"/>
+    </dgm:linClrLst>
+    <dgm:effectClrLst/>
+    <dgm:txLinClrLst/>
+    <dgm:txFillClrLst meth="repeat">
+      <a:schemeClr val="lt1"/>
+    </dgm:txFillClrLst>
+    <dgm:txEffectClrLst/>
+  </dgm:styleLbl>
+  <dgm:styleLbl name="bgSibTrans2D1">
+    <dgm:fillClrLst meth="repeat">
+      <a:schemeClr val="accent2"/>
+      <a:schemeClr val="accent3"/>
+      <a:schemeClr val="accent4"/>
+      <a:schemeClr val="accent5"/>
+      <a:schemeClr val="accent6"/>
+    </dgm:fillClrLst>
+    <dgm:linClrLst meth="cycle">
+      <a:schemeClr val="lt1"/>
+    </dgm:linClrLst>
+    <dgm:effectClrLst/>
+    <dgm:txLinClrLst/>
+    <dgm:txFillClrLst meth="repeat">
+      <a:schemeClr val="lt1"/>
+    </dgm:txFillClrLst>
+    <dgm:txEffectClrLst/>
+  </dgm:styleLbl>
+  <dgm:styleLbl name="sibTrans1D1">
+    <dgm:fillClrLst meth="repeat">
+      <a:schemeClr val="accent2"/>
+      <a:schemeClr val="accent3"/>
+      <a:schemeClr val="accent4"/>
+      <a:schemeClr val="accent5"/>
+      <a:schemeClr val="accent6"/>
+    </dgm:fillClrLst>
+    <dgm:linClrLst meth="repeat">
+      <a:schemeClr val="accent2"/>
+      <a:schemeClr val="accent3"/>
+      <a:schemeClr val="accent4"/>
+      <a:schemeClr val="accent5"/>
+      <a:schemeClr val="accent6"/>
+    </dgm:linClrLst>
+    <dgm:effectClrLst/>
+    <dgm:txLinClrLst/>
+    <dgm:txFillClrLst meth="repeat">
+      <a:schemeClr val="tx1"/>
+    </dgm:txFillClrLst>
+    <dgm:txEffectClrLst/>
+  </dgm:styleLbl>
+  <dgm:styleLbl name="callout">
+    <dgm:fillClrLst meth="repeat">
+      <a:schemeClr val="accent2"/>
+    </dgm:fillClrLst>
+    <dgm:linClrLst meth="repeat">
+      <a:schemeClr val="accent2">
+        <a:tint val="50000"/>
+      </a:schemeClr>
+    </dgm:linClrLst>
+    <dgm:effectClrLst/>
+    <dgm:txLinClrLst/>
+    <dgm:txFillClrLst meth="repeat">
+      <a:schemeClr val="tx1"/>
+    </dgm:txFillClrLst>
+    <dgm:txEffectClrLst/>
+  </dgm:styleLbl>
+  <dgm:styleLbl name="asst0">
+    <dgm:fillClrLst meth="repeat">
+      <a:schemeClr val="accent1"/>
+    </dgm:fillClrLst>
+    <dgm:linClrLst meth="repeat">
+      <a:schemeClr val="lt1"/>
+    </dgm:linClrLst>
+    <dgm:effectClrLst/>
+    <dgm:txLinClrLst/>
+    <dgm:txFillClrLst/>
+    <dgm:txEffectClrLst/>
+  </dgm:styleLbl>
+  <dgm:styleLbl name="asst1">
+    <dgm:fillClrLst meth="repeat">
+      <a:schemeClr val="accent2"/>
+    </dgm:fillClrLst>
+    <dgm:linClrLst meth="repeat">
+      <a:schemeClr val="lt1"/>
+    </dgm:linClrLst>
+    <dgm:effectClrLst/>
+    <dgm:txLinClrLst/>
+    <dgm:txFillClrLst/>
+    <dgm:txEffectClrLst/>
+  </dgm:styleLbl>
+  <dgm:styleLbl name="asst2">
+    <dgm:fillClrLst>
+      <a:schemeClr val="accent3"/>
+    </dgm:fillClrLst>
+    <dgm:linClrLst meth="repeat">
+      <a:schemeClr val="lt1"/>
+    </dgm:linClrLst>
+    <dgm:effectClrLst/>
+    <dgm:txLinClrLst/>
+    <dgm:txFillClrLst/>
+    <dgm:txEffectClrLst/>
+  </dgm:styleLbl>
+  <dgm:styleLbl name="asst3">
+    <dgm:fillClrLst>
+      <a:schemeClr val="accent4"/>
+    </dgm:fillClrLst>
+    <dgm:linClrLst meth="repeat">
+      <a:schemeClr val="lt1"/>
+    </dgm:linClrLst>
+    <dgm:effectClrLst/>
+    <dgm:txLinClrLst/>
+    <dgm:txFillClrLst/>
+    <dgm:txEffectClrLst/>
+  </dgm:styleLbl>
+  <dgm:styleLbl name="asst4">
+    <dgm:fillClrLst>
+      <a:schemeClr val="accent5"/>
+    </dgm:fillClrLst>
+    <dgm:linClrLst meth="repeat">
+      <a:schemeClr val="lt1"/>
+    </dgm:linClrLst>
+    <dgm:effectClrLst/>
+    <dgm:txLinClrLst/>
+    <dgm:txFillClrLst/>
+    <dgm:txEffectClrLst/>
+  </dgm:styleLbl>
+  <dgm:styleLbl name="parChTrans2D1">
+    <dgm:fillClrLst meth="repeat">
+      <a:schemeClr val="accent2"/>
+    </dgm:fillClrLst>
+    <dgm:linClrLst meth="repeat">
+      <a:schemeClr val="lt1"/>
+    </dgm:linClrLst>
+    <dgm:effectClrLst/>
+    <dgm:txLinClrLst/>
+    <dgm:txFillClrLst meth="repeat">
+      <a:schemeClr val="lt1"/>
+    </dgm:txFillClrLst>
+    <dgm:txEffectClrLst/>
+  </dgm:styleLbl>
+  <dgm:styleLbl name="parChTrans2D2">
+    <dgm:fillClrLst meth="repeat">
+      <a:schemeClr val="accent3"/>
+    </dgm:fillClrLst>
+    <dgm:linClrLst meth="repeat">
+      <a:schemeClr val="lt1"/>
+    </dgm:linClrLst>
+    <dgm:effectClrLst/>
+    <dgm:txLinClrLst/>
+    <dgm:txFillClrLst/>
+    <dgm:txEffectClrLst/>
+  </dgm:styleLbl>
+  <dgm:styleLbl name="parChTrans2D3">
+    <dgm:fillClrLst meth="repeat">
+      <a:schemeClr val="accent4"/>
+    </dgm:fillClrLst>
+    <dgm:linClrLst meth="repeat">
+      <a:schemeClr val="lt1"/>
+    </dgm:linClrLst>
+    <dgm:effectClrLst/>
+    <dgm:txLinClrLst/>
+    <dgm:txFillClrLst/>
+    <dgm:txEffectClrLst/>
+  </dgm:styleLbl>
+  <dgm:styleLbl name="parChTrans2D4">
+    <dgm:fillClrLst meth="repeat">
+      <a:schemeClr val="accent5"/>
+    </dgm:fillClrLst>
+    <dgm:linClrLst meth="repeat">
+      <a:schemeClr val="lt1"/>
+    </dgm:linClrLst>
+    <dgm:effectClrLst/>
+    <dgm:txLinClrLst/>
+    <dgm:txFillClrLst meth="repeat">
+      <a:schemeClr val="lt1"/>
+    </dgm:txFillClrLst>
+    <dgm:txEffectClrLst/>
+  </dgm:styleLbl>
+  <dgm:styleLbl name="parChTrans1D1">
+    <dgm:fillClrLst meth="repeat">
+      <a:schemeClr val="accent2"/>
+    </dgm:fillClrLst>
+    <dgm:linClrLst meth="repeat">
+      <a:schemeClr val="accent1"/>
+    </dgm:linClrLst>
+    <dgm:effectClrLst/>
+    <dgm:txLinClrLst/>
+    <dgm:txFillClrLst meth="repeat">
+      <a:schemeClr val="tx1"/>
+    </dgm:txFillClrLst>
+    <dgm:txEffectClrLst/>
+  </dgm:styleLbl>
+  <dgm:styleLbl name="parChTrans1D2">
+    <dgm:fillClrLst meth="repeat">
+      <a:schemeClr val="accent3">
+        <a:tint val="90000"/>
+      </a:schemeClr>
+    </dgm:fillClrLst>
+    <dgm:linClrLst meth="repeat">
+      <a:schemeClr val="accent2"/>
+    </dgm:linClrLst>
+    <dgm:effectClrLst/>
+    <dgm:txLinClrLst/>
+    <dgm:txFillClrLst meth="repeat">
+      <a:schemeClr val="tx1"/>
+    </dgm:txFillClrLst>
+    <dgm:txEffectClrLst/>
+  </dgm:styleLbl>
+  <dgm:styleLbl name="parChTrans1D3">
+    <dgm:fillClrLst meth="repeat">
+      <a:schemeClr val="accent4">
+        <a:tint val="70000"/>
+      </a:schemeClr>
+    </dgm:fillClrLst>
+    <dgm:linClrLst meth="repeat">
+      <a:schemeClr val="accent3"/>
+    </dgm:linClrLst>
+    <dgm:effectClrLst/>
+    <dgm:txLinClrLst/>
+    <dgm:txFillClrLst meth="repeat">
+      <a:schemeClr val="tx1"/>
+    </dgm:txFillClrLst>
+    <dgm:txEffectClrLst/>
+  </dgm:styleLbl>
+  <dgm:styleLbl name="parChTrans1D4">
+    <dgm:fillClrLst meth="repeat">
+      <a:schemeClr val="accent5">
+        <a:tint val="50000"/>
+      </a:schemeClr>
+    </dgm:fillClrLst>
+    <dgm:linClrLst meth="repeat">
+      <a:schemeClr val="accent4"/>
+    </dgm:linClrLst>
+    <dgm:effectClrLst/>
+    <dgm:txLinClrLst/>
+    <dgm:txFillClrLst meth="repeat">
+      <a:schemeClr val="tx1"/>
+    </dgm:txFillClrLst>
+    <dgm:txEffectClrLst/>
+  </dgm:styleLbl>
+  <dgm:styleLbl name="fgAcc1">
+    <dgm:fillClrLst meth="repeat">
+      <a:schemeClr val="lt1">
+        <a:alpha val="90000"/>
+      </a:schemeClr>
+    </dgm:fillClrLst>
+    <dgm:linClrLst meth="repeat">
+      <a:schemeClr val="accent2"/>
+      <a:schemeClr val="accent3"/>
+      <a:schemeClr val="accent4"/>
+      <a:schemeClr val="accent5"/>
+      <a:schemeClr val="accent6"/>
+    </dgm:linClrLst>
+    <dgm:effectClrLst/>
+    <dgm:txLinClrLst/>
+    <dgm:txFillClrLst meth="repeat">
+      <a:schemeClr val="dk1"/>
+    </dgm:txFillClrLst>
+    <dgm:txEffectClrLst/>
+  </dgm:styleLbl>
+  <dgm:styleLbl name="conFgAcc1">
+    <dgm:fillClrLst meth="repeat">
+      <a:schemeClr val="lt1">
+        <a:alpha val="90000"/>
+      </a:schemeClr>
+    </dgm:fillClrLst>
+    <dgm:linClrLst meth="repeat">
+      <a:schemeClr val="accent2"/>
+      <a:schemeClr val="accent3"/>
+      <a:schemeClr val="accent4"/>
+      <a:schemeClr val="accent5"/>
+      <a:schemeClr val="accent6"/>
+    </dgm:linClrLst>
+    <dgm:effectClrLst/>
+    <dgm:txLinClrLst/>
+    <dgm:txFillClrLst meth="repeat">
+      <a:schemeClr val="dk1"/>
+    </dgm:txFillClrLst>
+    <dgm:txEffectClrLst/>
+  </dgm:styleLbl>
+  <dgm:styleLbl name="alignAcc1">
+    <dgm:fillClrLst meth="repeat">
+      <a:schemeClr val="lt1">
+        <a:alpha val="90000"/>
+      </a:schemeClr>
+    </dgm:fillClrLst>
+    <dgm:linClrLst meth="repeat">
+      <a:schemeClr val="accent2"/>
+      <a:schemeClr val="accent3"/>
+      <a:schemeClr val="accent4"/>
+      <a:schemeClr val="accent5"/>
+      <a:schemeClr val="accent6"/>
+    </dgm:linClrLst>
+    <dgm:effectClrLst/>
+    <dgm:txLinClrLst/>
+    <dgm:txFillClrLst meth="repeat">
+      <a:schemeClr val="dk1"/>
+    </dgm:txFillClrLst>
+    <dgm:txEffectClrLst/>
+  </dgm:styleLbl>
+  <dgm:styleLbl name="trAlignAcc1">
+    <dgm:fillClrLst meth="repeat">
+      <a:schemeClr val="lt1">
+        <a:alpha val="40000"/>
+      </a:schemeClr>
+    </dgm:fillClrLst>
+    <dgm:linClrLst meth="repeat">
+      <a:schemeClr val="accent1"/>
+    </dgm:linClrLst>
+    <dgm:effectClrLst/>
+    <dgm:txLinClrLst/>
+    <dgm:txFillClrLst meth="repeat">
+      <a:schemeClr val="dk1"/>
+    </dgm:txFillClrLst>
+    <dgm:txEffectClrLst/>
+  </dgm:styleLbl>
+  <dgm:styleLbl name="bgAcc1">
+    <dgm:fillClrLst meth="repeat">
+      <a:schemeClr val="lt1">
+        <a:alpha val="90000"/>
+      </a:schemeClr>
+    </dgm:fillClrLst>
+    <dgm:linClrLst meth="repeat">
+      <a:schemeClr val="accent2"/>
+      <a:schemeClr val="accent3"/>
+      <a:schemeClr val="accent4"/>
+      <a:schemeClr val="accent5"/>
+      <a:schemeClr val="accent6"/>
+    </dgm:linClrLst>
+    <dgm:effectClrLst/>
+    <dgm:txLinClrLst/>
+    <dgm:txFillClrLst meth="repeat">
+      <a:schemeClr val="dk1"/>
+    </dgm:txFillClrLst>
+    <dgm:txEffectClrLst/>
+  </dgm:styleLbl>
+  <dgm:styleLbl name="solidFgAcc1">
+    <dgm:fillClrLst meth="repeat">
+      <a:schemeClr val="lt1"/>
+    </dgm:fillClrLst>
+    <dgm:linClrLst meth="repeat">
+      <a:schemeClr val="accent2"/>
+      <a:schemeClr val="accent3"/>
+      <a:schemeClr val="accent4"/>
+      <a:schemeClr val="accent5"/>
+      <a:schemeClr val="accent6"/>
+    </dgm:linClrLst>
+    <dgm:effectClrLst/>
+    <dgm:txLinClrLst/>
+    <dgm:txFillClrLst meth="repeat">
+      <a:schemeClr val="dk1"/>
+    </dgm:txFillClrLst>
+    <dgm:txEffectClrLst/>
+  </dgm:styleLbl>
+  <dgm:styleLbl name="solidAlignAcc1">
+    <dgm:fillClrLst meth="repeat">
+      <a:schemeClr val="lt1"/>
+    </dgm:fillClrLst>
+    <dgm:linClrLst meth="repeat">
+      <a:schemeClr val="accent2"/>
+      <a:schemeClr val="accent3"/>
+      <a:schemeClr val="accent4"/>
+      <a:schemeClr val="accent5"/>
+      <a:schemeClr val="accent6"/>
+    </dgm:linClrLst>
+    <dgm:effectClrLst/>
+    <dgm:txLinClrLst/>
+    <dgm:txFillClrLst meth="repeat">
+      <a:schemeClr val="dk1"/>
+    </dgm:txFillClrLst>
+    <dgm:txEffectClrLst/>
+  </dgm:styleLbl>
+  <dgm:styleLbl name="solidBgAcc1">
+    <dgm:fillClrLst meth="repeat">
+      <a:schemeClr val="lt1"/>
+    </dgm:fillClrLst>
+    <dgm:linClrLst meth="repeat">
+      <a:schemeClr val="accent2"/>
+      <a:schemeClr val="accent3"/>
+      <a:schemeClr val="accent4"/>
+      <a:schemeClr val="accent5"/>
+      <a:schemeClr val="accent6"/>
+    </dgm:linClrLst>
+    <dgm:effectClrLst/>
+    <dgm:txLinClrLst/>
+    <dgm:txFillClrLst meth="repeat">
+      <a:schemeClr val="dk1"/>
+    </dgm:txFillClrLst>
+    <dgm:txEffectClrLst/>
+  </dgm:styleLbl>
+  <dgm:styleLbl name="fgAccFollowNode1">
+    <dgm:fillClrLst meth="repeat">
+      <a:schemeClr val="accent2">
+        <a:tint val="40000"/>
+        <a:alpha val="90000"/>
+      </a:schemeClr>
+      <a:schemeClr val="accent3">
+        <a:tint val="40000"/>
+        <a:alpha val="90000"/>
+      </a:schemeClr>
+      <a:schemeClr val="accent4">
+        <a:tint val="40000"/>
+        <a:alpha val="90000"/>
+      </a:schemeClr>
+      <a:schemeClr val="accent5">
+        <a:tint val="40000"/>
+        <a:alpha val="90000"/>
+      </a:schemeClr>
+      <a:schemeClr val="accent6">
+        <a:tint val="40000"/>
+        <a:alpha val="90000"/>
+      </a:schemeClr>
+    </dgm:fillClrLst>
+    <dgm:linClrLst meth="repeat">
+      <a:schemeClr val="accent2">
+        <a:tint val="40000"/>
+        <a:alpha val="90000"/>
+      </a:schemeClr>
+      <a:schemeClr val="accent3">
+        <a:tint val="40000"/>
+        <a:alpha val="90000"/>
+      </a:schemeClr>
+      <a:schemeClr val="accent4">
+        <a:tint val="40000"/>
+        <a:alpha val="90000"/>
+      </a:schemeClr>
+      <a:schemeClr val="accent5">
+        <a:tint val="40000"/>
+        <a:alpha val="90000"/>
+      </a:schemeClr>
+      <a:schemeClr val="accent6">
+        <a:tint val="40000"/>
+        <a:alpha val="90000"/>
+      </a:schemeClr>
+    </dgm:linClrLst>
+    <dgm:effectClrLst/>
+    <dgm:txLinClrLst/>
+    <dgm:txFillClrLst meth="repeat">
+      <a:schemeClr val="dk1"/>
+    </dgm:txFillClrLst>
+    <dgm:txEffectClrLst/>
+  </dgm:styleLbl>
+  <dgm:styleLbl name="alignAccFollowNode1">
+    <dgm:fillClrLst meth="repeat">
+      <a:schemeClr val="accent2">
+        <a:tint val="40000"/>
+        <a:alpha val="90000"/>
+      </a:schemeClr>
+      <a:schemeClr val="accent3">
+        <a:tint val="40000"/>
+        <a:alpha val="90000"/>
+      </a:schemeClr>
+      <a:schemeClr val="accent4">
+        <a:tint val="40000"/>
+        <a:alpha val="90000"/>
+      </a:schemeClr>
+      <a:schemeClr val="accent5">
+        <a:tint val="40000"/>
+        <a:alpha val="90000"/>
+      </a:schemeClr>
+      <a:schemeClr val="accent6">
+        <a:tint val="40000"/>
+        <a:alpha val="90000"/>
+      </a:schemeClr>
+    </dgm:fillClrLst>
+    <dgm:linClrLst meth="repeat">
+      <a:schemeClr val="accent2">
+        <a:tint val="40000"/>
+        <a:alpha val="90000"/>
+      </a:schemeClr>
+      <a:schemeClr val="accent3">
+        <a:tint val="40000"/>
+        <a:alpha val="90000"/>
+      </a:schemeClr>
+      <a:schemeClr val="accent4">
+        <a:tint val="40000"/>
+        <a:alpha val="90000"/>
+      </a:schemeClr>
+      <a:schemeClr val="accent5">
+        <a:tint val="40000"/>
+        <a:alpha val="90000"/>
+      </a:schemeClr>
+      <a:schemeClr val="accent6">
+        <a:tint val="40000"/>
+        <a:alpha val="90000"/>
+      </a:schemeClr>
+    </dgm:linClrLst>
+    <dgm:effectClrLst/>
+    <dgm:txLinClrLst/>
+    <dgm:txFillClrLst meth="repeat">
+      <a:schemeClr val="dk1"/>
+    </dgm:txFillClrLst>
+    <dgm:txEffectClrLst/>
+  </dgm:styleLbl>
+  <dgm:styleLbl name="bgAccFollowNode1">
+    <dgm:fillClrLst meth="repeat">
+      <a:schemeClr val="accent2">
+        <a:tint val="40000"/>
+        <a:alpha val="90000"/>
+      </a:schemeClr>
+      <a:schemeClr val="accent3">
+        <a:tint val="40000"/>
+        <a:alpha val="90000"/>
+      </a:schemeClr>
+      <a:schemeClr val="accent4">
+        <a:tint val="40000"/>
+        <a:alpha val="90000"/>
+      </a:schemeClr>
+      <a:schemeClr val="accent5">
+        <a:tint val="40000"/>
+        <a:alpha val="90000"/>
+      </a:schemeClr>
+      <a:schemeClr val="accent6">
+        <a:tint val="40000"/>
+        <a:alpha val="90000"/>
+      </a:schemeClr>
+    </dgm:fillClrLst>
+    <dgm:linClrLst meth="repeat">
+      <a:schemeClr val="accent2">
+        <a:tint val="40000"/>
+        <a:alpha val="90000"/>
+      </a:schemeClr>
+      <a:schemeClr val="accent3">
+        <a:tint val="40000"/>
+        <a:alpha val="90000"/>
+      </a:schemeClr>
+      <a:schemeClr val="accent4">
+        <a:tint val="40000"/>
+        <a:alpha val="90000"/>
+      </a:schemeClr>
+      <a:schemeClr val="accent5">
+        <a:tint val="40000"/>
+        <a:alpha val="90000"/>
+      </a:schemeClr>
+      <a:schemeClr val="accent6">
+        <a:tint val="40000"/>
+        <a:alpha val="90000"/>
+      </a:schemeClr>
+    </dgm:linClrLst>
+    <dgm:effectClrLst/>
+    <dgm:txLinClrLst/>
+    <dgm:txFillClrLst meth="repeat">
+      <a:schemeClr val="dk1"/>
+    </dgm:txFillClrLst>
+    <dgm:txEffectClrLst/>
+  </dgm:styleLbl>
+  <dgm:styleLbl name="fgAcc0">
+    <dgm:fillClrLst meth="repeat">
+      <a:schemeClr val="lt1">
+        <a:alpha val="90000"/>
+      </a:schemeClr>
+    </dgm:fillClrLst>
+    <dgm:linClrLst>
+      <a:schemeClr val="accent1"/>
+    </dgm:linClrLst>
+    <dgm:effectClrLst/>
+    <dgm:txLinClrLst/>
+    <dgm:txFillClrLst meth="repeat">
+      <a:schemeClr val="dk1"/>
+    </dgm:txFillClrLst>
+    <dgm:txEffectClrLst/>
+  </dgm:styleLbl>
+  <dgm:styleLbl name="fgAcc2">
+    <dgm:fillClrLst meth="repeat">
+      <a:schemeClr val="lt1">
+        <a:alpha val="90000"/>
+      </a:schemeClr>
+    </dgm:fillClrLst>
+    <dgm:linClrLst>
+      <a:schemeClr val="accent2"/>
+    </dgm:linClrLst>
+    <dgm:effectClrLst/>
+    <dgm:txLinClrLst/>
+    <dgm:txFillClrLst meth="repeat">
+      <a:schemeClr val="dk1"/>
+    </dgm:txFillClrLst>
+    <dgm:txEffectClrLst/>
+  </dgm:styleLbl>
+  <dgm:styleLbl name="fgAcc3">
+    <dgm:fillClrLst meth="repeat">
+      <a:schemeClr val="lt1">
+        <a:alpha val="90000"/>
+      </a:schemeClr>
+    </dgm:fillClrLst>
+    <dgm:linClrLst>
+      <a:schemeClr val="accent3"/>
+    </dgm:linClrLst>
+    <dgm:effectClrLst/>
+    <dgm:txLinClrLst/>
+    <dgm:txFillClrLst meth="repeat">
+      <a:schemeClr val="dk1"/>
+    </dgm:txFillClrLst>
+    <dgm:txEffectClrLst/>
+  </dgm:styleLbl>
+  <dgm:styleLbl name="fgAcc4">
+    <dgm:fillClrLst meth="repeat">
+      <a:schemeClr val="lt1">
+        <a:alpha val="90000"/>
+      </a:schemeClr>
+    </dgm:fillClrLst>
+    <dgm:linClrLst>
+      <a:schemeClr val="accent4"/>
+    </dgm:linClrLst>
+    <dgm:effectClrLst/>
+    <dgm:txLinClrLst/>
+    <dgm:txFillClrLst meth="repeat">
+      <a:schemeClr val="dk1"/>
+    </dgm:txFillClrLst>
+    <dgm:txEffectClrLst/>
+  </dgm:styleLbl>
+  <dgm:styleLbl name="bgShp">
+    <dgm:fillClrLst meth="repeat">
+      <a:schemeClr val="bg1">
+        <a:lumMod val="95000"/>
+      </a:schemeClr>
+    </dgm:fillClrLst>
+    <dgm:linClrLst meth="repeat">
+      <a:schemeClr val="dk1"/>
+    </dgm:linClrLst>
+    <dgm:effectClrLst/>
+    <dgm:txLinClrLst/>
+    <dgm:txFillClrLst meth="repeat">
+      <a:schemeClr val="dk1"/>
+    </dgm:txFillClrLst>
+    <dgm:txEffectClrLst/>
+  </dgm:styleLbl>
+  <dgm:styleLbl name="dkBgShp">
+    <dgm:fillClrLst meth="repeat">
+      <a:schemeClr val="accent2">
+        <a:shade val="90000"/>
+      </a:schemeClr>
+    </dgm:fillClrLst>
+    <dgm:linClrLst meth="repeat">
+      <a:schemeClr val="dk1"/>
+    </dgm:linClrLst>
+    <dgm:effectClrLst/>
+    <dgm:txLinClrLst/>
+    <dgm:txFillClrLst meth="repeat">
+      <a:schemeClr val="lt1"/>
+    </dgm:txFillClrLst>
+    <dgm:txEffectClrLst/>
+  </dgm:styleLbl>
+  <dgm:styleLbl name="trBgShp">
+    <dgm:fillClrLst meth="repeat">
+      <a:schemeClr val="accent1">
+        <a:tint val="50000"/>
+        <a:alpha val="40000"/>
+      </a:schemeClr>
+    </dgm:fillClrLst>
+    <dgm:linClrLst meth="repeat">
+      <a:schemeClr val="accent2"/>
+    </dgm:linClrLst>
+    <dgm:effectClrLst/>
+    <dgm:txLinClrLst/>
+    <dgm:txFillClrLst meth="repeat">
+      <a:schemeClr val="lt1"/>
+    </dgm:txFillClrLst>
+    <dgm:txEffectClrLst/>
+  </dgm:styleLbl>
+  <dgm:styleLbl name="fgShp">
+    <dgm:fillClrLst meth="repeat">
+      <a:schemeClr val="accent2">
+        <a:tint val="40000"/>
+      </a:schemeClr>
+    </dgm:fillClrLst>
+    <dgm:linClrLst meth="repeat">
+      <a:schemeClr val="lt1"/>
+    </dgm:linClrLst>
+    <dgm:effectClrLst/>
+    <dgm:txLinClrLst/>
+    <dgm:txFillClrLst meth="repeat">
+      <a:schemeClr val="dk1"/>
+    </dgm:txFillClrLst>
+    <dgm:txEffectClrLst/>
+  </dgm:styleLbl>
+  <dgm:styleLbl name="revTx">
+    <dgm:fillClrLst meth="repeat">
+      <a:schemeClr val="lt1">
+        <a:alpha val="0"/>
+      </a:schemeClr>
+    </dgm:fillClrLst>
+    <dgm:linClrLst meth="repeat">
+      <a:schemeClr val="dk1">
+        <a:alpha val="0"/>
+      </a:schemeClr>
+    </dgm:linClrLst>
+    <dgm:effectClrLst/>
+    <dgm:txLinClrLst/>
+    <dgm:txFillClrLst meth="repeat">
+      <a:schemeClr val="tx1"/>
+    </dgm:txFillClrLst>
+    <dgm:txEffectClrLst/>
+  </dgm:styleLbl>
+</dgm:colorsDef>
+</file>
+
+<file path=ppt/diagrams/colors3.xml><?xml version="1.0" encoding="utf-8"?>
 <dgm:colorsDef xmlns:dgm="http://schemas.openxmlformats.org/drawingml/2006/diagram" xmlns:a="http://schemas.openxmlformats.org/drawingml/2006/main" uniqueId="urn:microsoft.com/office/officeart/2005/8/colors/colorful5">
   <dgm:title val=""/>
   <dgm:desc val=""/>
@@ -1834,7 +2870,7 @@
 </dgm:colorsDef>
 </file>
 
-<file path=ppt/diagrams/colors3.xml><?xml version="1.0" encoding="utf-8"?>
+<file path=ppt/diagrams/colors4.xml><?xml version="1.0" encoding="utf-8"?>
 <dgm:colorsDef xmlns:dgm="http://schemas.openxmlformats.org/drawingml/2006/diagram" xmlns:a="http://schemas.openxmlformats.org/drawingml/2006/main" uniqueId="urn:microsoft.com/office/officeart/2005/8/colors/colorful2">
   <dgm:title val=""/>
   <dgm:desc val=""/>
@@ -2616,7 +3652,7 @@
 </dgm:colorsDef>
 </file>
 
-<file path=ppt/diagrams/colors4.xml><?xml version="1.0" encoding="utf-8"?>
+<file path=ppt/diagrams/colors5.xml><?xml version="1.0" encoding="utf-8"?>
 <dgm:colorsDef xmlns:dgm="http://schemas.openxmlformats.org/drawingml/2006/diagram" xmlns:a="http://schemas.openxmlformats.org/drawingml/2006/main" uniqueId="urn:microsoft.com/office/officeart/2005/8/colors/colorful2">
   <dgm:title val=""/>
   <dgm:desc val=""/>
@@ -3398,7 +4434,7 @@
 </dgm:colorsDef>
 </file>
 
-<file path=ppt/diagrams/colors5.xml><?xml version="1.0" encoding="utf-8"?>
+<file path=ppt/diagrams/colors6.xml><?xml version="1.0" encoding="utf-8"?>
 <dgm:colorsDef xmlns:dgm="http://schemas.openxmlformats.org/drawingml/2006/diagram" xmlns:a="http://schemas.openxmlformats.org/drawingml/2006/main" uniqueId="urn:microsoft.com/office/officeart/2005/8/colors/colorful5">
   <dgm:title val=""/>
   <dgm:desc val=""/>
@@ -4180,7 +5216,7 @@
 </dgm:colorsDef>
 </file>
 
-<file path=ppt/diagrams/colors6.xml><?xml version="1.0" encoding="utf-8"?>
+<file path=ppt/diagrams/colors7.xml><?xml version="1.0" encoding="utf-8"?>
 <dgm:colorsDef xmlns:dgm="http://schemas.openxmlformats.org/drawingml/2006/diagram" xmlns:a="http://schemas.openxmlformats.org/drawingml/2006/main" uniqueId="urn:microsoft.com/office/officeart/2005/8/colors/colorful5">
   <dgm:title val=""/>
   <dgm:desc val=""/>
@@ -4963,6 +5999,218 @@
 </file>
 
 <file path=ppt/diagrams/data1.xml><?xml version="1.0" encoding="utf-8"?>
+<dgm:dataModel xmlns:dgm="http://schemas.openxmlformats.org/drawingml/2006/diagram" xmlns:a="http://schemas.openxmlformats.org/drawingml/2006/main">
+  <dgm:ptLst>
+    <dgm:pt modelId="{05F5CD18-E0AF-4838-A3EC-8275B13EA1FD}" type="doc">
+      <dgm:prSet loTypeId="urn:microsoft.com/office/officeart/2008/layout/LinedList" loCatId="list" qsTypeId="urn:microsoft.com/office/officeart/2005/8/quickstyle/simple1" qsCatId="simple" csTypeId="urn:microsoft.com/office/officeart/2005/8/colors/colorful1" csCatId="colorful"/>
+      <dgm:spPr/>
+      <dgm:t>
+        <a:bodyPr/>
+        <a:lstStyle/>
+        <a:p>
+          <a:endParaRPr lang="en-US"/>
+        </a:p>
+      </dgm:t>
+    </dgm:pt>
+    <dgm:pt modelId="{559FA437-9312-47F7-B31D-79A9F334073C}">
+      <dgm:prSet/>
+      <dgm:spPr/>
+      <dgm:t>
+        <a:bodyPr/>
+        <a:lstStyle/>
+        <a:p>
+          <a:r>
+            <a:rPr lang="en-US"/>
+            <a:t>Allison Smith</a:t>
+          </a:r>
+        </a:p>
+      </dgm:t>
+    </dgm:pt>
+    <dgm:pt modelId="{23814D93-6DDC-4C20-9050-D0F4DF255B7C}" type="parTrans" cxnId="{FBCBD49F-3512-4E7C-AC80-8E4538460BBC}">
+      <dgm:prSet/>
+      <dgm:spPr/>
+      <dgm:t>
+        <a:bodyPr/>
+        <a:lstStyle/>
+        <a:p>
+          <a:endParaRPr lang="en-US"/>
+        </a:p>
+      </dgm:t>
+    </dgm:pt>
+    <dgm:pt modelId="{D61655DC-B6D3-477F-8E5D-58C061FFABD7}" type="sibTrans" cxnId="{FBCBD49F-3512-4E7C-AC80-8E4538460BBC}">
+      <dgm:prSet/>
+      <dgm:spPr/>
+      <dgm:t>
+        <a:bodyPr/>
+        <a:lstStyle/>
+        <a:p>
+          <a:endParaRPr lang="en-US"/>
+        </a:p>
+      </dgm:t>
+    </dgm:pt>
+    <dgm:pt modelId="{ADB1C812-DC3D-4036-90B4-EB370FBE944D}">
+      <dgm:prSet/>
+      <dgm:spPr/>
+      <dgm:t>
+        <a:bodyPr/>
+        <a:lstStyle/>
+        <a:p>
+          <a:r>
+            <a:rPr lang="en-US"/>
+            <a:t>Terahje Gratkowski</a:t>
+          </a:r>
+        </a:p>
+      </dgm:t>
+    </dgm:pt>
+    <dgm:pt modelId="{D017B3A5-EBE6-4FD5-B988-F94CE3DE3351}" type="parTrans" cxnId="{EEF9EC14-B3D3-46E4-AA06-022091FE6C34}">
+      <dgm:prSet/>
+      <dgm:spPr/>
+      <dgm:t>
+        <a:bodyPr/>
+        <a:lstStyle/>
+        <a:p>
+          <a:endParaRPr lang="en-US"/>
+        </a:p>
+      </dgm:t>
+    </dgm:pt>
+    <dgm:pt modelId="{97163E67-1DB6-4DDD-8AD4-96E13ABA69EB}" type="sibTrans" cxnId="{EEF9EC14-B3D3-46E4-AA06-022091FE6C34}">
+      <dgm:prSet/>
+      <dgm:spPr/>
+      <dgm:t>
+        <a:bodyPr/>
+        <a:lstStyle/>
+        <a:p>
+          <a:endParaRPr lang="en-US"/>
+        </a:p>
+      </dgm:t>
+    </dgm:pt>
+    <dgm:pt modelId="{7F8F9BEC-E77E-4725-AFBD-2212AB792BB7}">
+      <dgm:prSet/>
+      <dgm:spPr/>
+      <dgm:t>
+        <a:bodyPr/>
+        <a:lstStyle/>
+        <a:p>
+          <a:r>
+            <a:rPr lang="en-US"/>
+            <a:t>Jennifer Schlierman</a:t>
+          </a:r>
+        </a:p>
+      </dgm:t>
+    </dgm:pt>
+    <dgm:pt modelId="{48BCCC7D-0664-4493-913E-C6EEEAF9A90A}" type="parTrans" cxnId="{3E0BD337-0EA2-44B8-A5CA-503A269AA318}">
+      <dgm:prSet/>
+      <dgm:spPr/>
+      <dgm:t>
+        <a:bodyPr/>
+        <a:lstStyle/>
+        <a:p>
+          <a:endParaRPr lang="en-US"/>
+        </a:p>
+      </dgm:t>
+    </dgm:pt>
+    <dgm:pt modelId="{52079062-BA84-4FDB-A6A7-AEA4B03BB841}" type="sibTrans" cxnId="{3E0BD337-0EA2-44B8-A5CA-503A269AA318}">
+      <dgm:prSet/>
+      <dgm:spPr/>
+      <dgm:t>
+        <a:bodyPr/>
+        <a:lstStyle/>
+        <a:p>
+          <a:endParaRPr lang="en-US"/>
+        </a:p>
+      </dgm:t>
+    </dgm:pt>
+    <dgm:pt modelId="{689B3CC5-076F-4AA0-A2EC-58696ADD0457}" type="pres">
+      <dgm:prSet presAssocID="{05F5CD18-E0AF-4838-A3EC-8275B13EA1FD}" presName="vert0" presStyleCnt="0">
+        <dgm:presLayoutVars>
+          <dgm:dir/>
+          <dgm:animOne val="branch"/>
+          <dgm:animLvl val="lvl"/>
+        </dgm:presLayoutVars>
+      </dgm:prSet>
+      <dgm:spPr/>
+    </dgm:pt>
+    <dgm:pt modelId="{377C5BFB-5B45-452F-956D-76DCACFA4B38}" type="pres">
+      <dgm:prSet presAssocID="{559FA437-9312-47F7-B31D-79A9F334073C}" presName="thickLine" presStyleLbl="alignNode1" presStyleIdx="0" presStyleCnt="3"/>
+      <dgm:spPr/>
+    </dgm:pt>
+    <dgm:pt modelId="{76A9148E-F261-417C-BFB7-B257CFB5D99A}" type="pres">
+      <dgm:prSet presAssocID="{559FA437-9312-47F7-B31D-79A9F334073C}" presName="horz1" presStyleCnt="0"/>
+      <dgm:spPr/>
+    </dgm:pt>
+    <dgm:pt modelId="{88CD2490-A9A9-4383-9C01-B7505496850C}" type="pres">
+      <dgm:prSet presAssocID="{559FA437-9312-47F7-B31D-79A9F334073C}" presName="tx1" presStyleLbl="revTx" presStyleIdx="0" presStyleCnt="3"/>
+      <dgm:spPr/>
+    </dgm:pt>
+    <dgm:pt modelId="{0B32465F-0EFF-4CEC-85FE-E8B56DCFBAE6}" type="pres">
+      <dgm:prSet presAssocID="{559FA437-9312-47F7-B31D-79A9F334073C}" presName="vert1" presStyleCnt="0"/>
+      <dgm:spPr/>
+    </dgm:pt>
+    <dgm:pt modelId="{EB19FFD5-B977-4E7E-9695-67B27E96394C}" type="pres">
+      <dgm:prSet presAssocID="{ADB1C812-DC3D-4036-90B4-EB370FBE944D}" presName="thickLine" presStyleLbl="alignNode1" presStyleIdx="1" presStyleCnt="3"/>
+      <dgm:spPr/>
+    </dgm:pt>
+    <dgm:pt modelId="{204FDC93-7548-4BD7-ABB0-55140BEFA2FE}" type="pres">
+      <dgm:prSet presAssocID="{ADB1C812-DC3D-4036-90B4-EB370FBE944D}" presName="horz1" presStyleCnt="0"/>
+      <dgm:spPr/>
+    </dgm:pt>
+    <dgm:pt modelId="{BCBDA61B-6135-45ED-8A3A-EAF4D2F5BE84}" type="pres">
+      <dgm:prSet presAssocID="{ADB1C812-DC3D-4036-90B4-EB370FBE944D}" presName="tx1" presStyleLbl="revTx" presStyleIdx="1" presStyleCnt="3"/>
+      <dgm:spPr/>
+    </dgm:pt>
+    <dgm:pt modelId="{18DDFC93-6EB3-4FF8-B36C-D1F36E296DBE}" type="pres">
+      <dgm:prSet presAssocID="{ADB1C812-DC3D-4036-90B4-EB370FBE944D}" presName="vert1" presStyleCnt="0"/>
+      <dgm:spPr/>
+    </dgm:pt>
+    <dgm:pt modelId="{13E43DD4-8553-41D3-8C67-34C2F363A493}" type="pres">
+      <dgm:prSet presAssocID="{7F8F9BEC-E77E-4725-AFBD-2212AB792BB7}" presName="thickLine" presStyleLbl="alignNode1" presStyleIdx="2" presStyleCnt="3"/>
+      <dgm:spPr/>
+    </dgm:pt>
+    <dgm:pt modelId="{1EC4B9AD-0994-41FC-B277-A07F43A01B28}" type="pres">
+      <dgm:prSet presAssocID="{7F8F9BEC-E77E-4725-AFBD-2212AB792BB7}" presName="horz1" presStyleCnt="0"/>
+      <dgm:spPr/>
+    </dgm:pt>
+    <dgm:pt modelId="{B4697E53-1F60-426F-81ED-52FA7CC46F05}" type="pres">
+      <dgm:prSet presAssocID="{7F8F9BEC-E77E-4725-AFBD-2212AB792BB7}" presName="tx1" presStyleLbl="revTx" presStyleIdx="2" presStyleCnt="3"/>
+      <dgm:spPr/>
+    </dgm:pt>
+    <dgm:pt modelId="{9B111AA9-6809-48F9-949F-7D5D242F2CAB}" type="pres">
+      <dgm:prSet presAssocID="{7F8F9BEC-E77E-4725-AFBD-2212AB792BB7}" presName="vert1" presStyleCnt="0"/>
+      <dgm:spPr/>
+    </dgm:pt>
+  </dgm:ptLst>
+  <dgm:cxnLst>
+    <dgm:cxn modelId="{931DCC00-D0C7-48C9-B8E9-19223A95B5CD}" type="presOf" srcId="{7F8F9BEC-E77E-4725-AFBD-2212AB792BB7}" destId="{B4697E53-1F60-426F-81ED-52FA7CC46F05}" srcOrd="0" destOrd="0" presId="urn:microsoft.com/office/officeart/2008/layout/LinedList"/>
+    <dgm:cxn modelId="{9183DF13-1587-4AAB-9426-B5278DBDBBFD}" type="presOf" srcId="{559FA437-9312-47F7-B31D-79A9F334073C}" destId="{88CD2490-A9A9-4383-9C01-B7505496850C}" srcOrd="0" destOrd="0" presId="urn:microsoft.com/office/officeart/2008/layout/LinedList"/>
+    <dgm:cxn modelId="{EEF9EC14-B3D3-46E4-AA06-022091FE6C34}" srcId="{05F5CD18-E0AF-4838-A3EC-8275B13EA1FD}" destId="{ADB1C812-DC3D-4036-90B4-EB370FBE944D}" srcOrd="1" destOrd="0" parTransId="{D017B3A5-EBE6-4FD5-B988-F94CE3DE3351}" sibTransId="{97163E67-1DB6-4DDD-8AD4-96E13ABA69EB}"/>
+    <dgm:cxn modelId="{3E0BD337-0EA2-44B8-A5CA-503A269AA318}" srcId="{05F5CD18-E0AF-4838-A3EC-8275B13EA1FD}" destId="{7F8F9BEC-E77E-4725-AFBD-2212AB792BB7}" srcOrd="2" destOrd="0" parTransId="{48BCCC7D-0664-4493-913E-C6EEEAF9A90A}" sibTransId="{52079062-BA84-4FDB-A6A7-AEA4B03BB841}"/>
+    <dgm:cxn modelId="{65BB9253-A205-4EF4-874C-7C28A9FD91EA}" type="presOf" srcId="{05F5CD18-E0AF-4838-A3EC-8275B13EA1FD}" destId="{689B3CC5-076F-4AA0-A2EC-58696ADD0457}" srcOrd="0" destOrd="0" presId="urn:microsoft.com/office/officeart/2008/layout/LinedList"/>
+    <dgm:cxn modelId="{FBCBD49F-3512-4E7C-AC80-8E4538460BBC}" srcId="{05F5CD18-E0AF-4838-A3EC-8275B13EA1FD}" destId="{559FA437-9312-47F7-B31D-79A9F334073C}" srcOrd="0" destOrd="0" parTransId="{23814D93-6DDC-4C20-9050-D0F4DF255B7C}" sibTransId="{D61655DC-B6D3-477F-8E5D-58C061FFABD7}"/>
+    <dgm:cxn modelId="{373EAAE6-B96E-49AF-A34A-92C15DD86621}" type="presOf" srcId="{ADB1C812-DC3D-4036-90B4-EB370FBE944D}" destId="{BCBDA61B-6135-45ED-8A3A-EAF4D2F5BE84}" srcOrd="0" destOrd="0" presId="urn:microsoft.com/office/officeart/2008/layout/LinedList"/>
+    <dgm:cxn modelId="{42D390BE-6E83-46CC-9CA6-C40183BF049D}" type="presParOf" srcId="{689B3CC5-076F-4AA0-A2EC-58696ADD0457}" destId="{377C5BFB-5B45-452F-956D-76DCACFA4B38}" srcOrd="0" destOrd="0" presId="urn:microsoft.com/office/officeart/2008/layout/LinedList"/>
+    <dgm:cxn modelId="{71607C00-E431-4B99-BFA2-D8A57C544DD6}" type="presParOf" srcId="{689B3CC5-076F-4AA0-A2EC-58696ADD0457}" destId="{76A9148E-F261-417C-BFB7-B257CFB5D99A}" srcOrd="1" destOrd="0" presId="urn:microsoft.com/office/officeart/2008/layout/LinedList"/>
+    <dgm:cxn modelId="{9D0C21C0-7B61-434C-83F4-1BA3A866AC01}" type="presParOf" srcId="{76A9148E-F261-417C-BFB7-B257CFB5D99A}" destId="{88CD2490-A9A9-4383-9C01-B7505496850C}" srcOrd="0" destOrd="0" presId="urn:microsoft.com/office/officeart/2008/layout/LinedList"/>
+    <dgm:cxn modelId="{C22D40D0-A03A-4CE0-9BC9-1D819F493C9C}" type="presParOf" srcId="{76A9148E-F261-417C-BFB7-B257CFB5D99A}" destId="{0B32465F-0EFF-4CEC-85FE-E8B56DCFBAE6}" srcOrd="1" destOrd="0" presId="urn:microsoft.com/office/officeart/2008/layout/LinedList"/>
+    <dgm:cxn modelId="{2E4BF9E5-45B6-446B-9897-CCF93B6BCF58}" type="presParOf" srcId="{689B3CC5-076F-4AA0-A2EC-58696ADD0457}" destId="{EB19FFD5-B977-4E7E-9695-67B27E96394C}" srcOrd="2" destOrd="0" presId="urn:microsoft.com/office/officeart/2008/layout/LinedList"/>
+    <dgm:cxn modelId="{D83A3EAC-2FE2-42DC-80EF-B6A7E2E0E7F4}" type="presParOf" srcId="{689B3CC5-076F-4AA0-A2EC-58696ADD0457}" destId="{204FDC93-7548-4BD7-ABB0-55140BEFA2FE}" srcOrd="3" destOrd="0" presId="urn:microsoft.com/office/officeart/2008/layout/LinedList"/>
+    <dgm:cxn modelId="{59321D78-16AA-41BE-A80C-3C9856002B23}" type="presParOf" srcId="{204FDC93-7548-4BD7-ABB0-55140BEFA2FE}" destId="{BCBDA61B-6135-45ED-8A3A-EAF4D2F5BE84}" srcOrd="0" destOrd="0" presId="urn:microsoft.com/office/officeart/2008/layout/LinedList"/>
+    <dgm:cxn modelId="{FCBAE7BD-DD09-43E7-A294-0B25ADB294E6}" type="presParOf" srcId="{204FDC93-7548-4BD7-ABB0-55140BEFA2FE}" destId="{18DDFC93-6EB3-4FF8-B36C-D1F36E296DBE}" srcOrd="1" destOrd="0" presId="urn:microsoft.com/office/officeart/2008/layout/LinedList"/>
+    <dgm:cxn modelId="{E0EA4345-0E5E-4139-8E45-EC2F9D4EE570}" type="presParOf" srcId="{689B3CC5-076F-4AA0-A2EC-58696ADD0457}" destId="{13E43DD4-8553-41D3-8C67-34C2F363A493}" srcOrd="4" destOrd="0" presId="urn:microsoft.com/office/officeart/2008/layout/LinedList"/>
+    <dgm:cxn modelId="{E8165C6B-B93D-47E3-8947-6D6BE1F28F4C}" type="presParOf" srcId="{689B3CC5-076F-4AA0-A2EC-58696ADD0457}" destId="{1EC4B9AD-0994-41FC-B277-A07F43A01B28}" srcOrd="5" destOrd="0" presId="urn:microsoft.com/office/officeart/2008/layout/LinedList"/>
+    <dgm:cxn modelId="{2D8919B5-E1DE-478F-8D3E-05072A7EA0F1}" type="presParOf" srcId="{1EC4B9AD-0994-41FC-B277-A07F43A01B28}" destId="{B4697E53-1F60-426F-81ED-52FA7CC46F05}" srcOrd="0" destOrd="0" presId="urn:microsoft.com/office/officeart/2008/layout/LinedList"/>
+    <dgm:cxn modelId="{A3C22402-221A-473A-9213-E36704C91C9A}" type="presParOf" srcId="{1EC4B9AD-0994-41FC-B277-A07F43A01B28}" destId="{9B111AA9-6809-48F9-949F-7D5D242F2CAB}" srcOrd="1" destOrd="0" presId="urn:microsoft.com/office/officeart/2008/layout/LinedList"/>
+  </dgm:cxnLst>
+  <dgm:bg/>
+  <dgm:whole/>
+  <dgm:extLst>
+    <a:ext uri="http://schemas.microsoft.com/office/drawing/2008/diagram">
+      <dsp:dataModelExt xmlns:dsp="http://schemas.microsoft.com/office/drawing/2008/diagram" relId="rId6" minVer="http://schemas.openxmlformats.org/drawingml/2006/diagram"/>
+    </a:ext>
+  </dgm:extLst>
+</dgm:dataModel>
+</file>
+
+<file path=ppt/diagrams/data2.xml><?xml version="1.0" encoding="utf-8"?>
 <dgm:dataModel xmlns:dgm="http://schemas.openxmlformats.org/drawingml/2006/diagram" xmlns:a="http://schemas.openxmlformats.org/drawingml/2006/main">
   <dgm:ptLst>
     <dgm:pt modelId="{8B13AE67-97D4-4524-B289-1675CD7C96C5}" type="doc">
@@ -5467,7 +6715,7 @@
 </dgm:dataModel>
 </file>
 
-<file path=ppt/diagrams/data2.xml><?xml version="1.0" encoding="utf-8"?>
+<file path=ppt/diagrams/data3.xml><?xml version="1.0" encoding="utf-8"?>
 <dgm:dataModel xmlns:dgm="http://schemas.openxmlformats.org/drawingml/2006/diagram" xmlns:a="http://schemas.openxmlformats.org/drawingml/2006/main">
   <dgm:ptLst>
     <dgm:pt modelId="{3745B51C-55E0-471F-9627-C241558A3273}" type="doc">
@@ -5635,7 +6883,7 @@
 </dgm:dataModel>
 </file>
 
-<file path=ppt/diagrams/data3.xml><?xml version="1.0" encoding="utf-8"?>
+<file path=ppt/diagrams/data4.xml><?xml version="1.0" encoding="utf-8"?>
 <dgm:dataModel xmlns:dgm="http://schemas.openxmlformats.org/drawingml/2006/diagram" xmlns:a="http://schemas.openxmlformats.org/drawingml/2006/main">
   <dgm:ptLst>
     <dgm:pt modelId="{2495EADF-FBA0-4C8E-9C60-C968FA7B2B81}" type="doc">
@@ -5907,7 +7155,7 @@
 </dgm:dataModel>
 </file>
 
-<file path=ppt/diagrams/data4.xml><?xml version="1.0" encoding="utf-8"?>
+<file path=ppt/diagrams/data5.xml><?xml version="1.0" encoding="utf-8"?>
 <dgm:dataModel xmlns:dgm="http://schemas.openxmlformats.org/drawingml/2006/diagram" xmlns:a="http://schemas.openxmlformats.org/drawingml/2006/main">
   <dgm:ptLst>
     <dgm:pt modelId="{CD87035C-466D-4076-A74C-53EE70941B38}" type="doc">
@@ -6210,11 +7458,11 @@
 </dgm:dataModel>
 </file>
 
-<file path=ppt/diagrams/data5.xml><?xml version="1.0" encoding="utf-8"?>
+<file path=ppt/diagrams/data6.xml><?xml version="1.0" encoding="utf-8"?>
 <dgm:dataModel xmlns:dgm="http://schemas.openxmlformats.org/drawingml/2006/diagram" xmlns:a="http://schemas.openxmlformats.org/drawingml/2006/main">
   <dgm:ptLst>
     <dgm:pt modelId="{BB4242FB-FB1F-4EF0-B417-4FAFD8916A0A}" type="doc">
-      <dgm:prSet loTypeId="urn:microsoft.com/office/officeart/2005/8/layout/default" loCatId="list" qsTypeId="urn:microsoft.com/office/officeart/2005/8/quickstyle/simple1" qsCatId="simple" csTypeId="urn:microsoft.com/office/officeart/2005/8/colors/colorful5" csCatId="colorful"/>
+      <dgm:prSet loTypeId="urn:microsoft.com/office/officeart/2005/8/layout/default" loCatId="list" qsTypeId="urn:microsoft.com/office/officeart/2005/8/quickstyle/simple1" qsCatId="simple" csTypeId="urn:microsoft.com/office/officeart/2005/8/colors/colorful5" csCatId="colorful" phldr="1"/>
       <dgm:spPr/>
       <dgm:t>
         <a:bodyPr/>
@@ -6413,8 +7661,9 @@
         <a:p>
           <a:r>
             <a:rPr lang="en-US"/>
-            <a:t>TUI Calendar</a:t>
+            <a:t>Sweet Alerts</a:t>
           </a:r>
+          <a:endParaRPr lang="en-US" dirty="0"/>
         </a:p>
       </dgm:t>
     </dgm:pt>
@@ -6606,7 +7855,7 @@
 </dgm:dataModel>
 </file>
 
-<file path=ppt/diagrams/data6.xml><?xml version="1.0" encoding="utf-8"?>
+<file path=ppt/diagrams/data7.xml><?xml version="1.0" encoding="utf-8"?>
 <dgm:dataModel xmlns:dgm="http://schemas.openxmlformats.org/drawingml/2006/diagram" xmlns:a="http://schemas.openxmlformats.org/drawingml/2006/main">
   <dgm:ptLst>
     <dgm:pt modelId="{73B255B3-DFD4-4729-B6D2-E42808579D59}" type="doc">
@@ -7039,6 +8288,348 @@
 </file>
 
 <file path=ppt/diagrams/drawing1.xml><?xml version="1.0" encoding="utf-8"?>
+<dsp:drawing xmlns:dgm="http://schemas.openxmlformats.org/drawingml/2006/diagram" xmlns:dsp="http://schemas.microsoft.com/office/drawing/2008/diagram" xmlns:a="http://schemas.openxmlformats.org/drawingml/2006/main">
+  <dsp:spTree>
+    <dsp:nvGrpSpPr>
+      <dsp:cNvPr id="0" name=""/>
+      <dsp:cNvGrpSpPr/>
+    </dsp:nvGrpSpPr>
+    <dsp:grpSpPr/>
+    <dsp:sp modelId="{377C5BFB-5B45-452F-956D-76DCACFA4B38}">
+      <dsp:nvSpPr>
+        <dsp:cNvPr id="0" name=""/>
+        <dsp:cNvSpPr/>
+      </dsp:nvSpPr>
+      <dsp:spPr>
+        <a:xfrm>
+          <a:off x="0" y="2492"/>
+          <a:ext cx="6492875" cy="0"/>
+        </a:xfrm>
+        <a:prstGeom prst="line">
+          <a:avLst/>
+        </a:prstGeom>
+        <a:solidFill>
+          <a:schemeClr val="accent2">
+            <a:hueOff val="0"/>
+            <a:satOff val="0"/>
+            <a:lumOff val="0"/>
+            <a:alphaOff val="0"/>
+          </a:schemeClr>
+        </a:solidFill>
+        <a:ln w="12700" cap="flat" cmpd="sng" algn="ctr">
+          <a:solidFill>
+            <a:schemeClr val="accent2">
+              <a:hueOff val="0"/>
+              <a:satOff val="0"/>
+              <a:lumOff val="0"/>
+              <a:alphaOff val="0"/>
+            </a:schemeClr>
+          </a:solidFill>
+          <a:prstDash val="solid"/>
+          <a:miter lim="800000"/>
+        </a:ln>
+        <a:effectLst/>
+      </dsp:spPr>
+      <dsp:style>
+        <a:lnRef idx="2">
+          <a:scrgbClr r="0" g="0" b="0"/>
+        </a:lnRef>
+        <a:fillRef idx="1">
+          <a:scrgbClr r="0" g="0" b="0"/>
+        </a:fillRef>
+        <a:effectRef idx="0">
+          <a:scrgbClr r="0" g="0" b="0"/>
+        </a:effectRef>
+        <a:fontRef idx="minor">
+          <a:schemeClr val="lt1"/>
+        </a:fontRef>
+      </dsp:style>
+    </dsp:sp>
+    <dsp:sp modelId="{88CD2490-A9A9-4383-9C01-B7505496850C}">
+      <dsp:nvSpPr>
+        <dsp:cNvPr id="0" name=""/>
+        <dsp:cNvSpPr/>
+      </dsp:nvSpPr>
+      <dsp:spPr>
+        <a:xfrm>
+          <a:off x="0" y="2492"/>
+          <a:ext cx="6492875" cy="1700138"/>
+        </a:xfrm>
+        <a:prstGeom prst="rect">
+          <a:avLst/>
+        </a:prstGeom>
+        <a:noFill/>
+        <a:ln>
+          <a:noFill/>
+        </a:ln>
+        <a:effectLst/>
+      </dsp:spPr>
+      <dsp:style>
+        <a:lnRef idx="0">
+          <a:scrgbClr r="0" g="0" b="0"/>
+        </a:lnRef>
+        <a:fillRef idx="0">
+          <a:scrgbClr r="0" g="0" b="0"/>
+        </a:fillRef>
+        <a:effectRef idx="0">
+          <a:scrgbClr r="0" g="0" b="0"/>
+        </a:effectRef>
+        <a:fontRef idx="minor"/>
+      </dsp:style>
+      <dsp:txBody>
+        <a:bodyPr spcFirstLastPara="0" vert="horz" wrap="square" lIns="224790" tIns="224790" rIns="224790" bIns="224790" numCol="1" spcCol="1270" anchor="t" anchorCtr="0">
+          <a:noAutofit/>
+        </a:bodyPr>
+        <a:lstStyle/>
+        <a:p>
+          <a:pPr marL="0" lvl="0" indent="0" algn="l" defTabSz="2622550">
+            <a:lnSpc>
+              <a:spcPct val="90000"/>
+            </a:lnSpc>
+            <a:spcBef>
+              <a:spcPct val="0"/>
+            </a:spcBef>
+            <a:spcAft>
+              <a:spcPct val="35000"/>
+            </a:spcAft>
+            <a:buNone/>
+          </a:pPr>
+          <a:r>
+            <a:rPr lang="en-US" sz="5900" kern="1200"/>
+            <a:t>Allison Smith</a:t>
+          </a:r>
+        </a:p>
+      </dsp:txBody>
+      <dsp:txXfrm>
+        <a:off x="0" y="2492"/>
+        <a:ext cx="6492875" cy="1700138"/>
+      </dsp:txXfrm>
+    </dsp:sp>
+    <dsp:sp modelId="{EB19FFD5-B977-4E7E-9695-67B27E96394C}">
+      <dsp:nvSpPr>
+        <dsp:cNvPr id="0" name=""/>
+        <dsp:cNvSpPr/>
+      </dsp:nvSpPr>
+      <dsp:spPr>
+        <a:xfrm>
+          <a:off x="0" y="1702630"/>
+          <a:ext cx="6492875" cy="0"/>
+        </a:xfrm>
+        <a:prstGeom prst="line">
+          <a:avLst/>
+        </a:prstGeom>
+        <a:solidFill>
+          <a:schemeClr val="accent3">
+            <a:hueOff val="0"/>
+            <a:satOff val="0"/>
+            <a:lumOff val="0"/>
+            <a:alphaOff val="0"/>
+          </a:schemeClr>
+        </a:solidFill>
+        <a:ln w="12700" cap="flat" cmpd="sng" algn="ctr">
+          <a:solidFill>
+            <a:schemeClr val="accent3">
+              <a:hueOff val="0"/>
+              <a:satOff val="0"/>
+              <a:lumOff val="0"/>
+              <a:alphaOff val="0"/>
+            </a:schemeClr>
+          </a:solidFill>
+          <a:prstDash val="solid"/>
+          <a:miter lim="800000"/>
+        </a:ln>
+        <a:effectLst/>
+      </dsp:spPr>
+      <dsp:style>
+        <a:lnRef idx="2">
+          <a:scrgbClr r="0" g="0" b="0"/>
+        </a:lnRef>
+        <a:fillRef idx="1">
+          <a:scrgbClr r="0" g="0" b="0"/>
+        </a:fillRef>
+        <a:effectRef idx="0">
+          <a:scrgbClr r="0" g="0" b="0"/>
+        </a:effectRef>
+        <a:fontRef idx="minor">
+          <a:schemeClr val="lt1"/>
+        </a:fontRef>
+      </dsp:style>
+    </dsp:sp>
+    <dsp:sp modelId="{BCBDA61B-6135-45ED-8A3A-EAF4D2F5BE84}">
+      <dsp:nvSpPr>
+        <dsp:cNvPr id="0" name=""/>
+        <dsp:cNvSpPr/>
+      </dsp:nvSpPr>
+      <dsp:spPr>
+        <a:xfrm>
+          <a:off x="0" y="1702630"/>
+          <a:ext cx="6492875" cy="1700138"/>
+        </a:xfrm>
+        <a:prstGeom prst="rect">
+          <a:avLst/>
+        </a:prstGeom>
+        <a:noFill/>
+        <a:ln>
+          <a:noFill/>
+        </a:ln>
+        <a:effectLst/>
+      </dsp:spPr>
+      <dsp:style>
+        <a:lnRef idx="0">
+          <a:scrgbClr r="0" g="0" b="0"/>
+        </a:lnRef>
+        <a:fillRef idx="0">
+          <a:scrgbClr r="0" g="0" b="0"/>
+        </a:fillRef>
+        <a:effectRef idx="0">
+          <a:scrgbClr r="0" g="0" b="0"/>
+        </a:effectRef>
+        <a:fontRef idx="minor"/>
+      </dsp:style>
+      <dsp:txBody>
+        <a:bodyPr spcFirstLastPara="0" vert="horz" wrap="square" lIns="224790" tIns="224790" rIns="224790" bIns="224790" numCol="1" spcCol="1270" anchor="t" anchorCtr="0">
+          <a:noAutofit/>
+        </a:bodyPr>
+        <a:lstStyle/>
+        <a:p>
+          <a:pPr marL="0" lvl="0" indent="0" algn="l" defTabSz="2622550">
+            <a:lnSpc>
+              <a:spcPct val="90000"/>
+            </a:lnSpc>
+            <a:spcBef>
+              <a:spcPct val="0"/>
+            </a:spcBef>
+            <a:spcAft>
+              <a:spcPct val="35000"/>
+            </a:spcAft>
+            <a:buNone/>
+          </a:pPr>
+          <a:r>
+            <a:rPr lang="en-US" sz="5900" kern="1200"/>
+            <a:t>Terahje Gratkowski</a:t>
+          </a:r>
+        </a:p>
+      </dsp:txBody>
+      <dsp:txXfrm>
+        <a:off x="0" y="1702630"/>
+        <a:ext cx="6492875" cy="1700138"/>
+      </dsp:txXfrm>
+    </dsp:sp>
+    <dsp:sp modelId="{13E43DD4-8553-41D3-8C67-34C2F363A493}">
+      <dsp:nvSpPr>
+        <dsp:cNvPr id="0" name=""/>
+        <dsp:cNvSpPr/>
+      </dsp:nvSpPr>
+      <dsp:spPr>
+        <a:xfrm>
+          <a:off x="0" y="3402769"/>
+          <a:ext cx="6492875" cy="0"/>
+        </a:xfrm>
+        <a:prstGeom prst="line">
+          <a:avLst/>
+        </a:prstGeom>
+        <a:solidFill>
+          <a:schemeClr val="accent4">
+            <a:hueOff val="0"/>
+            <a:satOff val="0"/>
+            <a:lumOff val="0"/>
+            <a:alphaOff val="0"/>
+          </a:schemeClr>
+        </a:solidFill>
+        <a:ln w="12700" cap="flat" cmpd="sng" algn="ctr">
+          <a:solidFill>
+            <a:schemeClr val="accent4">
+              <a:hueOff val="0"/>
+              <a:satOff val="0"/>
+              <a:lumOff val="0"/>
+              <a:alphaOff val="0"/>
+            </a:schemeClr>
+          </a:solidFill>
+          <a:prstDash val="solid"/>
+          <a:miter lim="800000"/>
+        </a:ln>
+        <a:effectLst/>
+      </dsp:spPr>
+      <dsp:style>
+        <a:lnRef idx="2">
+          <a:scrgbClr r="0" g="0" b="0"/>
+        </a:lnRef>
+        <a:fillRef idx="1">
+          <a:scrgbClr r="0" g="0" b="0"/>
+        </a:fillRef>
+        <a:effectRef idx="0">
+          <a:scrgbClr r="0" g="0" b="0"/>
+        </a:effectRef>
+        <a:fontRef idx="minor">
+          <a:schemeClr val="lt1"/>
+        </a:fontRef>
+      </dsp:style>
+    </dsp:sp>
+    <dsp:sp modelId="{B4697E53-1F60-426F-81ED-52FA7CC46F05}">
+      <dsp:nvSpPr>
+        <dsp:cNvPr id="0" name=""/>
+        <dsp:cNvSpPr/>
+      </dsp:nvSpPr>
+      <dsp:spPr>
+        <a:xfrm>
+          <a:off x="0" y="3402769"/>
+          <a:ext cx="6492875" cy="1700138"/>
+        </a:xfrm>
+        <a:prstGeom prst="rect">
+          <a:avLst/>
+        </a:prstGeom>
+        <a:noFill/>
+        <a:ln>
+          <a:noFill/>
+        </a:ln>
+        <a:effectLst/>
+      </dsp:spPr>
+      <dsp:style>
+        <a:lnRef idx="0">
+          <a:scrgbClr r="0" g="0" b="0"/>
+        </a:lnRef>
+        <a:fillRef idx="0">
+          <a:scrgbClr r="0" g="0" b="0"/>
+        </a:fillRef>
+        <a:effectRef idx="0">
+          <a:scrgbClr r="0" g="0" b="0"/>
+        </a:effectRef>
+        <a:fontRef idx="minor"/>
+      </dsp:style>
+      <dsp:txBody>
+        <a:bodyPr spcFirstLastPara="0" vert="horz" wrap="square" lIns="224790" tIns="224790" rIns="224790" bIns="224790" numCol="1" spcCol="1270" anchor="t" anchorCtr="0">
+          <a:noAutofit/>
+        </a:bodyPr>
+        <a:lstStyle/>
+        <a:p>
+          <a:pPr marL="0" lvl="0" indent="0" algn="l" defTabSz="2622550">
+            <a:lnSpc>
+              <a:spcPct val="90000"/>
+            </a:lnSpc>
+            <a:spcBef>
+              <a:spcPct val="0"/>
+            </a:spcBef>
+            <a:spcAft>
+              <a:spcPct val="35000"/>
+            </a:spcAft>
+            <a:buNone/>
+          </a:pPr>
+          <a:r>
+            <a:rPr lang="en-US" sz="5900" kern="1200"/>
+            <a:t>Jennifer Schlierman</a:t>
+          </a:r>
+        </a:p>
+      </dsp:txBody>
+      <dsp:txXfrm>
+        <a:off x="0" y="3402769"/>
+        <a:ext cx="6492875" cy="1700138"/>
+      </dsp:txXfrm>
+    </dsp:sp>
+  </dsp:spTree>
+</dsp:drawing>
+</file>
+
+<file path=ppt/diagrams/drawing2.xml><?xml version="1.0" encoding="utf-8"?>
 <dsp:drawing xmlns:dgm="http://schemas.openxmlformats.org/drawingml/2006/diagram" xmlns:dsp="http://schemas.microsoft.com/office/drawing/2008/diagram" xmlns:a="http://schemas.openxmlformats.org/drawingml/2006/main">
   <dsp:spTree>
     <dsp:nvGrpSpPr>
@@ -7571,7 +9162,7 @@
 </dsp:drawing>
 </file>
 
-<file path=ppt/diagrams/drawing2.xml><?xml version="1.0" encoding="utf-8"?>
+<file path=ppt/diagrams/drawing3.xml><?xml version="1.0" encoding="utf-8"?>
 <dsp:drawing xmlns:dgm="http://schemas.openxmlformats.org/drawingml/2006/diagram" xmlns:dsp="http://schemas.microsoft.com/office/drawing/2008/diagram" xmlns:a="http://schemas.openxmlformats.org/drawingml/2006/main">
   <dsp:spTree>
     <dsp:nvGrpSpPr>
@@ -7743,7 +9334,7 @@
 </dsp:drawing>
 </file>
 
-<file path=ppt/diagrams/drawing3.xml><?xml version="1.0" encoding="utf-8"?>
+<file path=ppt/diagrams/drawing4.xml><?xml version="1.0" encoding="utf-8"?>
 <dsp:drawing xmlns:dgm="http://schemas.openxmlformats.org/drawingml/2006/diagram" xmlns:dsp="http://schemas.microsoft.com/office/drawing/2008/diagram" xmlns:a="http://schemas.openxmlformats.org/drawingml/2006/main">
   <dsp:spTree>
     <dsp:nvGrpSpPr>
@@ -8160,7 +9751,7 @@
 </dsp:drawing>
 </file>
 
-<file path=ppt/diagrams/drawing4.xml><?xml version="1.0" encoding="utf-8"?>
+<file path=ppt/diagrams/drawing5.xml><?xml version="1.0" encoding="utf-8"?>
 <dsp:drawing xmlns:dgm="http://schemas.openxmlformats.org/drawingml/2006/diagram" xmlns:dsp="http://schemas.microsoft.com/office/drawing/2008/diagram" xmlns:a="http://schemas.openxmlformats.org/drawingml/2006/main">
   <dsp:spTree>
     <dsp:nvGrpSpPr>
@@ -8732,7 +10323,7 @@
 </dsp:drawing>
 </file>
 
-<file path=ppt/diagrams/drawing5.xml><?xml version="1.0" encoding="utf-8"?>
+<file path=ppt/diagrams/drawing6.xml><?xml version="1.0" encoding="utf-8"?>
 <dsp:drawing xmlns:dgm="http://schemas.openxmlformats.org/drawingml/2006/diagram" xmlns:dsp="http://schemas.microsoft.com/office/drawing/2008/diagram" xmlns:a="http://schemas.openxmlformats.org/drawingml/2006/main">
   <dsp:spTree>
     <dsp:nvGrpSpPr>
@@ -9199,8 +10790,9 @@
           </a:pPr>
           <a:r>
             <a:rPr lang="en-US" sz="3300" kern="1200"/>
-            <a:t>TUI Calendar</a:t>
+            <a:t>Sweet Alerts</a:t>
           </a:r>
+          <a:endParaRPr lang="en-US" sz="3300" kern="1200" dirty="0"/>
         </a:p>
       </dsp:txBody>
       <dsp:txXfrm>
@@ -9290,7 +10882,7 @@
 </dsp:drawing>
 </file>
 
-<file path=ppt/diagrams/drawing6.xml><?xml version="1.0" encoding="utf-8"?>
+<file path=ppt/diagrams/drawing7.xml><?xml version="1.0" encoding="utf-8"?>
 <dsp:drawing xmlns:dgm="http://schemas.openxmlformats.org/drawingml/2006/diagram" xmlns:dsp="http://schemas.microsoft.com/office/drawing/2008/diagram" xmlns:a="http://schemas.openxmlformats.org/drawingml/2006/main">
   <dsp:spTree>
     <dsp:nvGrpSpPr>
@@ -9748,6 +11340,472 @@
 </file>
 
 <file path=ppt/diagrams/layout1.xml><?xml version="1.0" encoding="utf-8"?>
+<dgm:layoutDef xmlns:dgm="http://schemas.openxmlformats.org/drawingml/2006/diagram" xmlns:a="http://schemas.openxmlformats.org/drawingml/2006/main" uniqueId="urn:microsoft.com/office/officeart/2008/layout/LinedList">
+  <dgm:title val=""/>
+  <dgm:desc val=""/>
+  <dgm:catLst>
+    <dgm:cat type="hierarchy" pri="8000"/>
+    <dgm:cat type="list" pri="2500"/>
+  </dgm:catLst>
+  <dgm:sampData>
+    <dgm:dataModel>
+      <dgm:ptLst>
+        <dgm:pt modelId="0" type="doc"/>
+        <dgm:pt modelId="1">
+          <dgm:prSet phldr="1"/>
+        </dgm:pt>
+        <dgm:pt modelId="11">
+          <dgm:prSet phldr="1"/>
+        </dgm:pt>
+        <dgm:pt modelId="12">
+          <dgm:prSet phldr="1"/>
+        </dgm:pt>
+        <dgm:pt modelId="13">
+          <dgm:prSet phldr="1"/>
+        </dgm:pt>
+      </dgm:ptLst>
+      <dgm:cxnLst>
+        <dgm:cxn modelId="2" srcId="0" destId="1" srcOrd="0" destOrd="0"/>
+        <dgm:cxn modelId="3" srcId="1" destId="11" srcOrd="0" destOrd="0"/>
+        <dgm:cxn modelId="4" srcId="1" destId="12" srcOrd="1" destOrd="0"/>
+        <dgm:cxn modelId="5" srcId="1" destId="13" srcOrd="2" destOrd="0"/>
+      </dgm:cxnLst>
+      <dgm:bg/>
+      <dgm:whole/>
+    </dgm:dataModel>
+  </dgm:sampData>
+  <dgm:styleData>
+    <dgm:dataModel>
+      <dgm:ptLst>
+        <dgm:pt modelId="0" type="doc"/>
+        <dgm:pt modelId="1">
+          <dgm:prSet phldr="1"/>
+        </dgm:pt>
+        <dgm:pt modelId="11">
+          <dgm:prSet phldr="1"/>
+        </dgm:pt>
+        <dgm:pt modelId="12">
+          <dgm:prSet phldr="1"/>
+        </dgm:pt>
+      </dgm:ptLst>
+      <dgm:cxnLst>
+        <dgm:cxn modelId="2" srcId="0" destId="1" srcOrd="0" destOrd="0"/>
+        <dgm:cxn modelId="3" srcId="1" destId="11" srcOrd="0" destOrd="0"/>
+        <dgm:cxn modelId="4" srcId="1" destId="12" srcOrd="1" destOrd="0"/>
+      </dgm:cxnLst>
+      <dgm:bg/>
+      <dgm:whole/>
+    </dgm:dataModel>
+  </dgm:styleData>
+  <dgm:clrData>
+    <dgm:dataModel>
+      <dgm:ptLst>
+        <dgm:pt modelId="0" type="doc"/>
+        <dgm:pt modelId="1">
+          <dgm:prSet phldr="1"/>
+        </dgm:pt>
+        <dgm:pt modelId="11">
+          <dgm:prSet phldr="1"/>
+        </dgm:pt>
+        <dgm:pt modelId="12">
+          <dgm:prSet phldr="1"/>
+        </dgm:pt>
+      </dgm:ptLst>
+      <dgm:cxnLst>
+        <dgm:cxn modelId="2" srcId="0" destId="1" srcOrd="0" destOrd="0"/>
+        <dgm:cxn modelId="3" srcId="1" destId="11" srcOrd="0" destOrd="0"/>
+        <dgm:cxn modelId="4" srcId="1" destId="12" srcOrd="1" destOrd="0"/>
+      </dgm:cxnLst>
+      <dgm:bg/>
+      <dgm:whole/>
+    </dgm:dataModel>
+  </dgm:clrData>
+  <dgm:layoutNode name="vert0">
+    <dgm:varLst>
+      <dgm:dir/>
+      <dgm:animOne val="branch"/>
+      <dgm:animLvl val="lvl"/>
+    </dgm:varLst>
+    <dgm:choose name="Name0">
+      <dgm:if name="Name1" func="var" arg="dir" op="equ" val="norm">
+        <dgm:alg type="lin">
+          <dgm:param type="linDir" val="fromT"/>
+          <dgm:param type="nodeHorzAlign" val="l"/>
+        </dgm:alg>
+      </dgm:if>
+      <dgm:else name="Name2">
+        <dgm:alg type="lin">
+          <dgm:param type="linDir" val="fromT"/>
+          <dgm:param type="nodeHorzAlign" val="r"/>
+        </dgm:alg>
+      </dgm:else>
+    </dgm:choose>
+    <dgm:shape xmlns:r="http://schemas.openxmlformats.org/officeDocument/2006/relationships" r:blip="">
+      <dgm:adjLst/>
+    </dgm:shape>
+    <dgm:presOf/>
+    <dgm:constrLst>
+      <dgm:constr type="w" for="ch" forName="horz1" refType="w"/>
+      <dgm:constr type="h" for="ch" forName="horz1" refType="h"/>
+      <dgm:constr type="h" for="des" forName="vert1" refType="h"/>
+      <dgm:constr type="h" for="des" forName="tx1" refType="h"/>
+      <dgm:constr type="h" for="des" forName="horz2" refType="h"/>
+      <dgm:constr type="h" for="des" forName="vert2" refType="h"/>
+      <dgm:constr type="h" for="des" forName="horz3" refType="h"/>
+      <dgm:constr type="h" for="des" forName="vert3" refType="h"/>
+      <dgm:constr type="h" for="des" forName="horz4" refType="h"/>
+      <dgm:constr type="h" for="des" ptType="node" refType="h"/>
+      <dgm:constr type="primFontSz" for="des" forName="tx1" op="equ" val="65"/>
+      <dgm:constr type="primFontSz" for="des" forName="tx2" op="equ" val="65"/>
+      <dgm:constr type="primFontSz" for="des" forName="tx3" op="equ" val="65"/>
+      <dgm:constr type="primFontSz" for="des" forName="tx4" op="equ" val="65"/>
+      <dgm:constr type="w" for="des" forName="thickLine" refType="w"/>
+      <dgm:constr type="h" for="des" forName="thickLine"/>
+      <dgm:constr type="h" for="des" forName="thinLine1"/>
+      <dgm:constr type="h" for="des" forName="thinLine2b"/>
+      <dgm:constr type="h" for="des" forName="thinLine3"/>
+      <dgm:constr type="h" for="des" forName="vertSpace2a" refType="h" fact="0.05"/>
+      <dgm:constr type="h" for="des" forName="vertSpace2b" refType="h" refFor="des" refForName="vertSpace2a"/>
+    </dgm:constrLst>
+    <dgm:forEach name="Name3" axis="ch" ptType="node">
+      <dgm:layoutNode name="thickLine" styleLbl="alignNode1">
+        <dgm:alg type="sp"/>
+        <dgm:shape xmlns:r="http://schemas.openxmlformats.org/officeDocument/2006/relationships" type="line" r:blip="">
+          <dgm:adjLst/>
+        </dgm:shape>
+        <dgm:presOf/>
+      </dgm:layoutNode>
+      <dgm:layoutNode name="horz1">
+        <dgm:choose name="Name4">
+          <dgm:if name="Name5" func="var" arg="dir" op="equ" val="norm">
+            <dgm:alg type="lin">
+              <dgm:param type="linDir" val="fromL"/>
+              <dgm:param type="nodeVertAlign" val="t"/>
+            </dgm:alg>
+          </dgm:if>
+          <dgm:else name="Name6">
+            <dgm:alg type="lin">
+              <dgm:param type="linDir" val="fromR"/>
+              <dgm:param type="nodeVertAlign" val="t"/>
+            </dgm:alg>
+          </dgm:else>
+        </dgm:choose>
+        <dgm:shape xmlns:r="http://schemas.openxmlformats.org/officeDocument/2006/relationships" r:blip="">
+          <dgm:adjLst/>
+        </dgm:shape>
+        <dgm:presOf/>
+        <dgm:choose name="Name7">
+          <dgm:if name="Name8" axis="root des" func="maxDepth" op="equ" val="1">
+            <dgm:constrLst>
+              <dgm:constr type="w" for="ch" forName="tx1" refType="w"/>
+            </dgm:constrLst>
+          </dgm:if>
+          <dgm:if name="Name9" axis="root des" func="maxDepth" op="equ" val="2">
+            <dgm:constrLst>
+              <dgm:constr type="w" for="ch" forName="tx1" refType="w" fact="0.2"/>
+              <dgm:constr type="w" for="des" forName="tx2" refType="w" fact="0.785"/>
+              <dgm:constr type="w" for="des" forName="horzSpace2" refType="w" fact="0.015"/>
+              <dgm:constr type="w" for="des" forName="thinLine2b" refType="w" fact="0.8"/>
+            </dgm:constrLst>
+          </dgm:if>
+          <dgm:if name="Name10" axis="root des" func="maxDepth" op="equ" val="3">
+            <dgm:constrLst>
+              <dgm:constr type="w" for="ch" forName="tx1" refType="w" fact="0.2"/>
+              <dgm:constr type="w" for="des" forName="tx2" refType="w" fact="0.385"/>
+              <dgm:constr type="w" for="des" forName="tx3" refType="w" fact="0.385"/>
+              <dgm:constr type="w" for="des" forName="horzSpace2" refType="w" fact="0.015"/>
+              <dgm:constr type="w" for="des" forName="horzSpace3" refType="w" fact="0.015"/>
+              <dgm:constr type="w" for="des" forName="thinLine2b" refType="w" fact="0.8"/>
+              <dgm:constr type="w" for="des" forName="thinLine3" refType="w" fact="0.385"/>
+            </dgm:constrLst>
+          </dgm:if>
+          <dgm:if name="Name11" axis="root des" func="maxDepth" op="gte" val="4">
+            <dgm:constrLst>
+              <dgm:constr type="w" for="ch" forName="tx1" refType="w" fact="0.2"/>
+              <dgm:constr type="w" for="des" forName="tx2" refType="w" fact="0.2516"/>
+              <dgm:constr type="w" for="des" forName="tx3" refType="w" fact="0.2516"/>
+              <dgm:constr type="w" for="des" forName="tx4" refType="w" fact="0.2516"/>
+              <dgm:constr type="w" for="des" forName="horzSpace2" refType="w" fact="0.015"/>
+              <dgm:constr type="w" for="des" forName="horzSpace3" refType="w" fact="0.015"/>
+              <dgm:constr type="w" for="des" forName="horzSpace4" refType="w" fact="0.015"/>
+              <dgm:constr type="w" for="des" forName="thinLine2b" refType="w" fact="0.8"/>
+              <dgm:constr type="w" for="des" forName="thinLine3" refType="w" fact="0.5332"/>
+            </dgm:constrLst>
+          </dgm:if>
+          <dgm:else name="Name12"/>
+        </dgm:choose>
+        <dgm:layoutNode name="tx1" styleLbl="revTx">
+          <dgm:alg type="tx">
+            <dgm:param type="parTxLTRAlign" val="l"/>
+            <dgm:param type="parTxRTLAlign" val="r"/>
+            <dgm:param type="txAnchorVert" val="t"/>
+          </dgm:alg>
+          <dgm:shape xmlns:r="http://schemas.openxmlformats.org/officeDocument/2006/relationships" type="rect" r:blip="">
+            <dgm:adjLst/>
+          </dgm:shape>
+          <dgm:presOf axis="self"/>
+          <dgm:constrLst>
+            <dgm:constr type="tMarg" refType="primFontSz" fact="0.3"/>
+            <dgm:constr type="bMarg" refType="primFontSz" fact="0.3"/>
+            <dgm:constr type="lMarg" refType="primFontSz" fact="0.3"/>
+            <dgm:constr type="rMarg" refType="primFontSz" fact="0.3"/>
+          </dgm:constrLst>
+          <dgm:ruleLst>
+            <dgm:rule type="primFontSz" val="5" fact="NaN" max="NaN"/>
+          </dgm:ruleLst>
+        </dgm:layoutNode>
+        <dgm:layoutNode name="vert1">
+          <dgm:choose name="Name13">
+            <dgm:if name="Name14" func="var" arg="dir" op="equ" val="norm">
+              <dgm:alg type="lin">
+                <dgm:param type="linDir" val="fromT"/>
+                <dgm:param type="nodeHorzAlign" val="l"/>
+              </dgm:alg>
+            </dgm:if>
+            <dgm:else name="Name15">
+              <dgm:alg type="lin">
+                <dgm:param type="linDir" val="fromT"/>
+                <dgm:param type="nodeHorzAlign" val="r"/>
+              </dgm:alg>
+            </dgm:else>
+          </dgm:choose>
+          <dgm:shape xmlns:r="http://schemas.openxmlformats.org/officeDocument/2006/relationships" r:blip="">
+            <dgm:adjLst/>
+          </dgm:shape>
+          <dgm:presOf/>
+          <dgm:forEach name="Name16" axis="ch" ptType="node">
+            <dgm:choose name="Name17">
+              <dgm:if name="Name18" axis="self" ptType="node" func="pos" op="equ" val="1">
+                <dgm:layoutNode name="vertSpace2a">
+                  <dgm:alg type="sp"/>
+                  <dgm:shape xmlns:r="http://schemas.openxmlformats.org/officeDocument/2006/relationships" r:blip="">
+                    <dgm:adjLst/>
+                  </dgm:shape>
+                  <dgm:presOf/>
+                </dgm:layoutNode>
+              </dgm:if>
+              <dgm:else name="Name19"/>
+            </dgm:choose>
+            <dgm:layoutNode name="horz2">
+              <dgm:choose name="Name20">
+                <dgm:if name="Name21" func="var" arg="dir" op="equ" val="norm">
+                  <dgm:alg type="lin">
+                    <dgm:param type="linDir" val="fromL"/>
+                    <dgm:param type="nodeVertAlign" val="t"/>
+                  </dgm:alg>
+                </dgm:if>
+                <dgm:else name="Name22">
+                  <dgm:alg type="lin">
+                    <dgm:param type="linDir" val="fromR"/>
+                    <dgm:param type="nodeVertAlign" val="t"/>
+                  </dgm:alg>
+                </dgm:else>
+              </dgm:choose>
+              <dgm:shape xmlns:r="http://schemas.openxmlformats.org/officeDocument/2006/relationships" r:blip="">
+                <dgm:adjLst/>
+              </dgm:shape>
+              <dgm:presOf/>
+              <dgm:layoutNode name="horzSpace2">
+                <dgm:alg type="sp"/>
+                <dgm:shape xmlns:r="http://schemas.openxmlformats.org/officeDocument/2006/relationships" r:blip="">
+                  <dgm:adjLst/>
+                </dgm:shape>
+                <dgm:presOf/>
+              </dgm:layoutNode>
+              <dgm:layoutNode name="tx2" styleLbl="revTx">
+                <dgm:alg type="tx">
+                  <dgm:param type="parTxLTRAlign" val="l"/>
+                  <dgm:param type="parTxRTLAlign" val="r"/>
+                  <dgm:param type="txAnchorVert" val="t"/>
+                </dgm:alg>
+                <dgm:shape xmlns:r="http://schemas.openxmlformats.org/officeDocument/2006/relationships" type="rect" r:blip="">
+                  <dgm:adjLst/>
+                </dgm:shape>
+                <dgm:presOf axis="self"/>
+                <dgm:constrLst>
+                  <dgm:constr type="tMarg" refType="primFontSz" fact="0.3"/>
+                  <dgm:constr type="bMarg" refType="primFontSz" fact="0.3"/>
+                  <dgm:constr type="lMarg" refType="primFontSz" fact="0.3"/>
+                  <dgm:constr type="rMarg" refType="primFontSz" fact="0.3"/>
+                </dgm:constrLst>
+                <dgm:ruleLst>
+                  <dgm:rule type="primFontSz" val="5" fact="NaN" max="NaN"/>
+                </dgm:ruleLst>
+              </dgm:layoutNode>
+              <dgm:layoutNode name="vert2">
+                <dgm:choose name="Name23">
+                  <dgm:if name="Name24" func="var" arg="dir" op="equ" val="norm">
+                    <dgm:alg type="lin">
+                      <dgm:param type="linDir" val="fromT"/>
+                      <dgm:param type="nodeHorzAlign" val="l"/>
+                    </dgm:alg>
+                  </dgm:if>
+                  <dgm:else name="Name25">
+                    <dgm:alg type="lin">
+                      <dgm:param type="linDir" val="fromT"/>
+                      <dgm:param type="nodeHorzAlign" val="r"/>
+                    </dgm:alg>
+                  </dgm:else>
+                </dgm:choose>
+                <dgm:shape xmlns:r="http://schemas.openxmlformats.org/officeDocument/2006/relationships" r:blip="">
+                  <dgm:adjLst/>
+                </dgm:shape>
+                <dgm:presOf/>
+                <dgm:forEach name="Name26" axis="ch" ptType="node">
+                  <dgm:layoutNode name="horz3">
+                    <dgm:choose name="Name27">
+                      <dgm:if name="Name28" func="var" arg="dir" op="equ" val="norm">
+                        <dgm:alg type="lin">
+                          <dgm:param type="linDir" val="fromL"/>
+                          <dgm:param type="nodeVertAlign" val="t"/>
+                        </dgm:alg>
+                      </dgm:if>
+                      <dgm:else name="Name29">
+                        <dgm:alg type="lin">
+                          <dgm:param type="linDir" val="fromR"/>
+                          <dgm:param type="nodeVertAlign" val="t"/>
+                        </dgm:alg>
+                      </dgm:else>
+                    </dgm:choose>
+                    <dgm:shape xmlns:r="http://schemas.openxmlformats.org/officeDocument/2006/relationships" r:blip="">
+                      <dgm:adjLst/>
+                    </dgm:shape>
+                    <dgm:presOf/>
+                    <dgm:layoutNode name="horzSpace3">
+                      <dgm:alg type="sp"/>
+                      <dgm:shape xmlns:r="http://schemas.openxmlformats.org/officeDocument/2006/relationships" r:blip="">
+                        <dgm:adjLst/>
+                      </dgm:shape>
+                      <dgm:presOf/>
+                    </dgm:layoutNode>
+                    <dgm:layoutNode name="tx3" styleLbl="revTx">
+                      <dgm:alg type="tx">
+                        <dgm:param type="parTxLTRAlign" val="l"/>
+                        <dgm:param type="parTxRTLAlign" val="r"/>
+                        <dgm:param type="txAnchorVert" val="t"/>
+                      </dgm:alg>
+                      <dgm:shape xmlns:r="http://schemas.openxmlformats.org/officeDocument/2006/relationships" type="rect" r:blip="">
+                        <dgm:adjLst/>
+                      </dgm:shape>
+                      <dgm:presOf axis="self"/>
+                      <dgm:constrLst>
+                        <dgm:constr type="tMarg" refType="primFontSz" fact="0.3"/>
+                        <dgm:constr type="bMarg" refType="primFontSz" fact="0.3"/>
+                        <dgm:constr type="lMarg" refType="primFontSz" fact="0.3"/>
+                        <dgm:constr type="rMarg" refType="primFontSz" fact="0.3"/>
+                      </dgm:constrLst>
+                      <dgm:ruleLst>
+                        <dgm:rule type="primFontSz" val="5" fact="NaN" max="NaN"/>
+                      </dgm:ruleLst>
+                    </dgm:layoutNode>
+                    <dgm:layoutNode name="vert3">
+                      <dgm:choose name="Name30">
+                        <dgm:if name="Name31" func="var" arg="dir" op="equ" val="norm">
+                          <dgm:alg type="lin">
+                            <dgm:param type="linDir" val="fromT"/>
+                            <dgm:param type="nodeHorzAlign" val="l"/>
+                          </dgm:alg>
+                        </dgm:if>
+                        <dgm:else name="Name32">
+                          <dgm:alg type="lin">
+                            <dgm:param type="linDir" val="fromT"/>
+                            <dgm:param type="nodeHorzAlign" val="r"/>
+                          </dgm:alg>
+                        </dgm:else>
+                      </dgm:choose>
+                      <dgm:shape xmlns:r="http://schemas.openxmlformats.org/officeDocument/2006/relationships" r:blip="">
+                        <dgm:adjLst/>
+                      </dgm:shape>
+                      <dgm:presOf/>
+                      <dgm:forEach name="Name33" axis="ch" ptType="node">
+                        <dgm:layoutNode name="horz4">
+                          <dgm:choose name="Name34">
+                            <dgm:if name="Name35" func="var" arg="dir" op="equ" val="norm">
+                              <dgm:alg type="lin">
+                                <dgm:param type="linDir" val="fromL"/>
+                                <dgm:param type="nodeVertAlign" val="t"/>
+                              </dgm:alg>
+                            </dgm:if>
+                            <dgm:else name="Name36">
+                              <dgm:alg type="lin">
+                                <dgm:param type="linDir" val="fromR"/>
+                                <dgm:param type="nodeVertAlign" val="t"/>
+                              </dgm:alg>
+                            </dgm:else>
+                          </dgm:choose>
+                          <dgm:shape xmlns:r="http://schemas.openxmlformats.org/officeDocument/2006/relationships" r:blip="">
+                            <dgm:adjLst/>
+                          </dgm:shape>
+                          <dgm:presOf/>
+                          <dgm:layoutNode name="horzSpace4">
+                            <dgm:alg type="sp"/>
+                            <dgm:shape xmlns:r="http://schemas.openxmlformats.org/officeDocument/2006/relationships" r:blip="">
+                              <dgm:adjLst/>
+                            </dgm:shape>
+                            <dgm:presOf/>
+                          </dgm:layoutNode>
+                          <dgm:layoutNode name="tx4" styleLbl="revTx">
+                            <dgm:varLst>
+                              <dgm:bulletEnabled val="1"/>
+                            </dgm:varLst>
+                            <dgm:alg type="tx">
+                              <dgm:param type="parTxLTRAlign" val="l"/>
+                              <dgm:param type="parTxRTLAlign" val="r"/>
+                              <dgm:param type="txAnchorVert" val="t"/>
+                            </dgm:alg>
+                            <dgm:shape xmlns:r="http://schemas.openxmlformats.org/officeDocument/2006/relationships" type="rect" r:blip="">
+                              <dgm:adjLst/>
+                            </dgm:shape>
+                            <dgm:presOf axis="desOrSelf" ptType="node"/>
+                            <dgm:constrLst>
+                              <dgm:constr type="tMarg" refType="primFontSz" fact="0.3"/>
+                              <dgm:constr type="bMarg" refType="primFontSz" fact="0.3"/>
+                              <dgm:constr type="lMarg" refType="primFontSz" fact="0.3"/>
+                              <dgm:constr type="rMarg" refType="primFontSz" fact="0.3"/>
+                            </dgm:constrLst>
+                            <dgm:ruleLst>
+                              <dgm:rule type="primFontSz" val="5" fact="NaN" max="NaN"/>
+                            </dgm:ruleLst>
+                          </dgm:layoutNode>
+                        </dgm:layoutNode>
+                      </dgm:forEach>
+                    </dgm:layoutNode>
+                  </dgm:layoutNode>
+                  <dgm:forEach name="Name37" axis="followSib" ptType="sibTrans" cnt="1">
+                    <dgm:layoutNode name="thinLine3" styleLbl="callout">
+                      <dgm:alg type="sp"/>
+                      <dgm:shape xmlns:r="http://schemas.openxmlformats.org/officeDocument/2006/relationships" type="line" r:blip="">
+                        <dgm:adjLst/>
+                      </dgm:shape>
+                      <dgm:presOf/>
+                    </dgm:layoutNode>
+                  </dgm:forEach>
+                </dgm:forEach>
+              </dgm:layoutNode>
+            </dgm:layoutNode>
+            <dgm:layoutNode name="thinLine2b" styleLbl="callout">
+              <dgm:alg type="sp"/>
+              <dgm:shape xmlns:r="http://schemas.openxmlformats.org/officeDocument/2006/relationships" type="line" r:blip="">
+                <dgm:adjLst/>
+              </dgm:shape>
+              <dgm:presOf/>
+            </dgm:layoutNode>
+            <dgm:layoutNode name="vertSpace2b">
+              <dgm:alg type="sp"/>
+              <dgm:shape xmlns:r="http://schemas.openxmlformats.org/officeDocument/2006/relationships" r:blip="">
+                <dgm:adjLst/>
+              </dgm:shape>
+              <dgm:presOf/>
+            </dgm:layoutNode>
+          </dgm:forEach>
+        </dgm:layoutNode>
+      </dgm:layoutNode>
+    </dgm:forEach>
+  </dgm:layoutNode>
+</dgm:layoutDef>
+</file>
+
+<file path=ppt/diagrams/layout2.xml><?xml version="1.0" encoding="utf-8"?>
 <dgm:layoutDef xmlns:dgm="http://schemas.openxmlformats.org/drawingml/2006/diagram" xmlns:a="http://schemas.openxmlformats.org/drawingml/2006/main" uniqueId="urn:microsoft.com/office/officeart/2018/2/layout/IconLabelDescriptionList">
   <dgm:title val="Icon Label Description List"/>
   <dgm:desc val="Use to show non-sequential or grouped chunks of information. The placeholder holds an icon or small picture, and corresponding text boxes show Level 1 and Level 2 text respectively. Works well for minimal Level 1 text accompanied by lengthier Level two text."/>
@@ -9956,7 +12014,7 @@
 </dgm:layoutDef>
 </file>
 
-<file path=ppt/diagrams/layout2.xml><?xml version="1.0" encoding="utf-8"?>
+<file path=ppt/diagrams/layout3.xml><?xml version="1.0" encoding="utf-8"?>
 <dgm:layoutDef xmlns:dgm="http://schemas.openxmlformats.org/drawingml/2006/diagram" xmlns:a="http://schemas.openxmlformats.org/drawingml/2006/main" uniqueId="urn:microsoft.com/office/officeart/2005/8/layout/hierarchy3">
   <dgm:title val=""/>
   <dgm:desc val=""/>
@@ -10248,7 +12306,7 @@
 </dgm:layoutDef>
 </file>
 
-<file path=ppt/diagrams/layout3.xml><?xml version="1.0" encoding="utf-8"?>
+<file path=ppt/diagrams/layout4.xml><?xml version="1.0" encoding="utf-8"?>
 <dgm:layoutDef xmlns:dgm="http://schemas.openxmlformats.org/drawingml/2006/diagram" xmlns:a="http://schemas.openxmlformats.org/drawingml/2006/main" uniqueId="urn:microsoft.com/office/officeart/2005/8/layout/arrow5">
   <dgm:title val=""/>
   <dgm:desc val=""/>
@@ -10440,7 +12498,7 @@
 </dgm:layoutDef>
 </file>
 
-<file path=ppt/diagrams/layout4.xml><?xml version="1.0" encoding="utf-8"?>
+<file path=ppt/diagrams/layout5.xml><?xml version="1.0" encoding="utf-8"?>
 <dgm:layoutDef xmlns:dgm="http://schemas.openxmlformats.org/drawingml/2006/diagram" xmlns:a="http://schemas.openxmlformats.org/drawingml/2006/main" uniqueId="urn:microsoft.com/office/officeart/2005/8/layout/vProcess5">
   <dgm:title val=""/>
   <dgm:desc val=""/>
@@ -11666,7 +13724,7 @@
 </dgm:layoutDef>
 </file>
 
-<file path=ppt/diagrams/layout5.xml><?xml version="1.0" encoding="utf-8"?>
+<file path=ppt/diagrams/layout6.xml><?xml version="1.0" encoding="utf-8"?>
 <dgm:layoutDef xmlns:dgm="http://schemas.openxmlformats.org/drawingml/2006/diagram" xmlns:a="http://schemas.openxmlformats.org/drawingml/2006/main" uniqueId="urn:microsoft.com/office/officeart/2005/8/layout/default">
   <dgm:title val=""/>
   <dgm:desc val=""/>
@@ -11813,7 +13871,7 @@
 </dgm:layoutDef>
 </file>
 
-<file path=ppt/diagrams/layout6.xml><?xml version="1.0" encoding="utf-8"?>
+<file path=ppt/diagrams/layout7.xml><?xml version="1.0" encoding="utf-8"?>
 <dgm:layoutDef xmlns:dgm="http://schemas.openxmlformats.org/drawingml/2006/diagram" xmlns:a="http://schemas.openxmlformats.org/drawingml/2006/main" uniqueId="urn:microsoft.com/office/officeart/2005/8/layout/orgChart1">
   <dgm:title val=""/>
   <dgm:desc val=""/>
@@ -19163,6 +21221,1040 @@
 </dgm:styleDef>
 </file>
 
+<file path=ppt/diagrams/quickStyle7.xml><?xml version="1.0" encoding="utf-8"?>
+<dgm:styleDef xmlns:dgm="http://schemas.openxmlformats.org/drawingml/2006/diagram" xmlns:a="http://schemas.openxmlformats.org/drawingml/2006/main" uniqueId="urn:microsoft.com/office/officeart/2005/8/quickstyle/simple1">
+  <dgm:title val=""/>
+  <dgm:desc val=""/>
+  <dgm:catLst>
+    <dgm:cat type="simple" pri="10100"/>
+  </dgm:catLst>
+  <dgm:scene3d>
+    <a:camera prst="orthographicFront"/>
+    <a:lightRig rig="threePt" dir="t"/>
+  </dgm:scene3d>
+  <dgm:styleLbl name="node0">
+    <dgm:scene3d>
+      <a:camera prst="orthographicFront"/>
+      <a:lightRig rig="threePt" dir="t"/>
+    </dgm:scene3d>
+    <dgm:sp3d/>
+    <dgm:txPr/>
+    <dgm:style>
+      <a:lnRef idx="2">
+        <a:scrgbClr r="0" g="0" b="0"/>
+      </a:lnRef>
+      <a:fillRef idx="1">
+        <a:scrgbClr r="0" g="0" b="0"/>
+      </a:fillRef>
+      <a:effectRef idx="0">
+        <a:scrgbClr r="0" g="0" b="0"/>
+      </a:effectRef>
+      <a:fontRef idx="minor">
+        <a:schemeClr val="lt1"/>
+      </a:fontRef>
+    </dgm:style>
+  </dgm:styleLbl>
+  <dgm:styleLbl name="lnNode1">
+    <dgm:scene3d>
+      <a:camera prst="orthographicFront"/>
+      <a:lightRig rig="threePt" dir="t"/>
+    </dgm:scene3d>
+    <dgm:sp3d/>
+    <dgm:txPr/>
+    <dgm:style>
+      <a:lnRef idx="2">
+        <a:scrgbClr r="0" g="0" b="0"/>
+      </a:lnRef>
+      <a:fillRef idx="1">
+        <a:scrgbClr r="0" g="0" b="0"/>
+      </a:fillRef>
+      <a:effectRef idx="0">
+        <a:scrgbClr r="0" g="0" b="0"/>
+      </a:effectRef>
+      <a:fontRef idx="minor">
+        <a:schemeClr val="lt1"/>
+      </a:fontRef>
+    </dgm:style>
+  </dgm:styleLbl>
+  <dgm:styleLbl name="vennNode1">
+    <dgm:scene3d>
+      <a:camera prst="orthographicFront"/>
+      <a:lightRig rig="threePt" dir="t"/>
+    </dgm:scene3d>
+    <dgm:sp3d/>
+    <dgm:txPr/>
+    <dgm:style>
+      <a:lnRef idx="2">
+        <a:scrgbClr r="0" g="0" b="0"/>
+      </a:lnRef>
+      <a:fillRef idx="1">
+        <a:scrgbClr r="0" g="0" b="0"/>
+      </a:fillRef>
+      <a:effectRef idx="0">
+        <a:scrgbClr r="0" g="0" b="0"/>
+      </a:effectRef>
+      <a:fontRef idx="minor">
+        <a:schemeClr val="tx1"/>
+      </a:fontRef>
+    </dgm:style>
+  </dgm:styleLbl>
+  <dgm:styleLbl name="alignNode1">
+    <dgm:scene3d>
+      <a:camera prst="orthographicFront"/>
+      <a:lightRig rig="threePt" dir="t"/>
+    </dgm:scene3d>
+    <dgm:sp3d/>
+    <dgm:txPr/>
+    <dgm:style>
+      <a:lnRef idx="2">
+        <a:scrgbClr r="0" g="0" b="0"/>
+      </a:lnRef>
+      <a:fillRef idx="1">
+        <a:scrgbClr r="0" g="0" b="0"/>
+      </a:fillRef>
+      <a:effectRef idx="0">
+        <a:scrgbClr r="0" g="0" b="0"/>
+      </a:effectRef>
+      <a:fontRef idx="minor">
+        <a:schemeClr val="lt1"/>
+      </a:fontRef>
+    </dgm:style>
+  </dgm:styleLbl>
+  <dgm:styleLbl name="node1">
+    <dgm:scene3d>
+      <a:camera prst="orthographicFront"/>
+      <a:lightRig rig="threePt" dir="t"/>
+    </dgm:scene3d>
+    <dgm:sp3d/>
+    <dgm:txPr/>
+    <dgm:style>
+      <a:lnRef idx="2">
+        <a:scrgbClr r="0" g="0" b="0"/>
+      </a:lnRef>
+      <a:fillRef idx="1">
+        <a:scrgbClr r="0" g="0" b="0"/>
+      </a:fillRef>
+      <a:effectRef idx="0">
+        <a:scrgbClr r="0" g="0" b="0"/>
+      </a:effectRef>
+      <a:fontRef idx="minor">
+        <a:schemeClr val="lt1"/>
+      </a:fontRef>
+    </dgm:style>
+  </dgm:styleLbl>
+  <dgm:styleLbl name="node2">
+    <dgm:scene3d>
+      <a:camera prst="orthographicFront"/>
+      <a:lightRig rig="threePt" dir="t"/>
+    </dgm:scene3d>
+    <dgm:sp3d/>
+    <dgm:txPr/>
+    <dgm:style>
+      <a:lnRef idx="2">
+        <a:scrgbClr r="0" g="0" b="0"/>
+      </a:lnRef>
+      <a:fillRef idx="1">
+        <a:scrgbClr r="0" g="0" b="0"/>
+      </a:fillRef>
+      <a:effectRef idx="0">
+        <a:scrgbClr r="0" g="0" b="0"/>
+      </a:effectRef>
+      <a:fontRef idx="minor">
+        <a:schemeClr val="lt1"/>
+      </a:fontRef>
+    </dgm:style>
+  </dgm:styleLbl>
+  <dgm:styleLbl name="node3">
+    <dgm:scene3d>
+      <a:camera prst="orthographicFront"/>
+      <a:lightRig rig="threePt" dir="t"/>
+    </dgm:scene3d>
+    <dgm:sp3d/>
+    <dgm:txPr/>
+    <dgm:style>
+      <a:lnRef idx="2">
+        <a:scrgbClr r="0" g="0" b="0"/>
+      </a:lnRef>
+      <a:fillRef idx="1">
+        <a:scrgbClr r="0" g="0" b="0"/>
+      </a:fillRef>
+      <a:effectRef idx="0">
+        <a:scrgbClr r="0" g="0" b="0"/>
+      </a:effectRef>
+      <a:fontRef idx="minor">
+        <a:schemeClr val="lt1"/>
+      </a:fontRef>
+    </dgm:style>
+  </dgm:styleLbl>
+  <dgm:styleLbl name="node4">
+    <dgm:scene3d>
+      <a:camera prst="orthographicFront"/>
+      <a:lightRig rig="threePt" dir="t"/>
+    </dgm:scene3d>
+    <dgm:sp3d/>
+    <dgm:txPr/>
+    <dgm:style>
+      <a:lnRef idx="2">
+        <a:scrgbClr r="0" g="0" b="0"/>
+      </a:lnRef>
+      <a:fillRef idx="1">
+        <a:scrgbClr r="0" g="0" b="0"/>
+      </a:fillRef>
+      <a:effectRef idx="0">
+        <a:scrgbClr r="0" g="0" b="0"/>
+      </a:effectRef>
+      <a:fontRef idx="minor">
+        <a:schemeClr val="lt1"/>
+      </a:fontRef>
+    </dgm:style>
+  </dgm:styleLbl>
+  <dgm:styleLbl name="fgImgPlace1">
+    <dgm:scene3d>
+      <a:camera prst="orthographicFront"/>
+      <a:lightRig rig="threePt" dir="t"/>
+    </dgm:scene3d>
+    <dgm:sp3d/>
+    <dgm:txPr/>
+    <dgm:style>
+      <a:lnRef idx="2">
+        <a:scrgbClr r="0" g="0" b="0"/>
+      </a:lnRef>
+      <a:fillRef idx="1">
+        <a:scrgbClr r="0" g="0" b="0"/>
+      </a:fillRef>
+      <a:effectRef idx="0">
+        <a:scrgbClr r="0" g="0" b="0"/>
+      </a:effectRef>
+      <a:fontRef idx="minor"/>
+    </dgm:style>
+  </dgm:styleLbl>
+  <dgm:styleLbl name="alignImgPlace1">
+    <dgm:scene3d>
+      <a:camera prst="orthographicFront"/>
+      <a:lightRig rig="threePt" dir="t"/>
+    </dgm:scene3d>
+    <dgm:sp3d/>
+    <dgm:txPr/>
+    <dgm:style>
+      <a:lnRef idx="2">
+        <a:scrgbClr r="0" g="0" b="0"/>
+      </a:lnRef>
+      <a:fillRef idx="1">
+        <a:scrgbClr r="0" g="0" b="0"/>
+      </a:fillRef>
+      <a:effectRef idx="0">
+        <a:scrgbClr r="0" g="0" b="0"/>
+      </a:effectRef>
+      <a:fontRef idx="minor"/>
+    </dgm:style>
+  </dgm:styleLbl>
+  <dgm:styleLbl name="bgImgPlace1">
+    <dgm:scene3d>
+      <a:camera prst="orthographicFront"/>
+      <a:lightRig rig="threePt" dir="t"/>
+    </dgm:scene3d>
+    <dgm:sp3d/>
+    <dgm:txPr/>
+    <dgm:style>
+      <a:lnRef idx="2">
+        <a:scrgbClr r="0" g="0" b="0"/>
+      </a:lnRef>
+      <a:fillRef idx="1">
+        <a:scrgbClr r="0" g="0" b="0"/>
+      </a:fillRef>
+      <a:effectRef idx="0">
+        <a:scrgbClr r="0" g="0" b="0"/>
+      </a:effectRef>
+      <a:fontRef idx="minor"/>
+    </dgm:style>
+  </dgm:styleLbl>
+  <dgm:styleLbl name="sibTrans2D1">
+    <dgm:scene3d>
+      <a:camera prst="orthographicFront"/>
+      <a:lightRig rig="threePt" dir="t"/>
+    </dgm:scene3d>
+    <dgm:sp3d/>
+    <dgm:txPr/>
+    <dgm:style>
+      <a:lnRef idx="0">
+        <a:scrgbClr r="0" g="0" b="0"/>
+      </a:lnRef>
+      <a:fillRef idx="1">
+        <a:scrgbClr r="0" g="0" b="0"/>
+      </a:fillRef>
+      <a:effectRef idx="0">
+        <a:scrgbClr r="0" g="0" b="0"/>
+      </a:effectRef>
+      <a:fontRef idx="minor">
+        <a:schemeClr val="lt1"/>
+      </a:fontRef>
+    </dgm:style>
+  </dgm:styleLbl>
+  <dgm:styleLbl name="fgSibTrans2D1">
+    <dgm:scene3d>
+      <a:camera prst="orthographicFront"/>
+      <a:lightRig rig="threePt" dir="t"/>
+    </dgm:scene3d>
+    <dgm:sp3d/>
+    <dgm:txPr/>
+    <dgm:style>
+      <a:lnRef idx="0">
+        <a:scrgbClr r="0" g="0" b="0"/>
+      </a:lnRef>
+      <a:fillRef idx="1">
+        <a:scrgbClr r="0" g="0" b="0"/>
+      </a:fillRef>
+      <a:effectRef idx="0">
+        <a:scrgbClr r="0" g="0" b="0"/>
+      </a:effectRef>
+      <a:fontRef idx="minor">
+        <a:schemeClr val="lt1"/>
+      </a:fontRef>
+    </dgm:style>
+  </dgm:styleLbl>
+  <dgm:styleLbl name="bgSibTrans2D1">
+    <dgm:scene3d>
+      <a:camera prst="orthographicFront"/>
+      <a:lightRig rig="threePt" dir="t"/>
+    </dgm:scene3d>
+    <dgm:sp3d/>
+    <dgm:txPr/>
+    <dgm:style>
+      <a:lnRef idx="0">
+        <a:scrgbClr r="0" g="0" b="0"/>
+      </a:lnRef>
+      <a:fillRef idx="1">
+        <a:scrgbClr r="0" g="0" b="0"/>
+      </a:fillRef>
+      <a:effectRef idx="0">
+        <a:scrgbClr r="0" g="0" b="0"/>
+      </a:effectRef>
+      <a:fontRef idx="minor">
+        <a:schemeClr val="lt1"/>
+      </a:fontRef>
+    </dgm:style>
+  </dgm:styleLbl>
+  <dgm:styleLbl name="sibTrans1D1">
+    <dgm:scene3d>
+      <a:camera prst="orthographicFront"/>
+      <a:lightRig rig="threePt" dir="t"/>
+    </dgm:scene3d>
+    <dgm:sp3d/>
+    <dgm:txPr/>
+    <dgm:style>
+      <a:lnRef idx="1">
+        <a:scrgbClr r="0" g="0" b="0"/>
+      </a:lnRef>
+      <a:fillRef idx="0">
+        <a:scrgbClr r="0" g="0" b="0"/>
+      </a:fillRef>
+      <a:effectRef idx="0">
+        <a:scrgbClr r="0" g="0" b="0"/>
+      </a:effectRef>
+      <a:fontRef idx="minor"/>
+    </dgm:style>
+  </dgm:styleLbl>
+  <dgm:styleLbl name="callout">
+    <dgm:scene3d>
+      <a:camera prst="orthographicFront"/>
+      <a:lightRig rig="threePt" dir="t"/>
+    </dgm:scene3d>
+    <dgm:sp3d/>
+    <dgm:txPr/>
+    <dgm:style>
+      <a:lnRef idx="2">
+        <a:scrgbClr r="0" g="0" b="0"/>
+      </a:lnRef>
+      <a:fillRef idx="1">
+        <a:scrgbClr r="0" g="0" b="0"/>
+      </a:fillRef>
+      <a:effectRef idx="0">
+        <a:scrgbClr r="0" g="0" b="0"/>
+      </a:effectRef>
+      <a:fontRef idx="minor"/>
+    </dgm:style>
+  </dgm:styleLbl>
+  <dgm:styleLbl name="asst0">
+    <dgm:scene3d>
+      <a:camera prst="orthographicFront"/>
+      <a:lightRig rig="threePt" dir="t"/>
+    </dgm:scene3d>
+    <dgm:sp3d/>
+    <dgm:txPr/>
+    <dgm:style>
+      <a:lnRef idx="2">
+        <a:scrgbClr r="0" g="0" b="0"/>
+      </a:lnRef>
+      <a:fillRef idx="1">
+        <a:scrgbClr r="0" g="0" b="0"/>
+      </a:fillRef>
+      <a:effectRef idx="0">
+        <a:scrgbClr r="0" g="0" b="0"/>
+      </a:effectRef>
+      <a:fontRef idx="minor">
+        <a:schemeClr val="lt1"/>
+      </a:fontRef>
+    </dgm:style>
+  </dgm:styleLbl>
+  <dgm:styleLbl name="asst1">
+    <dgm:scene3d>
+      <a:camera prst="orthographicFront"/>
+      <a:lightRig rig="threePt" dir="t"/>
+    </dgm:scene3d>
+    <dgm:sp3d/>
+    <dgm:txPr/>
+    <dgm:style>
+      <a:lnRef idx="2">
+        <a:scrgbClr r="0" g="0" b="0"/>
+      </a:lnRef>
+      <a:fillRef idx="1">
+        <a:scrgbClr r="0" g="0" b="0"/>
+      </a:fillRef>
+      <a:effectRef idx="0">
+        <a:scrgbClr r="0" g="0" b="0"/>
+      </a:effectRef>
+      <a:fontRef idx="minor">
+        <a:schemeClr val="lt1"/>
+      </a:fontRef>
+    </dgm:style>
+  </dgm:styleLbl>
+  <dgm:styleLbl name="asst2">
+    <dgm:scene3d>
+      <a:camera prst="orthographicFront"/>
+      <a:lightRig rig="threePt" dir="t"/>
+    </dgm:scene3d>
+    <dgm:sp3d/>
+    <dgm:txPr/>
+    <dgm:style>
+      <a:lnRef idx="2">
+        <a:scrgbClr r="0" g="0" b="0"/>
+      </a:lnRef>
+      <a:fillRef idx="1">
+        <a:scrgbClr r="0" g="0" b="0"/>
+      </a:fillRef>
+      <a:effectRef idx="0">
+        <a:scrgbClr r="0" g="0" b="0"/>
+      </a:effectRef>
+      <a:fontRef idx="minor">
+        <a:schemeClr val="lt1"/>
+      </a:fontRef>
+    </dgm:style>
+  </dgm:styleLbl>
+  <dgm:styleLbl name="asst3">
+    <dgm:scene3d>
+      <a:camera prst="orthographicFront"/>
+      <a:lightRig rig="threePt" dir="t"/>
+    </dgm:scene3d>
+    <dgm:sp3d/>
+    <dgm:txPr/>
+    <dgm:style>
+      <a:lnRef idx="2">
+        <a:scrgbClr r="0" g="0" b="0"/>
+      </a:lnRef>
+      <a:fillRef idx="1">
+        <a:scrgbClr r="0" g="0" b="0"/>
+      </a:fillRef>
+      <a:effectRef idx="0">
+        <a:scrgbClr r="0" g="0" b="0"/>
+      </a:effectRef>
+      <a:fontRef idx="minor">
+        <a:schemeClr val="lt1"/>
+      </a:fontRef>
+    </dgm:style>
+  </dgm:styleLbl>
+  <dgm:styleLbl name="asst4">
+    <dgm:scene3d>
+      <a:camera prst="orthographicFront"/>
+      <a:lightRig rig="threePt" dir="t"/>
+    </dgm:scene3d>
+    <dgm:sp3d/>
+    <dgm:txPr/>
+    <dgm:style>
+      <a:lnRef idx="2">
+        <a:scrgbClr r="0" g="0" b="0"/>
+      </a:lnRef>
+      <a:fillRef idx="1">
+        <a:scrgbClr r="0" g="0" b="0"/>
+      </a:fillRef>
+      <a:effectRef idx="0">
+        <a:scrgbClr r="0" g="0" b="0"/>
+      </a:effectRef>
+      <a:fontRef idx="minor">
+        <a:schemeClr val="lt1"/>
+      </a:fontRef>
+    </dgm:style>
+  </dgm:styleLbl>
+  <dgm:styleLbl name="parChTrans2D1">
+    <dgm:scene3d>
+      <a:camera prst="orthographicFront"/>
+      <a:lightRig rig="threePt" dir="t"/>
+    </dgm:scene3d>
+    <dgm:sp3d/>
+    <dgm:txPr/>
+    <dgm:style>
+      <a:lnRef idx="2">
+        <a:scrgbClr r="0" g="0" b="0"/>
+      </a:lnRef>
+      <a:fillRef idx="1">
+        <a:scrgbClr r="0" g="0" b="0"/>
+      </a:fillRef>
+      <a:effectRef idx="0">
+        <a:scrgbClr r="0" g="0" b="0"/>
+      </a:effectRef>
+      <a:fontRef idx="minor">
+        <a:schemeClr val="lt1"/>
+      </a:fontRef>
+    </dgm:style>
+  </dgm:styleLbl>
+  <dgm:styleLbl name="parChTrans2D2">
+    <dgm:scene3d>
+      <a:camera prst="orthographicFront"/>
+      <a:lightRig rig="threePt" dir="t"/>
+    </dgm:scene3d>
+    <dgm:sp3d/>
+    <dgm:txPr/>
+    <dgm:style>
+      <a:lnRef idx="2">
+        <a:scrgbClr r="0" g="0" b="0"/>
+      </a:lnRef>
+      <a:fillRef idx="1">
+        <a:scrgbClr r="0" g="0" b="0"/>
+      </a:fillRef>
+      <a:effectRef idx="0">
+        <a:scrgbClr r="0" g="0" b="0"/>
+      </a:effectRef>
+      <a:fontRef idx="minor">
+        <a:schemeClr val="lt1"/>
+      </a:fontRef>
+    </dgm:style>
+  </dgm:styleLbl>
+  <dgm:styleLbl name="parChTrans2D3">
+    <dgm:scene3d>
+      <a:camera prst="orthographicFront"/>
+      <a:lightRig rig="threePt" dir="t"/>
+    </dgm:scene3d>
+    <dgm:sp3d/>
+    <dgm:txPr/>
+    <dgm:style>
+      <a:lnRef idx="2">
+        <a:scrgbClr r="0" g="0" b="0"/>
+      </a:lnRef>
+      <a:fillRef idx="1">
+        <a:scrgbClr r="0" g="0" b="0"/>
+      </a:fillRef>
+      <a:effectRef idx="0">
+        <a:scrgbClr r="0" g="0" b="0"/>
+      </a:effectRef>
+      <a:fontRef idx="minor">
+        <a:schemeClr val="lt1"/>
+      </a:fontRef>
+    </dgm:style>
+  </dgm:styleLbl>
+  <dgm:styleLbl name="parChTrans2D4">
+    <dgm:scene3d>
+      <a:camera prst="orthographicFront"/>
+      <a:lightRig rig="threePt" dir="t"/>
+    </dgm:scene3d>
+    <dgm:sp3d/>
+    <dgm:txPr/>
+    <dgm:style>
+      <a:lnRef idx="2">
+        <a:scrgbClr r="0" g="0" b="0"/>
+      </a:lnRef>
+      <a:fillRef idx="1">
+        <a:scrgbClr r="0" g="0" b="0"/>
+      </a:fillRef>
+      <a:effectRef idx="0">
+        <a:scrgbClr r="0" g="0" b="0"/>
+      </a:effectRef>
+      <a:fontRef idx="minor">
+        <a:schemeClr val="lt1"/>
+      </a:fontRef>
+    </dgm:style>
+  </dgm:styleLbl>
+  <dgm:styleLbl name="parChTrans1D1">
+    <dgm:scene3d>
+      <a:camera prst="orthographicFront"/>
+      <a:lightRig rig="threePt" dir="t"/>
+    </dgm:scene3d>
+    <dgm:sp3d/>
+    <dgm:txPr/>
+    <dgm:style>
+      <a:lnRef idx="2">
+        <a:scrgbClr r="0" g="0" b="0"/>
+      </a:lnRef>
+      <a:fillRef idx="0">
+        <a:scrgbClr r="0" g="0" b="0"/>
+      </a:fillRef>
+      <a:effectRef idx="0">
+        <a:scrgbClr r="0" g="0" b="0"/>
+      </a:effectRef>
+      <a:fontRef idx="minor"/>
+    </dgm:style>
+  </dgm:styleLbl>
+  <dgm:styleLbl name="parChTrans1D2">
+    <dgm:scene3d>
+      <a:camera prst="orthographicFront"/>
+      <a:lightRig rig="threePt" dir="t"/>
+    </dgm:scene3d>
+    <dgm:sp3d/>
+    <dgm:txPr/>
+    <dgm:style>
+      <a:lnRef idx="2">
+        <a:scrgbClr r="0" g="0" b="0"/>
+      </a:lnRef>
+      <a:fillRef idx="0">
+        <a:scrgbClr r="0" g="0" b="0"/>
+      </a:fillRef>
+      <a:effectRef idx="0">
+        <a:scrgbClr r="0" g="0" b="0"/>
+      </a:effectRef>
+      <a:fontRef idx="minor"/>
+    </dgm:style>
+  </dgm:styleLbl>
+  <dgm:styleLbl name="parChTrans1D3">
+    <dgm:scene3d>
+      <a:camera prst="orthographicFront"/>
+      <a:lightRig rig="threePt" dir="t"/>
+    </dgm:scene3d>
+    <dgm:sp3d/>
+    <dgm:txPr/>
+    <dgm:style>
+      <a:lnRef idx="2">
+        <a:scrgbClr r="0" g="0" b="0"/>
+      </a:lnRef>
+      <a:fillRef idx="0">
+        <a:scrgbClr r="0" g="0" b="0"/>
+      </a:fillRef>
+      <a:effectRef idx="0">
+        <a:scrgbClr r="0" g="0" b="0"/>
+      </a:effectRef>
+      <a:fontRef idx="minor"/>
+    </dgm:style>
+  </dgm:styleLbl>
+  <dgm:styleLbl name="parChTrans1D4">
+    <dgm:scene3d>
+      <a:camera prst="orthographicFront"/>
+      <a:lightRig rig="threePt" dir="t"/>
+    </dgm:scene3d>
+    <dgm:sp3d/>
+    <dgm:txPr/>
+    <dgm:style>
+      <a:lnRef idx="2">
+        <a:scrgbClr r="0" g="0" b="0"/>
+      </a:lnRef>
+      <a:fillRef idx="0">
+        <a:scrgbClr r="0" g="0" b="0"/>
+      </a:fillRef>
+      <a:effectRef idx="0">
+        <a:scrgbClr r="0" g="0" b="0"/>
+      </a:effectRef>
+      <a:fontRef idx="minor"/>
+    </dgm:style>
+  </dgm:styleLbl>
+  <dgm:styleLbl name="fgAcc1">
+    <dgm:scene3d>
+      <a:camera prst="orthographicFront"/>
+      <a:lightRig rig="threePt" dir="t"/>
+    </dgm:scene3d>
+    <dgm:sp3d/>
+    <dgm:txPr/>
+    <dgm:style>
+      <a:lnRef idx="2">
+        <a:scrgbClr r="0" g="0" b="0"/>
+      </a:lnRef>
+      <a:fillRef idx="1">
+        <a:scrgbClr r="0" g="0" b="0"/>
+      </a:fillRef>
+      <a:effectRef idx="0">
+        <a:scrgbClr r="0" g="0" b="0"/>
+      </a:effectRef>
+      <a:fontRef idx="minor"/>
+    </dgm:style>
+  </dgm:styleLbl>
+  <dgm:styleLbl name="conFgAcc1">
+    <dgm:scene3d>
+      <a:camera prst="orthographicFront"/>
+      <a:lightRig rig="threePt" dir="t"/>
+    </dgm:scene3d>
+    <dgm:sp3d/>
+    <dgm:txPr/>
+    <dgm:style>
+      <a:lnRef idx="2">
+        <a:scrgbClr r="0" g="0" b="0"/>
+      </a:lnRef>
+      <a:fillRef idx="1">
+        <a:scrgbClr r="0" g="0" b="0"/>
+      </a:fillRef>
+      <a:effectRef idx="0">
+        <a:scrgbClr r="0" g="0" b="0"/>
+      </a:effectRef>
+      <a:fontRef idx="minor"/>
+    </dgm:style>
+  </dgm:styleLbl>
+  <dgm:styleLbl name="alignAcc1">
+    <dgm:scene3d>
+      <a:camera prst="orthographicFront"/>
+      <a:lightRig rig="threePt" dir="t"/>
+    </dgm:scene3d>
+    <dgm:sp3d/>
+    <dgm:txPr/>
+    <dgm:style>
+      <a:lnRef idx="2">
+        <a:scrgbClr r="0" g="0" b="0"/>
+      </a:lnRef>
+      <a:fillRef idx="1">
+        <a:scrgbClr r="0" g="0" b="0"/>
+      </a:fillRef>
+      <a:effectRef idx="0">
+        <a:scrgbClr r="0" g="0" b="0"/>
+      </a:effectRef>
+      <a:fontRef idx="minor"/>
+    </dgm:style>
+  </dgm:styleLbl>
+  <dgm:styleLbl name="trAlignAcc1">
+    <dgm:scene3d>
+      <a:camera prst="orthographicFront"/>
+      <a:lightRig rig="threePt" dir="t"/>
+    </dgm:scene3d>
+    <dgm:sp3d/>
+    <dgm:txPr/>
+    <dgm:style>
+      <a:lnRef idx="1">
+        <a:scrgbClr r="0" g="0" b="0"/>
+      </a:lnRef>
+      <a:fillRef idx="1">
+        <a:scrgbClr r="0" g="0" b="0"/>
+      </a:fillRef>
+      <a:effectRef idx="0">
+        <a:scrgbClr r="0" g="0" b="0"/>
+      </a:effectRef>
+      <a:fontRef idx="minor"/>
+    </dgm:style>
+  </dgm:styleLbl>
+  <dgm:styleLbl name="bgAcc1">
+    <dgm:scene3d>
+      <a:camera prst="orthographicFront"/>
+      <a:lightRig rig="threePt" dir="t"/>
+    </dgm:scene3d>
+    <dgm:sp3d/>
+    <dgm:txPr/>
+    <dgm:style>
+      <a:lnRef idx="2">
+        <a:scrgbClr r="0" g="0" b="0"/>
+      </a:lnRef>
+      <a:fillRef idx="1">
+        <a:scrgbClr r="0" g="0" b="0"/>
+      </a:fillRef>
+      <a:effectRef idx="0">
+        <a:scrgbClr r="0" g="0" b="0"/>
+      </a:effectRef>
+      <a:fontRef idx="minor"/>
+    </dgm:style>
+  </dgm:styleLbl>
+  <dgm:styleLbl name="solidFgAcc1">
+    <dgm:scene3d>
+      <a:camera prst="orthographicFront"/>
+      <a:lightRig rig="threePt" dir="t"/>
+    </dgm:scene3d>
+    <dgm:sp3d/>
+    <dgm:txPr/>
+    <dgm:style>
+      <a:lnRef idx="2">
+        <a:scrgbClr r="0" g="0" b="0"/>
+      </a:lnRef>
+      <a:fillRef idx="1">
+        <a:scrgbClr r="0" g="0" b="0"/>
+      </a:fillRef>
+      <a:effectRef idx="0">
+        <a:scrgbClr r="0" g="0" b="0"/>
+      </a:effectRef>
+      <a:fontRef idx="minor"/>
+    </dgm:style>
+  </dgm:styleLbl>
+  <dgm:styleLbl name="solidAlignAcc1">
+    <dgm:scene3d>
+      <a:camera prst="orthographicFront"/>
+      <a:lightRig rig="threePt" dir="t"/>
+    </dgm:scene3d>
+    <dgm:sp3d/>
+    <dgm:txPr/>
+    <dgm:style>
+      <a:lnRef idx="2">
+        <a:scrgbClr r="0" g="0" b="0"/>
+      </a:lnRef>
+      <a:fillRef idx="1">
+        <a:scrgbClr r="0" g="0" b="0"/>
+      </a:fillRef>
+      <a:effectRef idx="0">
+        <a:scrgbClr r="0" g="0" b="0"/>
+      </a:effectRef>
+      <a:fontRef idx="minor"/>
+    </dgm:style>
+  </dgm:styleLbl>
+  <dgm:styleLbl name="solidBgAcc1">
+    <dgm:scene3d>
+      <a:camera prst="orthographicFront"/>
+      <a:lightRig rig="threePt" dir="t"/>
+    </dgm:scene3d>
+    <dgm:sp3d/>
+    <dgm:txPr/>
+    <dgm:style>
+      <a:lnRef idx="2">
+        <a:scrgbClr r="0" g="0" b="0"/>
+      </a:lnRef>
+      <a:fillRef idx="1">
+        <a:scrgbClr r="0" g="0" b="0"/>
+      </a:fillRef>
+      <a:effectRef idx="0">
+        <a:scrgbClr r="0" g="0" b="0"/>
+      </a:effectRef>
+      <a:fontRef idx="minor"/>
+    </dgm:style>
+  </dgm:styleLbl>
+  <dgm:styleLbl name="fgAccFollowNode1">
+    <dgm:scene3d>
+      <a:camera prst="orthographicFront"/>
+      <a:lightRig rig="threePt" dir="t"/>
+    </dgm:scene3d>
+    <dgm:sp3d/>
+    <dgm:txPr/>
+    <dgm:style>
+      <a:lnRef idx="2">
+        <a:scrgbClr r="0" g="0" b="0"/>
+      </a:lnRef>
+      <a:fillRef idx="1">
+        <a:scrgbClr r="0" g="0" b="0"/>
+      </a:fillRef>
+      <a:effectRef idx="0">
+        <a:scrgbClr r="0" g="0" b="0"/>
+      </a:effectRef>
+      <a:fontRef idx="minor"/>
+    </dgm:style>
+  </dgm:styleLbl>
+  <dgm:styleLbl name="alignAccFollowNode1">
+    <dgm:scene3d>
+      <a:camera prst="orthographicFront"/>
+      <a:lightRig rig="threePt" dir="t"/>
+    </dgm:scene3d>
+    <dgm:sp3d/>
+    <dgm:txPr/>
+    <dgm:style>
+      <a:lnRef idx="2">
+        <a:scrgbClr r="0" g="0" b="0"/>
+      </a:lnRef>
+      <a:fillRef idx="1">
+        <a:scrgbClr r="0" g="0" b="0"/>
+      </a:fillRef>
+      <a:effectRef idx="0">
+        <a:scrgbClr r="0" g="0" b="0"/>
+      </a:effectRef>
+      <a:fontRef idx="minor"/>
+    </dgm:style>
+  </dgm:styleLbl>
+  <dgm:styleLbl name="bgAccFollowNode1">
+    <dgm:scene3d>
+      <a:camera prst="orthographicFront"/>
+      <a:lightRig rig="threePt" dir="t"/>
+    </dgm:scene3d>
+    <dgm:sp3d/>
+    <dgm:txPr/>
+    <dgm:style>
+      <a:lnRef idx="2">
+        <a:scrgbClr r="0" g="0" b="0"/>
+      </a:lnRef>
+      <a:fillRef idx="1">
+        <a:scrgbClr r="0" g="0" b="0"/>
+      </a:fillRef>
+      <a:effectRef idx="0">
+        <a:scrgbClr r="0" g="0" b="0"/>
+      </a:effectRef>
+      <a:fontRef idx="minor"/>
+    </dgm:style>
+  </dgm:styleLbl>
+  <dgm:styleLbl name="fgAcc0">
+    <dgm:scene3d>
+      <a:camera prst="orthographicFront"/>
+      <a:lightRig rig="threePt" dir="t"/>
+    </dgm:scene3d>
+    <dgm:sp3d/>
+    <dgm:txPr/>
+    <dgm:style>
+      <a:lnRef idx="2">
+        <a:scrgbClr r="0" g="0" b="0"/>
+      </a:lnRef>
+      <a:fillRef idx="1">
+        <a:scrgbClr r="0" g="0" b="0"/>
+      </a:fillRef>
+      <a:effectRef idx="0">
+        <a:scrgbClr r="0" g="0" b="0"/>
+      </a:effectRef>
+      <a:fontRef idx="minor"/>
+    </dgm:style>
+  </dgm:styleLbl>
+  <dgm:styleLbl name="fgAcc2">
+    <dgm:scene3d>
+      <a:camera prst="orthographicFront"/>
+      <a:lightRig rig="threePt" dir="t"/>
+    </dgm:scene3d>
+    <dgm:sp3d/>
+    <dgm:txPr/>
+    <dgm:style>
+      <a:lnRef idx="2">
+        <a:scrgbClr r="0" g="0" b="0"/>
+      </a:lnRef>
+      <a:fillRef idx="1">
+        <a:scrgbClr r="0" g="0" b="0"/>
+      </a:fillRef>
+      <a:effectRef idx="0">
+        <a:scrgbClr r="0" g="0" b="0"/>
+      </a:effectRef>
+      <a:fontRef idx="minor"/>
+    </dgm:style>
+  </dgm:styleLbl>
+  <dgm:styleLbl name="fgAcc3">
+    <dgm:scene3d>
+      <a:camera prst="orthographicFront"/>
+      <a:lightRig rig="threePt" dir="t"/>
+    </dgm:scene3d>
+    <dgm:sp3d/>
+    <dgm:txPr/>
+    <dgm:style>
+      <a:lnRef idx="2">
+        <a:scrgbClr r="0" g="0" b="0"/>
+      </a:lnRef>
+      <a:fillRef idx="1">
+        <a:scrgbClr r="0" g="0" b="0"/>
+      </a:fillRef>
+      <a:effectRef idx="0">
+        <a:scrgbClr r="0" g="0" b="0"/>
+      </a:effectRef>
+      <a:fontRef idx="minor"/>
+    </dgm:style>
+  </dgm:styleLbl>
+  <dgm:styleLbl name="fgAcc4">
+    <dgm:scene3d>
+      <a:camera prst="orthographicFront"/>
+      <a:lightRig rig="threePt" dir="t"/>
+    </dgm:scene3d>
+    <dgm:sp3d/>
+    <dgm:txPr/>
+    <dgm:style>
+      <a:lnRef idx="2">
+        <a:scrgbClr r="0" g="0" b="0"/>
+      </a:lnRef>
+      <a:fillRef idx="1">
+        <a:scrgbClr r="0" g="0" b="0"/>
+      </a:fillRef>
+      <a:effectRef idx="0">
+        <a:scrgbClr r="0" g="0" b="0"/>
+      </a:effectRef>
+      <a:fontRef idx="minor"/>
+    </dgm:style>
+  </dgm:styleLbl>
+  <dgm:styleLbl name="bgShp">
+    <dgm:scene3d>
+      <a:camera prst="orthographicFront"/>
+      <a:lightRig rig="threePt" dir="t"/>
+    </dgm:scene3d>
+    <dgm:sp3d/>
+    <dgm:txPr/>
+    <dgm:style>
+      <a:lnRef idx="0">
+        <a:scrgbClr r="0" g="0" b="0"/>
+      </a:lnRef>
+      <a:fillRef idx="1">
+        <a:scrgbClr r="0" g="0" b="0"/>
+      </a:fillRef>
+      <a:effectRef idx="0">
+        <a:scrgbClr r="0" g="0" b="0"/>
+      </a:effectRef>
+      <a:fontRef idx="minor"/>
+    </dgm:style>
+  </dgm:styleLbl>
+  <dgm:styleLbl name="dkBgShp">
+    <dgm:scene3d>
+      <a:camera prst="orthographicFront"/>
+      <a:lightRig rig="threePt" dir="t"/>
+    </dgm:scene3d>
+    <dgm:sp3d/>
+    <dgm:txPr/>
+    <dgm:style>
+      <a:lnRef idx="0">
+        <a:scrgbClr r="0" g="0" b="0"/>
+      </a:lnRef>
+      <a:fillRef idx="1">
+        <a:scrgbClr r="0" g="0" b="0"/>
+      </a:fillRef>
+      <a:effectRef idx="0">
+        <a:scrgbClr r="0" g="0" b="0"/>
+      </a:effectRef>
+      <a:fontRef idx="minor"/>
+    </dgm:style>
+  </dgm:styleLbl>
+  <dgm:styleLbl name="trBgShp">
+    <dgm:scene3d>
+      <a:camera prst="orthographicFront"/>
+      <a:lightRig rig="threePt" dir="t"/>
+    </dgm:scene3d>
+    <dgm:sp3d/>
+    <dgm:txPr/>
+    <dgm:style>
+      <a:lnRef idx="0">
+        <a:scrgbClr r="0" g="0" b="0"/>
+      </a:lnRef>
+      <a:fillRef idx="1">
+        <a:scrgbClr r="0" g="0" b="0"/>
+      </a:fillRef>
+      <a:effectRef idx="0">
+        <a:scrgbClr r="0" g="0" b="0"/>
+      </a:effectRef>
+      <a:fontRef idx="minor"/>
+    </dgm:style>
+  </dgm:styleLbl>
+  <dgm:styleLbl name="fgShp">
+    <dgm:scene3d>
+      <a:camera prst="orthographicFront"/>
+      <a:lightRig rig="threePt" dir="t"/>
+    </dgm:scene3d>
+    <dgm:sp3d/>
+    <dgm:txPr/>
+    <dgm:style>
+      <a:lnRef idx="2">
+        <a:scrgbClr r="0" g="0" b="0"/>
+      </a:lnRef>
+      <a:fillRef idx="1">
+        <a:scrgbClr r="0" g="0" b="0"/>
+      </a:fillRef>
+      <a:effectRef idx="0">
+        <a:scrgbClr r="0" g="0" b="0"/>
+      </a:effectRef>
+      <a:fontRef idx="minor"/>
+    </dgm:style>
+  </dgm:styleLbl>
+  <dgm:styleLbl name="revTx">
+    <dgm:scene3d>
+      <a:camera prst="orthographicFront"/>
+      <a:lightRig rig="threePt" dir="t"/>
+    </dgm:scene3d>
+    <dgm:sp3d/>
+    <dgm:txPr/>
+    <dgm:style>
+      <a:lnRef idx="0">
+        <a:scrgbClr r="0" g="0" b="0"/>
+      </a:lnRef>
+      <a:fillRef idx="0">
+        <a:scrgbClr r="0" g="0" b="0"/>
+      </a:fillRef>
+      <a:effectRef idx="0">
+        <a:scrgbClr r="0" g="0" b="0"/>
+      </a:effectRef>
+      <a:fontRef idx="minor"/>
+    </dgm:style>
+  </dgm:styleLbl>
+</dgm:styleDef>
+</file>
+
 <file path=ppt/notesMasters/notesMaster1.xml><?xml version="1.0" encoding="utf-8"?>
 <p:notesMaster xmlns:a="http://schemas.openxmlformats.org/drawingml/2006/main" xmlns:r="http://schemas.openxmlformats.org/officeDocument/2006/relationships" xmlns:p="http://schemas.openxmlformats.org/presentationml/2006/main">
   <p:cSld>
@@ -19245,7 +22337,7 @@
           <a:p>
             <a:fld id="{04CA74AE-CCED-4B56-B309-83F91088D56B}" type="datetimeFigureOut">
               <a:rPr lang="en-US" smtClean="0"/>
-              <a:t>11/11/2020</a:t>
+              <a:t>11/18/2020</a:t>
             </a:fld>
             <a:endParaRPr lang="en-US"/>
           </a:p>
@@ -19664,7 +22756,7 @@
           <a:p>
             <a:fld id="{B3EC0A66-97F9-4C55-B8E0-42C9E97776AF}" type="datetimeFigureOut">
               <a:rPr lang="en-US" smtClean="0"/>
-              <a:t>11/11/2020</a:t>
+              <a:t>11/18/2020</a:t>
             </a:fld>
             <a:endParaRPr lang="en-US"/>
           </a:p>
@@ -19862,7 +22954,7 @@
           <a:p>
             <a:fld id="{B3EC0A66-97F9-4C55-B8E0-42C9E97776AF}" type="datetimeFigureOut">
               <a:rPr lang="en-US" smtClean="0"/>
-              <a:t>11/11/2020</a:t>
+              <a:t>11/18/2020</a:t>
             </a:fld>
             <a:endParaRPr lang="en-US"/>
           </a:p>
@@ -20070,7 +23162,7 @@
           <a:p>
             <a:fld id="{B3EC0A66-97F9-4C55-B8E0-42C9E97776AF}" type="datetimeFigureOut">
               <a:rPr lang="en-US" smtClean="0"/>
-              <a:t>11/11/2020</a:t>
+              <a:t>11/18/2020</a:t>
             </a:fld>
             <a:endParaRPr lang="en-US"/>
           </a:p>
@@ -20268,7 +23360,7 @@
           <a:p>
             <a:fld id="{B3EC0A66-97F9-4C55-B8E0-42C9E97776AF}" type="datetimeFigureOut">
               <a:rPr lang="en-US" smtClean="0"/>
-              <a:t>11/11/2020</a:t>
+              <a:t>11/18/2020</a:t>
             </a:fld>
             <a:endParaRPr lang="en-US"/>
           </a:p>
@@ -20543,7 +23635,7 @@
           <a:p>
             <a:fld id="{B3EC0A66-97F9-4C55-B8E0-42C9E97776AF}" type="datetimeFigureOut">
               <a:rPr lang="en-US" smtClean="0"/>
-              <a:t>11/11/2020</a:t>
+              <a:t>11/18/2020</a:t>
             </a:fld>
             <a:endParaRPr lang="en-US"/>
           </a:p>
@@ -20808,7 +23900,7 @@
           <a:p>
             <a:fld id="{B3EC0A66-97F9-4C55-B8E0-42C9E97776AF}" type="datetimeFigureOut">
               <a:rPr lang="en-US" smtClean="0"/>
-              <a:t>11/11/2020</a:t>
+              <a:t>11/18/2020</a:t>
             </a:fld>
             <a:endParaRPr lang="en-US"/>
           </a:p>
@@ -21220,7 +24312,7 @@
           <a:p>
             <a:fld id="{B3EC0A66-97F9-4C55-B8E0-42C9E97776AF}" type="datetimeFigureOut">
               <a:rPr lang="en-US" smtClean="0"/>
-              <a:t>11/11/2020</a:t>
+              <a:t>11/18/2020</a:t>
             </a:fld>
             <a:endParaRPr lang="en-US"/>
           </a:p>
@@ -21361,7 +24453,7 @@
           <a:p>
             <a:fld id="{B3EC0A66-97F9-4C55-B8E0-42C9E97776AF}" type="datetimeFigureOut">
               <a:rPr lang="en-US" smtClean="0"/>
-              <a:t>11/11/2020</a:t>
+              <a:t>11/18/2020</a:t>
             </a:fld>
             <a:endParaRPr lang="en-US"/>
           </a:p>
@@ -21474,7 +24566,7 @@
           <a:p>
             <a:fld id="{B3EC0A66-97F9-4C55-B8E0-42C9E97776AF}" type="datetimeFigureOut">
               <a:rPr lang="en-US" smtClean="0"/>
-              <a:t>11/11/2020</a:t>
+              <a:t>11/18/2020</a:t>
             </a:fld>
             <a:endParaRPr lang="en-US"/>
           </a:p>
@@ -21785,7 +24877,7 @@
           <a:p>
             <a:fld id="{B3EC0A66-97F9-4C55-B8E0-42C9E97776AF}" type="datetimeFigureOut">
               <a:rPr lang="en-US" smtClean="0"/>
-              <a:t>11/11/2020</a:t>
+              <a:t>11/18/2020</a:t>
             </a:fld>
             <a:endParaRPr lang="en-US"/>
           </a:p>
@@ -22073,7 +25165,7 @@
           <a:p>
             <a:fld id="{B3EC0A66-97F9-4C55-B8E0-42C9E97776AF}" type="datetimeFigureOut">
               <a:rPr lang="en-US" smtClean="0"/>
-              <a:t>11/11/2020</a:t>
+              <a:t>11/18/2020</a:t>
             </a:fld>
             <a:endParaRPr lang="en-US"/>
           </a:p>
@@ -22317,7 +25409,7 @@
           <a:p>
             <a:fld id="{B3EC0A66-97F9-4C55-B8E0-42C9E97776AF}" type="datetimeFigureOut">
               <a:rPr lang="en-US" smtClean="0"/>
-              <a:t>11/11/2020</a:t>
+              <a:t>11/18/2020</a:t>
             </a:fld>
             <a:endParaRPr lang="en-US"/>
           </a:p>
@@ -23696,6 +26788,464 @@
       </p:grpSpPr>
       <p:sp useBgFill="1">
         <p:nvSpPr>
+          <p:cNvPr id="8" name="Rectangle 7">
+            <a:extLst>
+              <a:ext uri="{FF2B5EF4-FFF2-40B4-BE49-F238E27FC236}">
+                <a16:creationId xmlns:a16="http://schemas.microsoft.com/office/drawing/2014/main" id="{3B854194-185D-494D-905C-7C7CB2E30F6E}"/>
+              </a:ext>
+              <a:ext uri="{C183D7F6-B498-43B3-948B-1728B52AA6E4}">
+                <adec:decorative xmlns:adec="http://schemas.microsoft.com/office/drawing/2017/decorative" val="1"/>
+              </a:ext>
+            </a:extLst>
+          </p:cNvPr>
+          <p:cNvSpPr>
+            <a:spLocks noGrp="1" noRot="1" noChangeAspect="1" noMove="1" noResize="1" noEditPoints="1" noAdjustHandles="1" noChangeArrowheads="1" noChangeShapeType="1" noTextEdit="1"/>
+          </p:cNvSpPr>
+          <p:nvPr>
+            <p:extLst>
+              <p:ext uri="{386F3935-93C4-4BCD-93E2-E3B085C9AB24}">
+                <p16:designElem xmlns:p16="http://schemas.microsoft.com/office/powerpoint/2015/main" val="1"/>
+              </p:ext>
+            </p:extLst>
+          </p:nvPr>
+        </p:nvSpPr>
+        <p:spPr>
+          <a:xfrm>
+            <a:off x="1" y="0"/>
+            <a:ext cx="6082110" cy="6858000"/>
+          </a:xfrm>
+          <a:prstGeom prst="rect">
+            <a:avLst/>
+          </a:prstGeom>
+          <a:ln>
+            <a:noFill/>
+          </a:ln>
+        </p:spPr>
+        <p:style>
+          <a:lnRef idx="2">
+            <a:schemeClr val="accent1">
+              <a:shade val="50000"/>
+            </a:schemeClr>
+          </a:lnRef>
+          <a:fillRef idx="1">
+            <a:schemeClr val="accent1"/>
+          </a:fillRef>
+          <a:effectRef idx="0">
+            <a:schemeClr val="accent1"/>
+          </a:effectRef>
+          <a:fontRef idx="minor">
+            <a:schemeClr val="lt1"/>
+          </a:fontRef>
+        </p:style>
+        <p:txBody>
+          <a:bodyPr rtlCol="0" anchor="ctr"/>
+          <a:lstStyle/>
+          <a:p>
+            <a:pPr algn="ctr"/>
+            <a:endParaRPr lang="en-US"/>
+          </a:p>
+        </p:txBody>
+      </p:sp>
+      <p:sp>
+        <p:nvSpPr>
+          <p:cNvPr id="10" name="Rectangle 9">
+            <a:extLst>
+              <a:ext uri="{FF2B5EF4-FFF2-40B4-BE49-F238E27FC236}">
+                <a16:creationId xmlns:a16="http://schemas.microsoft.com/office/drawing/2014/main" id="{B4F5FA0D-0104-4987-8241-EFF7C85B88DE}"/>
+              </a:ext>
+              <a:ext uri="{C183D7F6-B498-43B3-948B-1728B52AA6E4}">
+                <adec:decorative xmlns:adec="http://schemas.microsoft.com/office/drawing/2017/decorative" val="1"/>
+              </a:ext>
+            </a:extLst>
+          </p:cNvPr>
+          <p:cNvSpPr>
+            <a:spLocks noGrp="1" noRot="1" noChangeAspect="1" noMove="1" noResize="1" noEditPoints="1" noAdjustHandles="1" noChangeArrowheads="1" noChangeShapeType="1" noTextEdit="1"/>
+          </p:cNvSpPr>
+          <p:nvPr>
+            <p:extLst>
+              <p:ext uri="{386F3935-93C4-4BCD-93E2-E3B085C9AB24}">
+                <p16:designElem xmlns:p16="http://schemas.microsoft.com/office/powerpoint/2015/main" val="1"/>
+              </p:ext>
+            </p:extLst>
+          </p:nvPr>
+        </p:nvSpPr>
+        <p:spPr>
+          <a:xfrm>
+            <a:off x="1" y="0"/>
+            <a:ext cx="12191998" cy="6858000"/>
+          </a:xfrm>
+          <a:prstGeom prst="rect">
+            <a:avLst/>
+          </a:prstGeom>
+          <a:gradFill>
+            <a:gsLst>
+              <a:gs pos="0">
+                <a:schemeClr val="accent1">
+                  <a:lumMod val="90000"/>
+                </a:schemeClr>
+              </a:gs>
+              <a:gs pos="25000">
+                <a:schemeClr val="accent1">
+                  <a:lumMod val="90000"/>
+                </a:schemeClr>
+              </a:gs>
+              <a:gs pos="94000">
+                <a:schemeClr val="bg2">
+                  <a:lumMod val="25000"/>
+                </a:schemeClr>
+              </a:gs>
+              <a:gs pos="100000">
+                <a:schemeClr val="bg2">
+                  <a:lumMod val="25000"/>
+                </a:schemeClr>
+              </a:gs>
+            </a:gsLst>
+            <a:lin ang="4200000" scaled="0"/>
+          </a:gradFill>
+          <a:ln>
+            <a:noFill/>
+          </a:ln>
+        </p:spPr>
+        <p:style>
+          <a:lnRef idx="2">
+            <a:schemeClr val="accent1">
+              <a:shade val="50000"/>
+            </a:schemeClr>
+          </a:lnRef>
+          <a:fillRef idx="1">
+            <a:schemeClr val="accent1"/>
+          </a:fillRef>
+          <a:effectRef idx="0">
+            <a:schemeClr val="accent1"/>
+          </a:effectRef>
+          <a:fontRef idx="minor">
+            <a:schemeClr val="lt1"/>
+          </a:fontRef>
+        </p:style>
+        <p:txBody>
+          <a:bodyPr rtlCol="0" anchor="ctr"/>
+          <a:lstStyle/>
+          <a:p>
+            <a:pPr algn="ctr"/>
+            <a:endParaRPr lang="en-US"/>
+          </a:p>
+        </p:txBody>
+      </p:sp>
+      <p:pic>
+        <p:nvPicPr>
+          <p:cNvPr id="12" name="Picture 11">
+            <a:extLst>
+              <a:ext uri="{FF2B5EF4-FFF2-40B4-BE49-F238E27FC236}">
+                <a16:creationId xmlns:a16="http://schemas.microsoft.com/office/drawing/2014/main" id="{2897127E-6CEF-446C-BE87-93B7C46E49D1}"/>
+              </a:ext>
+              <a:ext uri="{C183D7F6-B498-43B3-948B-1728B52AA6E4}">
+                <adec:decorative xmlns:adec="http://schemas.microsoft.com/office/drawing/2017/decorative" val="1"/>
+              </a:ext>
+            </a:extLst>
+          </p:cNvPr>
+          <p:cNvPicPr>
+            <a:picLocks noGrp="1" noRot="1" noChangeAspect="1" noMove="1" noResize="1" noEditPoints="1" noAdjustHandles="1" noChangeArrowheads="1" noChangeShapeType="1" noCrop="1"/>
+          </p:cNvPicPr>
+          <p:nvPr>
+            <p:extLst>
+              <p:ext uri="{386F3935-93C4-4BCD-93E2-E3B085C9AB24}">
+                <p16:designElem xmlns:p16="http://schemas.microsoft.com/office/powerpoint/2015/main" val="1"/>
+              </p:ext>
+            </p:extLst>
+          </p:nvPr>
+        </p:nvPicPr>
+        <p:blipFill>
+          <a:blip r:embed="rId2">
+            <a:extLst>
+              <a:ext uri="{28A0092B-C50C-407E-A947-70E740481C1C}">
+                <a14:useLocalDpi xmlns:a14="http://schemas.microsoft.com/office/drawing/2010/main" val="0"/>
+              </a:ext>
+            </a:extLst>
+          </a:blip>
+          <a:stretch>
+            <a:fillRect/>
+          </a:stretch>
+        </p:blipFill>
+        <p:spPr>
+          <a:xfrm>
+            <a:off x="0" y="0"/>
+            <a:ext cx="12192000" cy="6858000"/>
+          </a:xfrm>
+          <a:prstGeom prst="rect">
+            <a:avLst/>
+          </a:prstGeom>
+        </p:spPr>
+      </p:pic>
+      <p:sp>
+        <p:nvSpPr>
+          <p:cNvPr id="2" name="Title 1">
+            <a:extLst>
+              <a:ext uri="{FF2B5EF4-FFF2-40B4-BE49-F238E27FC236}">
+                <a16:creationId xmlns:a16="http://schemas.microsoft.com/office/drawing/2014/main" id="{F1677698-0DCC-4A68-B1B2-26EBBA62902F}"/>
+              </a:ext>
+            </a:extLst>
+          </p:cNvPr>
+          <p:cNvSpPr>
+            <a:spLocks noGrp="1"/>
+          </p:cNvSpPr>
+          <p:nvPr>
+            <p:ph type="title"/>
+          </p:nvPr>
+        </p:nvSpPr>
+        <p:spPr>
+          <a:xfrm>
+            <a:off x="640079" y="2053641"/>
+            <a:ext cx="3669161" cy="2760098"/>
+          </a:xfrm>
+        </p:spPr>
+        <p:txBody>
+          <a:bodyPr>
+            <a:normAutofit/>
+          </a:bodyPr>
+          <a:lstStyle/>
+          <a:p>
+            <a:r>
+              <a:rPr lang="en-US">
+                <a:solidFill>
+                  <a:srgbClr val="FFFFFF"/>
+                </a:solidFill>
+              </a:rPr>
+              <a:t>Tasks and Roles</a:t>
+            </a:r>
+          </a:p>
+        </p:txBody>
+      </p:sp>
+      <p:sp>
+        <p:nvSpPr>
+          <p:cNvPr id="3" name="Content Placeholder 2">
+            <a:extLst>
+              <a:ext uri="{FF2B5EF4-FFF2-40B4-BE49-F238E27FC236}">
+                <a16:creationId xmlns:a16="http://schemas.microsoft.com/office/drawing/2014/main" id="{AC624BAE-8BF3-4379-8E5B-C194B09C5681}"/>
+              </a:ext>
+            </a:extLst>
+          </p:cNvPr>
+          <p:cNvSpPr>
+            <a:spLocks noGrp="1"/>
+          </p:cNvSpPr>
+          <p:nvPr>
+            <p:ph idx="1"/>
+          </p:nvPr>
+        </p:nvSpPr>
+        <p:spPr>
+          <a:xfrm>
+            <a:off x="6090574" y="801866"/>
+            <a:ext cx="5306084" cy="5230634"/>
+          </a:xfrm>
+        </p:spPr>
+        <p:txBody>
+          <a:bodyPr anchor="ctr">
+            <a:normAutofit/>
+          </a:bodyPr>
+          <a:lstStyle/>
+          <a:p>
+            <a:r>
+              <a:rPr lang="en-US" sz="2000" dirty="0">
+                <a:solidFill>
+                  <a:srgbClr val="000000"/>
+                </a:solidFill>
+              </a:rPr>
+              <a:t>Allison</a:t>
+            </a:r>
+          </a:p>
+          <a:p>
+            <a:pPr lvl="1"/>
+            <a:r>
+              <a:rPr lang="en-US" sz="2000" dirty="0">
+                <a:solidFill>
+                  <a:srgbClr val="000000"/>
+                </a:solidFill>
+              </a:rPr>
+              <a:t>Backend development</a:t>
+            </a:r>
+          </a:p>
+          <a:p>
+            <a:pPr lvl="1"/>
+            <a:r>
+              <a:rPr lang="en-US" sz="2000" dirty="0">
+                <a:solidFill>
+                  <a:srgbClr val="000000"/>
+                </a:solidFill>
+              </a:rPr>
+              <a:t>SQL relationships</a:t>
+            </a:r>
+          </a:p>
+          <a:p>
+            <a:pPr lvl="1"/>
+            <a:r>
+              <a:rPr lang="en-US" sz="2000" dirty="0">
+                <a:solidFill>
+                  <a:srgbClr val="000000"/>
+                </a:solidFill>
+              </a:rPr>
+              <a:t>Front end design</a:t>
+            </a:r>
+          </a:p>
+          <a:p>
+            <a:r>
+              <a:rPr lang="en-US" sz="2000" dirty="0" err="1">
+                <a:solidFill>
+                  <a:srgbClr val="000000"/>
+                </a:solidFill>
+              </a:rPr>
+              <a:t>Terahje</a:t>
+            </a:r>
+            <a:endParaRPr lang="en-US" sz="2000" dirty="0">
+              <a:solidFill>
+                <a:srgbClr val="000000"/>
+              </a:solidFill>
+            </a:endParaRPr>
+          </a:p>
+          <a:p>
+            <a:pPr lvl="1"/>
+            <a:r>
+              <a:rPr lang="en-US" sz="2000" dirty="0">
+                <a:solidFill>
+                  <a:srgbClr val="000000"/>
+                </a:solidFill>
+              </a:rPr>
+              <a:t>Backend development</a:t>
+            </a:r>
+          </a:p>
+          <a:p>
+            <a:pPr lvl="1"/>
+            <a:r>
+              <a:rPr lang="en-US" sz="2000" dirty="0">
+                <a:solidFill>
+                  <a:srgbClr val="000000"/>
+                </a:solidFill>
+              </a:rPr>
+              <a:t>Express routes</a:t>
+            </a:r>
+          </a:p>
+          <a:p>
+            <a:pPr lvl="1"/>
+            <a:r>
+              <a:rPr lang="en-US" sz="2000" dirty="0">
+                <a:solidFill>
+                  <a:srgbClr val="000000"/>
+                </a:solidFill>
+              </a:rPr>
+              <a:t>SQL relationships</a:t>
+            </a:r>
+          </a:p>
+          <a:p>
+            <a:pPr lvl="1"/>
+            <a:r>
+              <a:rPr lang="en-US" sz="2000" dirty="0">
+                <a:solidFill>
+                  <a:srgbClr val="000000"/>
+                </a:solidFill>
+              </a:rPr>
+              <a:t>Git Repo</a:t>
+            </a:r>
+          </a:p>
+          <a:p>
+            <a:r>
+              <a:rPr lang="en-US" sz="2000" dirty="0">
+                <a:solidFill>
+                  <a:srgbClr val="000000"/>
+                </a:solidFill>
+              </a:rPr>
+              <a:t>Jennifer</a:t>
+            </a:r>
+          </a:p>
+          <a:p>
+            <a:pPr lvl="1"/>
+            <a:r>
+              <a:rPr lang="en-US" sz="2000" dirty="0">
+                <a:solidFill>
+                  <a:srgbClr val="000000"/>
+                </a:solidFill>
+              </a:rPr>
+              <a:t>New technology finding, incorporating and troubleshooting</a:t>
+            </a:r>
+          </a:p>
+          <a:p>
+            <a:pPr lvl="1"/>
+            <a:r>
+              <a:rPr lang="en-US" sz="2000" dirty="0">
+                <a:solidFill>
+                  <a:srgbClr val="000000"/>
+                </a:solidFill>
+              </a:rPr>
+              <a:t>Front end design</a:t>
+            </a:r>
+          </a:p>
+          <a:p>
+            <a:pPr lvl="1"/>
+            <a:r>
+              <a:rPr lang="en-US" sz="2000" dirty="0">
+                <a:solidFill>
+                  <a:srgbClr val="000000"/>
+                </a:solidFill>
+              </a:rPr>
+              <a:t>Coordinating product development to meet user needs</a:t>
+            </a:r>
+          </a:p>
+          <a:p>
+            <a:pPr marL="0" indent="0">
+              <a:buNone/>
+            </a:pPr>
+            <a:endParaRPr lang="en-US" sz="2000" dirty="0">
+              <a:solidFill>
+                <a:srgbClr val="000000"/>
+              </a:solidFill>
+            </a:endParaRPr>
+          </a:p>
+          <a:p>
+            <a:endParaRPr lang="en-US" sz="2000" dirty="0">
+              <a:solidFill>
+                <a:srgbClr val="000000"/>
+              </a:solidFill>
+            </a:endParaRPr>
+          </a:p>
+        </p:txBody>
+      </p:sp>
+    </p:spTree>
+    <p:extLst>
+      <p:ext uri="{BB962C8B-B14F-4D97-AF65-F5344CB8AC3E}">
+        <p14:creationId xmlns:p14="http://schemas.microsoft.com/office/powerpoint/2010/main" val="2508092859"/>
+      </p:ext>
+    </p:extLst>
+  </p:cSld>
+  <p:clrMapOvr>
+    <a:masterClrMapping/>
+  </p:clrMapOvr>
+</p:sld>
+</file>
+
+<file path=ppt/slides/slide11.xml><?xml version="1.0" encoding="utf-8"?>
+<p:sld xmlns:a="http://schemas.openxmlformats.org/drawingml/2006/main" xmlns:r="http://schemas.openxmlformats.org/officeDocument/2006/relationships" xmlns:p="http://schemas.openxmlformats.org/presentationml/2006/main">
+  <p:cSld>
+    <p:bg>
+      <p:bgPr>
+        <a:solidFill>
+          <a:schemeClr val="bg1"/>
+        </a:solidFill>
+        <a:effectLst/>
+      </p:bgPr>
+    </p:bg>
+    <p:spTree>
+      <p:nvGrpSpPr>
+        <p:cNvPr id="1" name=""/>
+        <p:cNvGrpSpPr/>
+        <p:nvPr/>
+      </p:nvGrpSpPr>
+      <p:grpSpPr>
+        <a:xfrm>
+          <a:off x="0" y="0"/>
+          <a:ext cx="0" cy="0"/>
+          <a:chOff x="0" y="0"/>
+          <a:chExt cx="0" cy="0"/>
+        </a:xfrm>
+      </p:grpSpPr>
+      <p:sp useBgFill="1">
+        <p:nvSpPr>
           <p:cNvPr id="69" name="Rectangle 68">
             <a:extLst>
               <a:ext uri="{FF2B5EF4-FFF2-40B4-BE49-F238E27FC236}">
@@ -24062,7 +27612,7 @@
 </p:sld>
 </file>
 
-<file path=ppt/slides/slide11.xml><?xml version="1.0" encoding="utf-8"?>
+<file path=ppt/slides/slide12.xml><?xml version="1.0" encoding="utf-8"?>
 <p:sld xmlns:a="http://schemas.openxmlformats.org/drawingml/2006/main" xmlns:r="http://schemas.openxmlformats.org/officeDocument/2006/relationships" xmlns:p="http://schemas.openxmlformats.org/presentationml/2006/main">
   <p:cSld>
     <p:bg>
@@ -24724,7 +28274,7 @@
 </p:sld>
 </file>
 
-<file path=ppt/slides/slide12.xml><?xml version="1.0" encoding="utf-8"?>
+<file path=ppt/slides/slide13.xml><?xml version="1.0" encoding="utf-8"?>
 <p:sld xmlns:a="http://schemas.openxmlformats.org/drawingml/2006/main" xmlns:r="http://schemas.openxmlformats.org/officeDocument/2006/relationships" xmlns:p="http://schemas.openxmlformats.org/presentationml/2006/main">
   <p:cSld>
     <p:bg>
@@ -25240,7 +28790,7 @@
 </p:sld>
 </file>
 
-<file path=ppt/slides/slide13.xml><?xml version="1.0" encoding="utf-8"?>
+<file path=ppt/slides/slide14.xml><?xml version="1.0" encoding="utf-8"?>
 <p:sld xmlns:a="http://schemas.openxmlformats.org/drawingml/2006/main" xmlns:r="http://schemas.openxmlformats.org/officeDocument/2006/relationships" xmlns:p="http://schemas.openxmlformats.org/presentationml/2006/main">
   <p:cSld>
     <p:bg>
@@ -25563,7 +29113,7 @@
 </p:sld>
 </file>
 
-<file path=ppt/slides/slide14.xml><?xml version="1.0" encoding="utf-8"?>
+<file path=ppt/slides/slide15.xml><?xml version="1.0" encoding="utf-8"?>
 <p:sld xmlns:a="http://schemas.openxmlformats.org/drawingml/2006/main" xmlns:r="http://schemas.openxmlformats.org/officeDocument/2006/relationships" xmlns:p="http://schemas.openxmlformats.org/presentationml/2006/main">
   <p:cSld>
     <p:bg>
@@ -25941,6 +29491,708 @@
 <file path=ppt/slides/slide2.xml><?xml version="1.0" encoding="utf-8"?>
 <p:sld xmlns:a="http://schemas.openxmlformats.org/drawingml/2006/main" xmlns:r="http://schemas.openxmlformats.org/officeDocument/2006/relationships" xmlns:p="http://schemas.openxmlformats.org/presentationml/2006/main">
   <p:cSld>
+    <p:bg>
+      <p:bgPr>
+        <a:solidFill>
+          <a:schemeClr val="bg1"/>
+        </a:solidFill>
+        <a:effectLst/>
+      </p:bgPr>
+    </p:bg>
+    <p:spTree>
+      <p:nvGrpSpPr>
+        <p:cNvPr id="1" name=""/>
+        <p:cNvGrpSpPr/>
+        <p:nvPr/>
+      </p:nvGrpSpPr>
+      <p:grpSpPr>
+        <a:xfrm>
+          <a:off x="0" y="0"/>
+          <a:ext cx="0" cy="0"/>
+          <a:chOff x="0" y="0"/>
+          <a:chExt cx="0" cy="0"/>
+        </a:xfrm>
+      </p:grpSpPr>
+      <p:sp>
+        <p:nvSpPr>
+          <p:cNvPr id="9" name="Freeform: Shape 8">
+            <a:extLst>
+              <a:ext uri="{FF2B5EF4-FFF2-40B4-BE49-F238E27FC236}">
+                <a16:creationId xmlns:a16="http://schemas.microsoft.com/office/drawing/2014/main" id="{42285737-90EE-47DC-AC80-8AE156B11969}"/>
+              </a:ext>
+              <a:ext uri="{C183D7F6-B498-43B3-948B-1728B52AA6E4}">
+                <adec:decorative xmlns:adec="http://schemas.microsoft.com/office/drawing/2017/decorative" val="1"/>
+              </a:ext>
+            </a:extLst>
+          </p:cNvPr>
+          <p:cNvSpPr>
+            <a:spLocks noGrp="1" noRot="1" noChangeAspect="1" noMove="1" noResize="1" noEditPoints="1" noAdjustHandles="1" noChangeArrowheads="1" noChangeShapeType="1" noTextEdit="1"/>
+          </p:cNvSpPr>
+          <p:nvPr>
+            <p:extLst>
+              <p:ext uri="{386F3935-93C4-4BCD-93E2-E3B085C9AB24}">
+                <p16:designElem xmlns:p16="http://schemas.microsoft.com/office/powerpoint/2015/main" val="1"/>
+              </p:ext>
+            </p:extLst>
+          </p:nvPr>
+        </p:nvSpPr>
+        <p:spPr>
+          <a:xfrm flipV="1">
+            <a:off x="-1" y="-1"/>
+            <a:ext cx="4403709" cy="6858001"/>
+          </a:xfrm>
+          <a:custGeom>
+            <a:avLst/>
+            <a:gdLst>
+              <a:gd name="connsiteX0" fmla="*/ 3223890 w 4403709"/>
+              <a:gd name="connsiteY0" fmla="*/ 6858001 h 6858001"/>
+              <a:gd name="connsiteX1" fmla="*/ 4101908 w 4403709"/>
+              <a:gd name="connsiteY1" fmla="*/ 6858001 h 6858001"/>
+              <a:gd name="connsiteX2" fmla="*/ 3254950 w 4403709"/>
+              <a:gd name="connsiteY2" fmla="*/ 1599356 h 6858001"/>
+              <a:gd name="connsiteX3" fmla="*/ 3254950 w 4403709"/>
+              <a:gd name="connsiteY3" fmla="*/ 1594062 h 6858001"/>
+              <a:gd name="connsiteX4" fmla="*/ 4403709 w 4403709"/>
+              <a:gd name="connsiteY4" fmla="*/ 0 h 6858001"/>
+              <a:gd name="connsiteX5" fmla="*/ 3254950 w 4403709"/>
+              <a:gd name="connsiteY5" fmla="*/ 0 h 6858001"/>
+              <a:gd name="connsiteX6" fmla="*/ 2903520 w 4403709"/>
+              <a:gd name="connsiteY6" fmla="*/ 0 h 6858001"/>
+              <a:gd name="connsiteX7" fmla="*/ 0 w 4403709"/>
+              <a:gd name="connsiteY7" fmla="*/ 0 h 6858001"/>
+              <a:gd name="connsiteX8" fmla="*/ 0 w 4403709"/>
+              <a:gd name="connsiteY8" fmla="*/ 6858000 h 6858001"/>
+              <a:gd name="connsiteX9" fmla="*/ 3223890 w 4403709"/>
+              <a:gd name="connsiteY9" fmla="*/ 6858000 h 6858001"/>
+            </a:gdLst>
+            <a:ahLst/>
+            <a:cxnLst>
+              <a:cxn ang="0">
+                <a:pos x="connsiteX0" y="connsiteY0"/>
+              </a:cxn>
+              <a:cxn ang="0">
+                <a:pos x="connsiteX1" y="connsiteY1"/>
+              </a:cxn>
+              <a:cxn ang="0">
+                <a:pos x="connsiteX2" y="connsiteY2"/>
+              </a:cxn>
+              <a:cxn ang="0">
+                <a:pos x="connsiteX3" y="connsiteY3"/>
+              </a:cxn>
+              <a:cxn ang="0">
+                <a:pos x="connsiteX4" y="connsiteY4"/>
+              </a:cxn>
+              <a:cxn ang="0">
+                <a:pos x="connsiteX5" y="connsiteY5"/>
+              </a:cxn>
+              <a:cxn ang="0">
+                <a:pos x="connsiteX6" y="connsiteY6"/>
+              </a:cxn>
+              <a:cxn ang="0">
+                <a:pos x="connsiteX7" y="connsiteY7"/>
+              </a:cxn>
+              <a:cxn ang="0">
+                <a:pos x="connsiteX8" y="connsiteY8"/>
+              </a:cxn>
+              <a:cxn ang="0">
+                <a:pos x="connsiteX9" y="connsiteY9"/>
+              </a:cxn>
+            </a:cxnLst>
+            <a:rect l="l" t="t" r="r" b="b"/>
+            <a:pathLst>
+              <a:path w="4403709" h="6858001">
+                <a:moveTo>
+                  <a:pt x="3223890" y="6858001"/>
+                </a:moveTo>
+                <a:lnTo>
+                  <a:pt x="4101908" y="6858001"/>
+                </a:lnTo>
+                <a:lnTo>
+                  <a:pt x="3254950" y="1599356"/>
+                </a:lnTo>
+                <a:lnTo>
+                  <a:pt x="3254950" y="1594062"/>
+                </a:lnTo>
+                <a:lnTo>
+                  <a:pt x="4403709" y="0"/>
+                </a:lnTo>
+                <a:lnTo>
+                  <a:pt x="3254950" y="0"/>
+                </a:lnTo>
+                <a:lnTo>
+                  <a:pt x="2903520" y="0"/>
+                </a:lnTo>
+                <a:lnTo>
+                  <a:pt x="0" y="0"/>
+                </a:lnTo>
+                <a:lnTo>
+                  <a:pt x="0" y="6858000"/>
+                </a:lnTo>
+                <a:lnTo>
+                  <a:pt x="3223890" y="6858000"/>
+                </a:lnTo>
+                <a:close/>
+              </a:path>
+            </a:pathLst>
+          </a:custGeom>
+          <a:ln>
+            <a:noFill/>
+          </a:ln>
+        </p:spPr>
+        <p:style>
+          <a:lnRef idx="2">
+            <a:schemeClr val="accent1">
+              <a:shade val="50000"/>
+            </a:schemeClr>
+          </a:lnRef>
+          <a:fillRef idx="1002">
+            <a:schemeClr val="dk1"/>
+          </a:fillRef>
+          <a:effectRef idx="0">
+            <a:schemeClr val="accent1"/>
+          </a:effectRef>
+          <a:fontRef idx="minor">
+            <a:schemeClr val="lt1"/>
+          </a:fontRef>
+        </p:style>
+        <p:txBody>
+          <a:bodyPr rtlCol="0" anchor="ctr"/>
+          <a:lstStyle/>
+          <a:p>
+            <a:pPr marL="0" marR="0" lvl="0" indent="0" algn="ctr" defTabSz="457200" rtl="0" eaLnBrk="1" fontAlgn="auto" latinLnBrk="0" hangingPunct="1">
+              <a:lnSpc>
+                <a:spcPct val="100000"/>
+              </a:lnSpc>
+              <a:spcBef>
+                <a:spcPts val="0"/>
+              </a:spcBef>
+              <a:spcAft>
+                <a:spcPts val="0"/>
+              </a:spcAft>
+              <a:buClrTx/>
+              <a:buSzTx/>
+              <a:buFontTx/>
+              <a:buNone/>
+              <a:tabLst/>
+              <a:defRPr/>
+            </a:pPr>
+            <a:endParaRPr kumimoji="0" lang="en-US" sz="1800" b="0" i="0" u="none" strike="noStrike" kern="1200" cap="none" spc="0" normalizeH="0" baseline="0" noProof="0">
+              <a:ln>
+                <a:noFill/>
+              </a:ln>
+              <a:solidFill>
+                <a:prstClr val="black"/>
+              </a:solidFill>
+              <a:effectLst/>
+              <a:uLnTx/>
+              <a:uFillTx/>
+              <a:latin typeface="Calibri" panose="020F0502020204030204"/>
+              <a:ea typeface="+mn-ea"/>
+              <a:cs typeface="+mn-cs"/>
+            </a:endParaRPr>
+          </a:p>
+        </p:txBody>
+      </p:sp>
+      <p:grpSp>
+        <p:nvGrpSpPr>
+          <p:cNvPr id="11" name="Group 10">
+            <a:extLst>
+              <a:ext uri="{FF2B5EF4-FFF2-40B4-BE49-F238E27FC236}">
+                <a16:creationId xmlns:a16="http://schemas.microsoft.com/office/drawing/2014/main" id="{B57BDC17-F1B3-455F-BBF1-680AA1F25C06}"/>
+              </a:ext>
+              <a:ext uri="{C183D7F6-B498-43B3-948B-1728B52AA6E4}">
+                <adec:decorative xmlns:adec="http://schemas.microsoft.com/office/drawing/2017/decorative" val="1"/>
+              </a:ext>
+            </a:extLst>
+          </p:cNvPr>
+          <p:cNvGrpSpPr>
+            <a:grpSpLocks noGrp="1" noUngrp="1" noRot="1" noChangeAspect="1" noMove="1" noResize="1"/>
+          </p:cNvGrpSpPr>
+          <p:nvPr>
+            <p:extLst>
+              <p:ext uri="{386F3935-93C4-4BCD-93E2-E3B085C9AB24}">
+                <p16:designElem xmlns:p16="http://schemas.microsoft.com/office/powerpoint/2015/main" val="1"/>
+              </p:ext>
+            </p:extLst>
+          </p:nvPr>
+        </p:nvGrpSpPr>
+        <p:grpSpPr>
+          <a:xfrm>
+            <a:off x="3315292" y="0"/>
+            <a:ext cx="2436813" cy="6858001"/>
+            <a:chOff x="1320800" y="0"/>
+            <a:chExt cx="2436813" cy="6858001"/>
+          </a:xfrm>
+        </p:grpSpPr>
+        <p:sp>
+          <p:nvSpPr>
+            <p:cNvPr id="6" name="Freeform 6">
+              <a:extLst>
+                <a:ext uri="{FF2B5EF4-FFF2-40B4-BE49-F238E27FC236}">
+                  <a16:creationId xmlns:a16="http://schemas.microsoft.com/office/drawing/2014/main" id="{64E2FA9A-FEF7-4501-B0EB-5E45EDD2177A}"/>
+                </a:ext>
+                <a:ext uri="{C183D7F6-B498-43B3-948B-1728B52AA6E4}">
+                  <adec:decorative xmlns:adec="http://schemas.microsoft.com/office/drawing/2017/decorative" val="1"/>
+                </a:ext>
+              </a:extLst>
+            </p:cNvPr>
+            <p:cNvSpPr/>
+            <p:nvPr>
+              <p:extLst>
+                <p:ext uri="{386F3935-93C4-4BCD-93E2-E3B085C9AB24}">
+                  <p16:designElem xmlns:p16="http://schemas.microsoft.com/office/powerpoint/2015/main" val="1"/>
+                </p:ext>
+              </p:extLst>
+            </p:nvPr>
+          </p:nvSpPr>
+          <p:spPr bwMode="auto">
+            <a:xfrm>
+              <a:off x="1627188" y="0"/>
+              <a:ext cx="1122363" cy="5329238"/>
+            </a:xfrm>
+            <a:custGeom>
+              <a:avLst/>
+              <a:gdLst/>
+              <a:ahLst/>
+              <a:cxnLst/>
+              <a:rect l="0" t="0" r="r" b="b"/>
+              <a:pathLst>
+                <a:path w="707" h="3357">
+                  <a:moveTo>
+                    <a:pt x="0" y="3330"/>
+                  </a:moveTo>
+                  <a:lnTo>
+                    <a:pt x="156" y="3357"/>
+                  </a:lnTo>
+                  <a:lnTo>
+                    <a:pt x="707" y="0"/>
+                  </a:lnTo>
+                  <a:lnTo>
+                    <a:pt x="547" y="0"/>
+                  </a:lnTo>
+                  <a:lnTo>
+                    <a:pt x="0" y="3330"/>
+                  </a:lnTo>
+                  <a:close/>
+                </a:path>
+              </a:pathLst>
+            </a:custGeom>
+            <a:solidFill>
+              <a:schemeClr val="accent1"/>
+            </a:solidFill>
+            <a:ln>
+              <a:noFill/>
+            </a:ln>
+          </p:spPr>
+        </p:sp>
+        <p:sp>
+          <p:nvSpPr>
+            <p:cNvPr id="13" name="Freeform 7">
+              <a:extLst>
+                <a:ext uri="{FF2B5EF4-FFF2-40B4-BE49-F238E27FC236}">
+                  <a16:creationId xmlns:a16="http://schemas.microsoft.com/office/drawing/2014/main" id="{BC38192B-B4CB-47D4-A3B1-10010247F158}"/>
+                </a:ext>
+                <a:ext uri="{C183D7F6-B498-43B3-948B-1728B52AA6E4}">
+                  <adec:decorative xmlns:adec="http://schemas.microsoft.com/office/drawing/2017/decorative" val="1"/>
+                </a:ext>
+              </a:extLst>
+            </p:cNvPr>
+            <p:cNvSpPr/>
+            <p:nvPr>
+              <p:extLst>
+                <p:ext uri="{386F3935-93C4-4BCD-93E2-E3B085C9AB24}">
+                  <p16:designElem xmlns:p16="http://schemas.microsoft.com/office/powerpoint/2015/main" val="1"/>
+                </p:ext>
+              </p:extLst>
+            </p:nvPr>
+          </p:nvSpPr>
+          <p:spPr bwMode="auto">
+            <a:xfrm>
+              <a:off x="1320800" y="0"/>
+              <a:ext cx="1117600" cy="5276850"/>
+            </a:xfrm>
+            <a:custGeom>
+              <a:avLst/>
+              <a:gdLst/>
+              <a:ahLst/>
+              <a:cxnLst/>
+              <a:rect l="0" t="0" r="r" b="b"/>
+              <a:pathLst>
+                <a:path w="704" h="3324">
+                  <a:moveTo>
+                    <a:pt x="704" y="0"/>
+                  </a:moveTo>
+                  <a:lnTo>
+                    <a:pt x="545" y="0"/>
+                  </a:lnTo>
+                  <a:lnTo>
+                    <a:pt x="0" y="3300"/>
+                  </a:lnTo>
+                  <a:lnTo>
+                    <a:pt x="157" y="3324"/>
+                  </a:lnTo>
+                  <a:lnTo>
+                    <a:pt x="704" y="0"/>
+                  </a:lnTo>
+                  <a:close/>
+                </a:path>
+              </a:pathLst>
+            </a:custGeom>
+            <a:solidFill>
+              <a:srgbClr val="595959"/>
+            </a:solidFill>
+            <a:ln>
+              <a:noFill/>
+            </a:ln>
+          </p:spPr>
+        </p:sp>
+        <p:sp>
+          <p:nvSpPr>
+            <p:cNvPr id="8" name="Freeform 8">
+              <a:extLst>
+                <a:ext uri="{FF2B5EF4-FFF2-40B4-BE49-F238E27FC236}">
+                  <a16:creationId xmlns:a16="http://schemas.microsoft.com/office/drawing/2014/main" id="{96330E33-E171-4B0F-82B5-AF7230399B5C}"/>
+                </a:ext>
+                <a:ext uri="{C183D7F6-B498-43B3-948B-1728B52AA6E4}">
+                  <adec:decorative xmlns:adec="http://schemas.microsoft.com/office/drawing/2017/decorative" val="1"/>
+                </a:ext>
+              </a:extLst>
+            </p:cNvPr>
+            <p:cNvSpPr/>
+            <p:nvPr>
+              <p:extLst>
+                <p:ext uri="{386F3935-93C4-4BCD-93E2-E3B085C9AB24}">
+                  <p16:designElem xmlns:p16="http://schemas.microsoft.com/office/powerpoint/2015/main" val="1"/>
+                </p:ext>
+              </p:extLst>
+            </p:nvPr>
+          </p:nvSpPr>
+          <p:spPr bwMode="auto">
+            <a:xfrm>
+              <a:off x="1320800" y="5238750"/>
+              <a:ext cx="1228725" cy="1619250"/>
+            </a:xfrm>
+            <a:custGeom>
+              <a:avLst/>
+              <a:gdLst/>
+              <a:ahLst/>
+              <a:cxnLst/>
+              <a:rect l="0" t="0" r="r" b="b"/>
+              <a:pathLst>
+                <a:path w="774" h="1020">
+                  <a:moveTo>
+                    <a:pt x="0" y="0"/>
+                  </a:moveTo>
+                  <a:lnTo>
+                    <a:pt x="740" y="1020"/>
+                  </a:lnTo>
+                  <a:lnTo>
+                    <a:pt x="774" y="1020"/>
+                  </a:lnTo>
+                  <a:lnTo>
+                    <a:pt x="0" y="0"/>
+                  </a:lnTo>
+                  <a:close/>
+                </a:path>
+              </a:pathLst>
+            </a:custGeom>
+            <a:solidFill>
+              <a:srgbClr val="262626"/>
+            </a:solidFill>
+            <a:ln>
+              <a:noFill/>
+            </a:ln>
+          </p:spPr>
+        </p:sp>
+        <p:sp>
+          <p:nvSpPr>
+            <p:cNvPr id="15" name="Freeform 9">
+              <a:extLst>
+                <a:ext uri="{FF2B5EF4-FFF2-40B4-BE49-F238E27FC236}">
+                  <a16:creationId xmlns:a16="http://schemas.microsoft.com/office/drawing/2014/main" id="{332B1723-69BF-42D7-B757-0FA059E15256}"/>
+                </a:ext>
+                <a:ext uri="{C183D7F6-B498-43B3-948B-1728B52AA6E4}">
+                  <adec:decorative xmlns:adec="http://schemas.microsoft.com/office/drawing/2017/decorative" val="1"/>
+                </a:ext>
+              </a:extLst>
+            </p:cNvPr>
+            <p:cNvSpPr/>
+            <p:nvPr>
+              <p:extLst>
+                <p:ext uri="{386F3935-93C4-4BCD-93E2-E3B085C9AB24}">
+                  <p16:designElem xmlns:p16="http://schemas.microsoft.com/office/powerpoint/2015/main" val="1"/>
+                </p:ext>
+              </p:extLst>
+            </p:nvPr>
+          </p:nvSpPr>
+          <p:spPr bwMode="auto">
+            <a:xfrm>
+              <a:off x="1627188" y="5291138"/>
+              <a:ext cx="1495425" cy="1566863"/>
+            </a:xfrm>
+            <a:custGeom>
+              <a:avLst/>
+              <a:gdLst/>
+              <a:ahLst/>
+              <a:cxnLst/>
+              <a:rect l="0" t="0" r="r" b="b"/>
+              <a:pathLst>
+                <a:path w="942" h="987">
+                  <a:moveTo>
+                    <a:pt x="0" y="0"/>
+                  </a:moveTo>
+                  <a:lnTo>
+                    <a:pt x="909" y="987"/>
+                  </a:lnTo>
+                  <a:lnTo>
+                    <a:pt x="942" y="987"/>
+                  </a:lnTo>
+                  <a:lnTo>
+                    <a:pt x="0" y="0"/>
+                  </a:lnTo>
+                  <a:close/>
+                </a:path>
+              </a:pathLst>
+            </a:custGeom>
+            <a:solidFill>
+              <a:schemeClr val="accent1">
+                <a:lumMod val="50000"/>
+              </a:schemeClr>
+            </a:solidFill>
+            <a:ln>
+              <a:noFill/>
+            </a:ln>
+          </p:spPr>
+        </p:sp>
+        <p:sp>
+          <p:nvSpPr>
+            <p:cNvPr id="16" name="Freeform 10">
+              <a:extLst>
+                <a:ext uri="{FF2B5EF4-FFF2-40B4-BE49-F238E27FC236}">
+                  <a16:creationId xmlns:a16="http://schemas.microsoft.com/office/drawing/2014/main" id="{F115D62D-1E96-48D1-A78D-D370A0BFB9B5}"/>
+                </a:ext>
+                <a:ext uri="{C183D7F6-B498-43B3-948B-1728B52AA6E4}">
+                  <adec:decorative xmlns:adec="http://schemas.microsoft.com/office/drawing/2017/decorative" val="1"/>
+                </a:ext>
+              </a:extLst>
+            </p:cNvPr>
+            <p:cNvSpPr/>
+            <p:nvPr>
+              <p:extLst>
+                <p:ext uri="{386F3935-93C4-4BCD-93E2-E3B085C9AB24}">
+                  <p16:designElem xmlns:p16="http://schemas.microsoft.com/office/powerpoint/2015/main" val="1"/>
+                </p:ext>
+              </p:extLst>
+            </p:nvPr>
+          </p:nvSpPr>
+          <p:spPr bwMode="auto">
+            <a:xfrm>
+              <a:off x="1627188" y="5286375"/>
+              <a:ext cx="2130425" cy="1571625"/>
+            </a:xfrm>
+            <a:custGeom>
+              <a:avLst/>
+              <a:gdLst/>
+              <a:ahLst/>
+              <a:cxnLst/>
+              <a:rect l="0" t="0" r="r" b="b"/>
+              <a:pathLst>
+                <a:path w="1342" h="990">
+                  <a:moveTo>
+                    <a:pt x="0" y="3"/>
+                  </a:moveTo>
+                  <a:lnTo>
+                    <a:pt x="942" y="990"/>
+                  </a:lnTo>
+                  <a:lnTo>
+                    <a:pt x="1342" y="990"/>
+                  </a:lnTo>
+                  <a:lnTo>
+                    <a:pt x="156" y="27"/>
+                  </a:lnTo>
+                  <a:lnTo>
+                    <a:pt x="0" y="0"/>
+                  </a:lnTo>
+                  <a:lnTo>
+                    <a:pt x="0" y="3"/>
+                  </a:lnTo>
+                  <a:close/>
+                </a:path>
+              </a:pathLst>
+            </a:custGeom>
+            <a:solidFill>
+              <a:schemeClr val="accent1">
+                <a:lumMod val="75000"/>
+              </a:schemeClr>
+            </a:solidFill>
+            <a:ln>
+              <a:noFill/>
+            </a:ln>
+          </p:spPr>
+        </p:sp>
+        <p:sp>
+          <p:nvSpPr>
+            <p:cNvPr id="17" name="Freeform 11">
+              <a:extLst>
+                <a:ext uri="{FF2B5EF4-FFF2-40B4-BE49-F238E27FC236}">
+                  <a16:creationId xmlns:a16="http://schemas.microsoft.com/office/drawing/2014/main" id="{91C2876A-169D-4822-A766-C00578C88B4B}"/>
+                </a:ext>
+                <a:ext uri="{C183D7F6-B498-43B3-948B-1728B52AA6E4}">
+                  <adec:decorative xmlns:adec="http://schemas.microsoft.com/office/drawing/2017/decorative" val="1"/>
+                </a:ext>
+              </a:extLst>
+            </p:cNvPr>
+            <p:cNvSpPr/>
+            <p:nvPr>
+              <p:extLst>
+                <p:ext uri="{386F3935-93C4-4BCD-93E2-E3B085C9AB24}">
+                  <p16:designElem xmlns:p16="http://schemas.microsoft.com/office/powerpoint/2015/main" val="1"/>
+                </p:ext>
+              </p:extLst>
+            </p:nvPr>
+          </p:nvSpPr>
+          <p:spPr bwMode="auto">
+            <a:xfrm>
+              <a:off x="1320800" y="5238750"/>
+              <a:ext cx="1695450" cy="1619250"/>
+            </a:xfrm>
+            <a:custGeom>
+              <a:avLst/>
+              <a:gdLst/>
+              <a:ahLst/>
+              <a:cxnLst/>
+              <a:rect l="0" t="0" r="r" b="b"/>
+              <a:pathLst>
+                <a:path w="1068" h="1020">
+                  <a:moveTo>
+                    <a:pt x="1068" y="1020"/>
+                  </a:moveTo>
+                  <a:lnTo>
+                    <a:pt x="184" y="60"/>
+                  </a:lnTo>
+                  <a:lnTo>
+                    <a:pt x="154" y="27"/>
+                  </a:lnTo>
+                  <a:lnTo>
+                    <a:pt x="157" y="27"/>
+                  </a:lnTo>
+                  <a:lnTo>
+                    <a:pt x="157" y="24"/>
+                  </a:lnTo>
+                  <a:lnTo>
+                    <a:pt x="154" y="24"/>
+                  </a:lnTo>
+                  <a:lnTo>
+                    <a:pt x="0" y="0"/>
+                  </a:lnTo>
+                  <a:lnTo>
+                    <a:pt x="0" y="0"/>
+                  </a:lnTo>
+                  <a:lnTo>
+                    <a:pt x="774" y="1020"/>
+                  </a:lnTo>
+                  <a:lnTo>
+                    <a:pt x="1068" y="1020"/>
+                  </a:lnTo>
+                  <a:close/>
+                </a:path>
+              </a:pathLst>
+            </a:custGeom>
+            <a:solidFill>
+              <a:srgbClr val="404040"/>
+            </a:solidFill>
+            <a:ln>
+              <a:noFill/>
+            </a:ln>
+          </p:spPr>
+        </p:sp>
+      </p:grpSp>
+      <p:sp>
+        <p:nvSpPr>
+          <p:cNvPr id="2" name="Title 1">
+            <a:extLst>
+              <a:ext uri="{FF2B5EF4-FFF2-40B4-BE49-F238E27FC236}">
+                <a16:creationId xmlns:a16="http://schemas.microsoft.com/office/drawing/2014/main" id="{0FB57A14-5405-41DA-89E8-7B0A2228850B}"/>
+              </a:ext>
+            </a:extLst>
+          </p:cNvPr>
+          <p:cNvSpPr>
+            <a:spLocks noGrp="1"/>
+          </p:cNvSpPr>
+          <p:nvPr>
+            <p:ph type="title"/>
+          </p:nvPr>
+        </p:nvSpPr>
+        <p:spPr>
+          <a:xfrm>
+            <a:off x="535020" y="685800"/>
+            <a:ext cx="2780271" cy="5105400"/>
+          </a:xfrm>
+        </p:spPr>
+        <p:txBody>
+          <a:bodyPr>
+            <a:normAutofit/>
+          </a:bodyPr>
+          <a:lstStyle/>
+          <a:p>
+            <a:r>
+              <a:rPr lang="en-US" sz="4000">
+                <a:solidFill>
+                  <a:srgbClr val="FFFFFF"/>
+                </a:solidFill>
+              </a:rPr>
+              <a:t>Designers</a:t>
+            </a:r>
+          </a:p>
+        </p:txBody>
+      </p:sp>
+      <p:graphicFrame>
+        <p:nvGraphicFramePr>
+          <p:cNvPr id="5" name="Content Placeholder 2">
+            <a:extLst>
+              <a:ext uri="{FF2B5EF4-FFF2-40B4-BE49-F238E27FC236}">
+                <a16:creationId xmlns:a16="http://schemas.microsoft.com/office/drawing/2014/main" id="{4C247DB5-C868-459D-81DE-B21147C2E62E}"/>
+              </a:ext>
+            </a:extLst>
+          </p:cNvPr>
+          <p:cNvGraphicFramePr>
+            <a:graphicFrameLocks noGrp="1"/>
+          </p:cNvGraphicFramePr>
+          <p:nvPr>
+            <p:ph idx="1"/>
+            <p:extLst>
+              <p:ext uri="{D42A27DB-BD31-4B8C-83A1-F6EECF244321}">
+                <p14:modId xmlns:p14="http://schemas.microsoft.com/office/powerpoint/2010/main" val="3109997341"/>
+              </p:ext>
+            </p:extLst>
+          </p:nvPr>
+        </p:nvGraphicFramePr>
+        <p:xfrm>
+          <a:off x="5010150" y="685800"/>
+          <a:ext cx="6492875" cy="5105400"/>
+        </p:xfrm>
+        <a:graphic>
+          <a:graphicData uri="http://schemas.openxmlformats.org/drawingml/2006/diagram">
+            <dgm:relIds xmlns:dgm="http://schemas.openxmlformats.org/drawingml/2006/diagram" xmlns:r="http://schemas.openxmlformats.org/officeDocument/2006/relationships" r:dm="rId2" r:lo="rId3" r:qs="rId4" r:cs="rId5"/>
+          </a:graphicData>
+        </a:graphic>
+      </p:graphicFrame>
+    </p:spTree>
+    <p:extLst>
+      <p:ext uri="{BB962C8B-B14F-4D97-AF65-F5344CB8AC3E}">
+        <p14:creationId xmlns:p14="http://schemas.microsoft.com/office/powerpoint/2010/main" val="3764177209"/>
+      </p:ext>
+    </p:extLst>
+  </p:cSld>
+  <p:clrMapOvr>
+    <a:masterClrMapping/>
+  </p:clrMapOvr>
+</p:sld>
+</file>
+
+<file path=ppt/slides/slide3.xml><?xml version="1.0" encoding="utf-8"?>
+<p:sld xmlns:a="http://schemas.openxmlformats.org/drawingml/2006/main" xmlns:r="http://schemas.openxmlformats.org/officeDocument/2006/relationships" xmlns:p="http://schemas.openxmlformats.org/presentationml/2006/main">
+  <p:cSld>
     <p:spTree>
       <p:nvGrpSpPr>
         <p:cNvPr id="1" name=""/>
@@ -26084,7 +30336,7 @@
 </p:sld>
 </file>
 
-<file path=ppt/slides/slide3.xml><?xml version="1.0" encoding="utf-8"?>
+<file path=ppt/slides/slide4.xml><?xml version="1.0" encoding="utf-8"?>
 <p:sld xmlns:a="http://schemas.openxmlformats.org/drawingml/2006/main" xmlns:r="http://schemas.openxmlformats.org/officeDocument/2006/relationships" xmlns:p="http://schemas.openxmlformats.org/presentationml/2006/main">
   <p:cSld>
     <p:bg>
@@ -26410,7 +30662,7 @@
 </p:sld>
 </file>
 
-<file path=ppt/slides/slide4.xml><?xml version="1.0" encoding="utf-8"?>
+<file path=ppt/slides/slide5.xml><?xml version="1.0" encoding="utf-8"?>
 <p:sld xmlns:a="http://schemas.openxmlformats.org/drawingml/2006/main" xmlns:r="http://schemas.openxmlformats.org/officeDocument/2006/relationships" xmlns:p="http://schemas.openxmlformats.org/presentationml/2006/main">
   <p:cSld>
     <p:bg>
@@ -26593,7 +30845,7 @@
 </p:sld>
 </file>
 
-<file path=ppt/slides/slide5.xml><?xml version="1.0" encoding="utf-8"?>
+<file path=ppt/slides/slide6.xml><?xml version="1.0" encoding="utf-8"?>
 <p:sld xmlns:a="http://schemas.openxmlformats.org/drawingml/2006/main" xmlns:r="http://schemas.openxmlformats.org/officeDocument/2006/relationships" xmlns:p="http://schemas.openxmlformats.org/presentationml/2006/main">
   <p:cSld>
     <p:bg>
@@ -27255,7 +31507,7 @@
 </p:sld>
 </file>
 
-<file path=ppt/slides/slide6.xml><?xml version="1.0" encoding="utf-8"?>
+<file path=ppt/slides/slide7.xml><?xml version="1.0" encoding="utf-8"?>
 <p:sld xmlns:a="http://schemas.openxmlformats.org/drawingml/2006/main" xmlns:r="http://schemas.openxmlformats.org/officeDocument/2006/relationships" xmlns:p="http://schemas.openxmlformats.org/presentationml/2006/main">
   <p:cSld>
     <p:bg>
@@ -27917,7 +32169,7 @@
 </p:sld>
 </file>
 
-<file path=ppt/slides/slide7.xml><?xml version="1.0" encoding="utf-8"?>
+<file path=ppt/slides/slide8.xml><?xml version="1.0" encoding="utf-8"?>
 <p:sld xmlns:a="http://schemas.openxmlformats.org/drawingml/2006/main" xmlns:r="http://schemas.openxmlformats.org/officeDocument/2006/relationships" xmlns:p="http://schemas.openxmlformats.org/presentationml/2006/main">
   <p:cSld>
     <p:bg>
@@ -28579,7 +32831,7 @@
 </p:sld>
 </file>
 
-<file path=ppt/slides/slide8.xml><?xml version="1.0" encoding="utf-8"?>
+<file path=ppt/slides/slide9.xml><?xml version="1.0" encoding="utf-8"?>
 <p:sld xmlns:a="http://schemas.openxmlformats.org/drawingml/2006/main" xmlns:r="http://schemas.openxmlformats.org/officeDocument/2006/relationships" xmlns:p="http://schemas.openxmlformats.org/presentationml/2006/main">
   <p:cSld>
     <p:bg>
@@ -29213,7 +33465,7 @@
             <p:ph idx="1"/>
             <p:extLst>
               <p:ext uri="{D42A27DB-BD31-4B8C-83A1-F6EECF244321}">
-                <p14:modId xmlns:p14="http://schemas.microsoft.com/office/powerpoint/2010/main" val="1118550073"/>
+                <p14:modId xmlns:p14="http://schemas.microsoft.com/office/powerpoint/2010/main" val="2051910622"/>
               </p:ext>
             </p:extLst>
           </p:nvPr>
@@ -29232,464 +33484,6 @@
     <p:extLst>
       <p:ext uri="{BB962C8B-B14F-4D97-AF65-F5344CB8AC3E}">
         <p14:creationId xmlns:p14="http://schemas.microsoft.com/office/powerpoint/2010/main" val="3711445199"/>
-      </p:ext>
-    </p:extLst>
-  </p:cSld>
-  <p:clrMapOvr>
-    <a:masterClrMapping/>
-  </p:clrMapOvr>
-</p:sld>
-</file>
-
-<file path=ppt/slides/slide9.xml><?xml version="1.0" encoding="utf-8"?>
-<p:sld xmlns:a="http://schemas.openxmlformats.org/drawingml/2006/main" xmlns:r="http://schemas.openxmlformats.org/officeDocument/2006/relationships" xmlns:p="http://schemas.openxmlformats.org/presentationml/2006/main">
-  <p:cSld>
-    <p:bg>
-      <p:bgPr>
-        <a:solidFill>
-          <a:schemeClr val="bg1"/>
-        </a:solidFill>
-        <a:effectLst/>
-      </p:bgPr>
-    </p:bg>
-    <p:spTree>
-      <p:nvGrpSpPr>
-        <p:cNvPr id="1" name=""/>
-        <p:cNvGrpSpPr/>
-        <p:nvPr/>
-      </p:nvGrpSpPr>
-      <p:grpSpPr>
-        <a:xfrm>
-          <a:off x="0" y="0"/>
-          <a:ext cx="0" cy="0"/>
-          <a:chOff x="0" y="0"/>
-          <a:chExt cx="0" cy="0"/>
-        </a:xfrm>
-      </p:grpSpPr>
-      <p:sp useBgFill="1">
-        <p:nvSpPr>
-          <p:cNvPr id="8" name="Rectangle 7">
-            <a:extLst>
-              <a:ext uri="{FF2B5EF4-FFF2-40B4-BE49-F238E27FC236}">
-                <a16:creationId xmlns:a16="http://schemas.microsoft.com/office/drawing/2014/main" id="{3B854194-185D-494D-905C-7C7CB2E30F6E}"/>
-              </a:ext>
-              <a:ext uri="{C183D7F6-B498-43B3-948B-1728B52AA6E4}">
-                <adec:decorative xmlns:adec="http://schemas.microsoft.com/office/drawing/2017/decorative" val="1"/>
-              </a:ext>
-            </a:extLst>
-          </p:cNvPr>
-          <p:cNvSpPr>
-            <a:spLocks noGrp="1" noRot="1" noChangeAspect="1" noMove="1" noResize="1" noEditPoints="1" noAdjustHandles="1" noChangeArrowheads="1" noChangeShapeType="1" noTextEdit="1"/>
-          </p:cNvSpPr>
-          <p:nvPr>
-            <p:extLst>
-              <p:ext uri="{386F3935-93C4-4BCD-93E2-E3B085C9AB24}">
-                <p16:designElem xmlns:p16="http://schemas.microsoft.com/office/powerpoint/2015/main" val="1"/>
-              </p:ext>
-            </p:extLst>
-          </p:nvPr>
-        </p:nvSpPr>
-        <p:spPr>
-          <a:xfrm>
-            <a:off x="1" y="0"/>
-            <a:ext cx="6082110" cy="6858000"/>
-          </a:xfrm>
-          <a:prstGeom prst="rect">
-            <a:avLst/>
-          </a:prstGeom>
-          <a:ln>
-            <a:noFill/>
-          </a:ln>
-        </p:spPr>
-        <p:style>
-          <a:lnRef idx="2">
-            <a:schemeClr val="accent1">
-              <a:shade val="50000"/>
-            </a:schemeClr>
-          </a:lnRef>
-          <a:fillRef idx="1">
-            <a:schemeClr val="accent1"/>
-          </a:fillRef>
-          <a:effectRef idx="0">
-            <a:schemeClr val="accent1"/>
-          </a:effectRef>
-          <a:fontRef idx="minor">
-            <a:schemeClr val="lt1"/>
-          </a:fontRef>
-        </p:style>
-        <p:txBody>
-          <a:bodyPr rtlCol="0" anchor="ctr"/>
-          <a:lstStyle/>
-          <a:p>
-            <a:pPr algn="ctr"/>
-            <a:endParaRPr lang="en-US"/>
-          </a:p>
-        </p:txBody>
-      </p:sp>
-      <p:sp>
-        <p:nvSpPr>
-          <p:cNvPr id="10" name="Rectangle 9">
-            <a:extLst>
-              <a:ext uri="{FF2B5EF4-FFF2-40B4-BE49-F238E27FC236}">
-                <a16:creationId xmlns:a16="http://schemas.microsoft.com/office/drawing/2014/main" id="{B4F5FA0D-0104-4987-8241-EFF7C85B88DE}"/>
-              </a:ext>
-              <a:ext uri="{C183D7F6-B498-43B3-948B-1728B52AA6E4}">
-                <adec:decorative xmlns:adec="http://schemas.microsoft.com/office/drawing/2017/decorative" val="1"/>
-              </a:ext>
-            </a:extLst>
-          </p:cNvPr>
-          <p:cNvSpPr>
-            <a:spLocks noGrp="1" noRot="1" noChangeAspect="1" noMove="1" noResize="1" noEditPoints="1" noAdjustHandles="1" noChangeArrowheads="1" noChangeShapeType="1" noTextEdit="1"/>
-          </p:cNvSpPr>
-          <p:nvPr>
-            <p:extLst>
-              <p:ext uri="{386F3935-93C4-4BCD-93E2-E3B085C9AB24}">
-                <p16:designElem xmlns:p16="http://schemas.microsoft.com/office/powerpoint/2015/main" val="1"/>
-              </p:ext>
-            </p:extLst>
-          </p:nvPr>
-        </p:nvSpPr>
-        <p:spPr>
-          <a:xfrm>
-            <a:off x="1" y="0"/>
-            <a:ext cx="12191998" cy="6858000"/>
-          </a:xfrm>
-          <a:prstGeom prst="rect">
-            <a:avLst/>
-          </a:prstGeom>
-          <a:gradFill>
-            <a:gsLst>
-              <a:gs pos="0">
-                <a:schemeClr val="accent1">
-                  <a:lumMod val="90000"/>
-                </a:schemeClr>
-              </a:gs>
-              <a:gs pos="25000">
-                <a:schemeClr val="accent1">
-                  <a:lumMod val="90000"/>
-                </a:schemeClr>
-              </a:gs>
-              <a:gs pos="94000">
-                <a:schemeClr val="bg2">
-                  <a:lumMod val="25000"/>
-                </a:schemeClr>
-              </a:gs>
-              <a:gs pos="100000">
-                <a:schemeClr val="bg2">
-                  <a:lumMod val="25000"/>
-                </a:schemeClr>
-              </a:gs>
-            </a:gsLst>
-            <a:lin ang="4200000" scaled="0"/>
-          </a:gradFill>
-          <a:ln>
-            <a:noFill/>
-          </a:ln>
-        </p:spPr>
-        <p:style>
-          <a:lnRef idx="2">
-            <a:schemeClr val="accent1">
-              <a:shade val="50000"/>
-            </a:schemeClr>
-          </a:lnRef>
-          <a:fillRef idx="1">
-            <a:schemeClr val="accent1"/>
-          </a:fillRef>
-          <a:effectRef idx="0">
-            <a:schemeClr val="accent1"/>
-          </a:effectRef>
-          <a:fontRef idx="minor">
-            <a:schemeClr val="lt1"/>
-          </a:fontRef>
-        </p:style>
-        <p:txBody>
-          <a:bodyPr rtlCol="0" anchor="ctr"/>
-          <a:lstStyle/>
-          <a:p>
-            <a:pPr algn="ctr"/>
-            <a:endParaRPr lang="en-US"/>
-          </a:p>
-        </p:txBody>
-      </p:sp>
-      <p:pic>
-        <p:nvPicPr>
-          <p:cNvPr id="12" name="Picture 11">
-            <a:extLst>
-              <a:ext uri="{FF2B5EF4-FFF2-40B4-BE49-F238E27FC236}">
-                <a16:creationId xmlns:a16="http://schemas.microsoft.com/office/drawing/2014/main" id="{2897127E-6CEF-446C-BE87-93B7C46E49D1}"/>
-              </a:ext>
-              <a:ext uri="{C183D7F6-B498-43B3-948B-1728B52AA6E4}">
-                <adec:decorative xmlns:adec="http://schemas.microsoft.com/office/drawing/2017/decorative" val="1"/>
-              </a:ext>
-            </a:extLst>
-          </p:cNvPr>
-          <p:cNvPicPr>
-            <a:picLocks noGrp="1" noRot="1" noChangeAspect="1" noMove="1" noResize="1" noEditPoints="1" noAdjustHandles="1" noChangeArrowheads="1" noChangeShapeType="1" noCrop="1"/>
-          </p:cNvPicPr>
-          <p:nvPr>
-            <p:extLst>
-              <p:ext uri="{386F3935-93C4-4BCD-93E2-E3B085C9AB24}">
-                <p16:designElem xmlns:p16="http://schemas.microsoft.com/office/powerpoint/2015/main" val="1"/>
-              </p:ext>
-            </p:extLst>
-          </p:nvPr>
-        </p:nvPicPr>
-        <p:blipFill>
-          <a:blip r:embed="rId2">
-            <a:extLst>
-              <a:ext uri="{28A0092B-C50C-407E-A947-70E740481C1C}">
-                <a14:useLocalDpi xmlns:a14="http://schemas.microsoft.com/office/drawing/2010/main" val="0"/>
-              </a:ext>
-            </a:extLst>
-          </a:blip>
-          <a:stretch>
-            <a:fillRect/>
-          </a:stretch>
-        </p:blipFill>
-        <p:spPr>
-          <a:xfrm>
-            <a:off x="0" y="0"/>
-            <a:ext cx="12192000" cy="6858000"/>
-          </a:xfrm>
-          <a:prstGeom prst="rect">
-            <a:avLst/>
-          </a:prstGeom>
-        </p:spPr>
-      </p:pic>
-      <p:sp>
-        <p:nvSpPr>
-          <p:cNvPr id="2" name="Title 1">
-            <a:extLst>
-              <a:ext uri="{FF2B5EF4-FFF2-40B4-BE49-F238E27FC236}">
-                <a16:creationId xmlns:a16="http://schemas.microsoft.com/office/drawing/2014/main" id="{F1677698-0DCC-4A68-B1B2-26EBBA62902F}"/>
-              </a:ext>
-            </a:extLst>
-          </p:cNvPr>
-          <p:cNvSpPr>
-            <a:spLocks noGrp="1"/>
-          </p:cNvSpPr>
-          <p:nvPr>
-            <p:ph type="title"/>
-          </p:nvPr>
-        </p:nvSpPr>
-        <p:spPr>
-          <a:xfrm>
-            <a:off x="640079" y="2053641"/>
-            <a:ext cx="3669161" cy="2760098"/>
-          </a:xfrm>
-        </p:spPr>
-        <p:txBody>
-          <a:bodyPr>
-            <a:normAutofit/>
-          </a:bodyPr>
-          <a:lstStyle/>
-          <a:p>
-            <a:r>
-              <a:rPr lang="en-US">
-                <a:solidFill>
-                  <a:srgbClr val="FFFFFF"/>
-                </a:solidFill>
-              </a:rPr>
-              <a:t>Tasks and Roles</a:t>
-            </a:r>
-          </a:p>
-        </p:txBody>
-      </p:sp>
-      <p:sp>
-        <p:nvSpPr>
-          <p:cNvPr id="3" name="Content Placeholder 2">
-            <a:extLst>
-              <a:ext uri="{FF2B5EF4-FFF2-40B4-BE49-F238E27FC236}">
-                <a16:creationId xmlns:a16="http://schemas.microsoft.com/office/drawing/2014/main" id="{AC624BAE-8BF3-4379-8E5B-C194B09C5681}"/>
-              </a:ext>
-            </a:extLst>
-          </p:cNvPr>
-          <p:cNvSpPr>
-            <a:spLocks noGrp="1"/>
-          </p:cNvSpPr>
-          <p:nvPr>
-            <p:ph idx="1"/>
-          </p:nvPr>
-        </p:nvSpPr>
-        <p:spPr>
-          <a:xfrm>
-            <a:off x="6090574" y="801866"/>
-            <a:ext cx="5306084" cy="5230634"/>
-          </a:xfrm>
-        </p:spPr>
-        <p:txBody>
-          <a:bodyPr anchor="ctr">
-            <a:normAutofit/>
-          </a:bodyPr>
-          <a:lstStyle/>
-          <a:p>
-            <a:r>
-              <a:rPr lang="en-US" sz="2000" dirty="0">
-                <a:solidFill>
-                  <a:srgbClr val="000000"/>
-                </a:solidFill>
-              </a:rPr>
-              <a:t>Allison</a:t>
-            </a:r>
-          </a:p>
-          <a:p>
-            <a:pPr lvl="1"/>
-            <a:r>
-              <a:rPr lang="en-US" sz="2000" dirty="0">
-                <a:solidFill>
-                  <a:srgbClr val="000000"/>
-                </a:solidFill>
-              </a:rPr>
-              <a:t>Backend development</a:t>
-            </a:r>
-          </a:p>
-          <a:p>
-            <a:pPr lvl="1"/>
-            <a:r>
-              <a:rPr lang="en-US" sz="2000" dirty="0">
-                <a:solidFill>
-                  <a:srgbClr val="000000"/>
-                </a:solidFill>
-              </a:rPr>
-              <a:t>SQL relationships</a:t>
-            </a:r>
-          </a:p>
-          <a:p>
-            <a:pPr lvl="1"/>
-            <a:r>
-              <a:rPr lang="en-US" sz="2000" dirty="0">
-                <a:solidFill>
-                  <a:srgbClr val="000000"/>
-                </a:solidFill>
-              </a:rPr>
-              <a:t>Front end design</a:t>
-            </a:r>
-          </a:p>
-          <a:p>
-            <a:r>
-              <a:rPr lang="en-US" sz="2000" dirty="0" err="1">
-                <a:solidFill>
-                  <a:srgbClr val="000000"/>
-                </a:solidFill>
-              </a:rPr>
-              <a:t>Terahje</a:t>
-            </a:r>
-            <a:endParaRPr lang="en-US" sz="2000" dirty="0">
-              <a:solidFill>
-                <a:srgbClr val="000000"/>
-              </a:solidFill>
-            </a:endParaRPr>
-          </a:p>
-          <a:p>
-            <a:pPr lvl="1"/>
-            <a:r>
-              <a:rPr lang="en-US" sz="2000" dirty="0">
-                <a:solidFill>
-                  <a:srgbClr val="000000"/>
-                </a:solidFill>
-              </a:rPr>
-              <a:t>Backend development</a:t>
-            </a:r>
-          </a:p>
-          <a:p>
-            <a:pPr lvl="1"/>
-            <a:r>
-              <a:rPr lang="en-US" sz="2000" dirty="0">
-                <a:solidFill>
-                  <a:srgbClr val="000000"/>
-                </a:solidFill>
-              </a:rPr>
-              <a:t>Express routes</a:t>
-            </a:r>
-          </a:p>
-          <a:p>
-            <a:pPr lvl="1"/>
-            <a:r>
-              <a:rPr lang="en-US" sz="2000" dirty="0">
-                <a:solidFill>
-                  <a:srgbClr val="000000"/>
-                </a:solidFill>
-              </a:rPr>
-              <a:t>SQL relationships</a:t>
-            </a:r>
-          </a:p>
-          <a:p>
-            <a:pPr lvl="1"/>
-            <a:r>
-              <a:rPr lang="en-US" sz="2000" dirty="0">
-                <a:solidFill>
-                  <a:srgbClr val="000000"/>
-                </a:solidFill>
-              </a:rPr>
-              <a:t>Git Repo</a:t>
-            </a:r>
-          </a:p>
-          <a:p>
-            <a:r>
-              <a:rPr lang="en-US" sz="2000" dirty="0">
-                <a:solidFill>
-                  <a:srgbClr val="000000"/>
-                </a:solidFill>
-              </a:rPr>
-              <a:t>Jennifer</a:t>
-            </a:r>
-          </a:p>
-          <a:p>
-            <a:pPr lvl="1"/>
-            <a:r>
-              <a:rPr lang="en-US" sz="2000" dirty="0">
-                <a:solidFill>
-                  <a:srgbClr val="000000"/>
-                </a:solidFill>
-              </a:rPr>
-              <a:t>New technology finding, incorporating and troubleshooting</a:t>
-            </a:r>
-          </a:p>
-          <a:p>
-            <a:pPr lvl="1"/>
-            <a:r>
-              <a:rPr lang="en-US" sz="2000" dirty="0">
-                <a:solidFill>
-                  <a:srgbClr val="000000"/>
-                </a:solidFill>
-              </a:rPr>
-              <a:t>Front end design</a:t>
-            </a:r>
-          </a:p>
-          <a:p>
-            <a:pPr lvl="1"/>
-            <a:r>
-              <a:rPr lang="en-US" sz="2000" dirty="0">
-                <a:solidFill>
-                  <a:srgbClr val="000000"/>
-                </a:solidFill>
-              </a:rPr>
-              <a:t>Coordinating product development to meet user needs</a:t>
-            </a:r>
-          </a:p>
-          <a:p>
-            <a:pPr marL="0" indent="0">
-              <a:buNone/>
-            </a:pPr>
-            <a:endParaRPr lang="en-US" sz="2000" dirty="0">
-              <a:solidFill>
-                <a:srgbClr val="000000"/>
-              </a:solidFill>
-            </a:endParaRPr>
-          </a:p>
-          <a:p>
-            <a:endParaRPr lang="en-US" sz="2000" dirty="0">
-              <a:solidFill>
-                <a:srgbClr val="000000"/>
-              </a:solidFill>
-            </a:endParaRPr>
-          </a:p>
-        </p:txBody>
-      </p:sp>
-    </p:spTree>
-    <p:extLst>
-      <p:ext uri="{BB962C8B-B14F-4D97-AF65-F5344CB8AC3E}">
-        <p14:creationId xmlns:p14="http://schemas.microsoft.com/office/powerpoint/2010/main" val="2508092859"/>
       </p:ext>
     </p:extLst>
   </p:cSld>
